--- a/dsa2017-java-online/handouts/data-day06-string/Lecture 10, 11 (Teach in 2 days) - String.pptx
+++ b/dsa2017-java-online/handouts/data-day06-string/Lecture 10, 11 (Teach in 2 days) - String.pptx
@@ -5,66 +5,70 @@
     <p:sldMasterId id="2147483648" r:id="rId1"/>
   </p:sldMasterIdLst>
   <p:notesMasterIdLst>
-    <p:notesMasterId r:id="rId59"/>
+    <p:notesMasterId r:id="rId63"/>
   </p:notesMasterIdLst>
   <p:sldIdLst>
     <p:sldId id="279" r:id="rId2"/>
     <p:sldId id="280" r:id="rId3"/>
     <p:sldId id="282" r:id="rId4"/>
     <p:sldId id="283" r:id="rId5"/>
-    <p:sldId id="284" r:id="rId6"/>
-    <p:sldId id="344" r:id="rId7"/>
-    <p:sldId id="285" r:id="rId8"/>
-    <p:sldId id="299" r:id="rId9"/>
-    <p:sldId id="287" r:id="rId10"/>
-    <p:sldId id="288" r:id="rId11"/>
-    <p:sldId id="289" r:id="rId12"/>
-    <p:sldId id="291" r:id="rId13"/>
-    <p:sldId id="346" r:id="rId14"/>
-    <p:sldId id="290" r:id="rId15"/>
-    <p:sldId id="292" r:id="rId16"/>
-    <p:sldId id="293" r:id="rId17"/>
-    <p:sldId id="306" r:id="rId18"/>
-    <p:sldId id="307" r:id="rId19"/>
-    <p:sldId id="301" r:id="rId20"/>
-    <p:sldId id="294" r:id="rId21"/>
-    <p:sldId id="295" r:id="rId22"/>
-    <p:sldId id="296" r:id="rId23"/>
-    <p:sldId id="298" r:id="rId24"/>
-    <p:sldId id="321" r:id="rId25"/>
-    <p:sldId id="297" r:id="rId26"/>
-    <p:sldId id="300" r:id="rId27"/>
-    <p:sldId id="302" r:id="rId28"/>
-    <p:sldId id="309" r:id="rId29"/>
-    <p:sldId id="319" r:id="rId30"/>
-    <p:sldId id="314" r:id="rId31"/>
-    <p:sldId id="315" r:id="rId32"/>
-    <p:sldId id="316" r:id="rId33"/>
-    <p:sldId id="318" r:id="rId34"/>
-    <p:sldId id="317" r:id="rId35"/>
-    <p:sldId id="312" r:id="rId36"/>
-    <p:sldId id="313" r:id="rId37"/>
-    <p:sldId id="320" r:id="rId38"/>
-    <p:sldId id="322" r:id="rId39"/>
-    <p:sldId id="323" r:id="rId40"/>
-    <p:sldId id="325" r:id="rId41"/>
-    <p:sldId id="327" r:id="rId42"/>
-    <p:sldId id="328" r:id="rId43"/>
-    <p:sldId id="329" r:id="rId44"/>
-    <p:sldId id="331" r:id="rId45"/>
-    <p:sldId id="330" r:id="rId46"/>
-    <p:sldId id="332" r:id="rId47"/>
-    <p:sldId id="333" r:id="rId48"/>
-    <p:sldId id="334" r:id="rId49"/>
-    <p:sldId id="335" r:id="rId50"/>
-    <p:sldId id="337" r:id="rId51"/>
-    <p:sldId id="338" r:id="rId52"/>
-    <p:sldId id="336" r:id="rId53"/>
-    <p:sldId id="339" r:id="rId54"/>
-    <p:sldId id="340" r:id="rId55"/>
-    <p:sldId id="341" r:id="rId56"/>
-    <p:sldId id="342" r:id="rId57"/>
-    <p:sldId id="343" r:id="rId58"/>
+    <p:sldId id="347" r:id="rId6"/>
+    <p:sldId id="284" r:id="rId7"/>
+    <p:sldId id="348" r:id="rId8"/>
+    <p:sldId id="349" r:id="rId9"/>
+    <p:sldId id="350" r:id="rId10"/>
+    <p:sldId id="351" r:id="rId11"/>
+    <p:sldId id="352" r:id="rId12"/>
+    <p:sldId id="353" r:id="rId13"/>
+    <p:sldId id="354" r:id="rId14"/>
+    <p:sldId id="355" r:id="rId15"/>
+    <p:sldId id="368" r:id="rId16"/>
+    <p:sldId id="356" r:id="rId17"/>
+    <p:sldId id="357" r:id="rId18"/>
+    <p:sldId id="358" r:id="rId19"/>
+    <p:sldId id="369" r:id="rId20"/>
+    <p:sldId id="359" r:id="rId21"/>
+    <p:sldId id="360" r:id="rId22"/>
+    <p:sldId id="361" r:id="rId23"/>
+    <p:sldId id="362" r:id="rId24"/>
+    <p:sldId id="363" r:id="rId25"/>
+    <p:sldId id="364" r:id="rId26"/>
+    <p:sldId id="365" r:id="rId27"/>
+    <p:sldId id="366" r:id="rId28"/>
+    <p:sldId id="367" r:id="rId29"/>
+    <p:sldId id="344" r:id="rId30"/>
+    <p:sldId id="285" r:id="rId31"/>
+    <p:sldId id="287" r:id="rId32"/>
+    <p:sldId id="288" r:id="rId33"/>
+    <p:sldId id="289" r:id="rId34"/>
+    <p:sldId id="370" r:id="rId35"/>
+    <p:sldId id="291" r:id="rId36"/>
+    <p:sldId id="346" r:id="rId37"/>
+    <p:sldId id="290" r:id="rId38"/>
+    <p:sldId id="292" r:id="rId39"/>
+    <p:sldId id="293" r:id="rId40"/>
+    <p:sldId id="306" r:id="rId41"/>
+    <p:sldId id="307" r:id="rId42"/>
+    <p:sldId id="301" r:id="rId43"/>
+    <p:sldId id="294" r:id="rId44"/>
+    <p:sldId id="295" r:id="rId45"/>
+    <p:sldId id="296" r:id="rId46"/>
+    <p:sldId id="298" r:id="rId47"/>
+    <p:sldId id="321" r:id="rId48"/>
+    <p:sldId id="297" r:id="rId49"/>
+    <p:sldId id="300" r:id="rId50"/>
+    <p:sldId id="302" r:id="rId51"/>
+    <p:sldId id="309" r:id="rId52"/>
+    <p:sldId id="319" r:id="rId53"/>
+    <p:sldId id="314" r:id="rId54"/>
+    <p:sldId id="315" r:id="rId55"/>
+    <p:sldId id="316" r:id="rId56"/>
+    <p:sldId id="318" r:id="rId57"/>
+    <p:sldId id="317" r:id="rId58"/>
+    <p:sldId id="312" r:id="rId59"/>
+    <p:sldId id="371" r:id="rId60"/>
+    <p:sldId id="313" r:id="rId61"/>
+    <p:sldId id="343" r:id="rId62"/>
   </p:sldIdLst>
   <p:sldSz cx="9144000" cy="6858000" type="screen4x3"/>
   <p:notesSz cx="6858000" cy="9144000"/>
@@ -193,7 +197,27 @@
       </a:defRPr>
     </a:lvl9pPr>
   </p:defaultTextStyle>
+  <p:extLst>
+    <p:ext uri="{EFAFB233-063F-42B5-8137-9DF3F51BA10A}">
+      <p15:sldGuideLst xmlns:p15="http://schemas.microsoft.com/office/powerpoint/2012/main">
+        <p15:guide id="1" orient="horz" pos="2160">
+          <p15:clr>
+            <a:srgbClr val="A4A3A4"/>
+          </p15:clr>
+        </p15:guide>
+        <p15:guide id="2" pos="2880">
+          <p15:clr>
+            <a:srgbClr val="A4A3A4"/>
+          </p15:clr>
+        </p15:guide>
+      </p15:sldGuideLst>
+    </p:ext>
+  </p:extLst>
 </p:presentation>
+</file>
+
+<file path=ppt/revisionInfo.xml><?xml version="1.0" encoding="utf-8"?>
+<p1510:revInfo xmlns:a="http://schemas.openxmlformats.org/drawingml/2006/main" xmlns:r="http://schemas.openxmlformats.org/officeDocument/2006/relationships" xmlns:p1510="http://schemas.microsoft.com/office/powerpoint/2015/10/main"/>
 </file>
 
 <file path=ppt/notesMasters/notesMaster1.xml><?xml version="1.0" encoding="utf-8"?>
@@ -278,7 +302,7 @@
           <a:p>
             <a:fld id="{912909EE-3318-2B49-BBCA-50C0EA6484E2}" type="datetimeFigureOut">
               <a:rPr lang="en-US" smtClean="0"/>
-              <a:t>9/18/15</a:t>
+              <a:t>27-May-17</a:t>
             </a:fld>
             <a:endParaRPr lang="en-US"/>
           </a:p>
@@ -342,38 +366,37 @@
           <a:p>
             <a:pPr lvl="0"/>
             <a:r>
-              <a:rPr lang="en-US" smtClean="0"/>
+              <a:rPr lang="en-US"/>
               <a:t>Click to edit Master text styles</a:t>
             </a:r>
           </a:p>
           <a:p>
             <a:pPr lvl="1"/>
             <a:r>
-              <a:rPr lang="en-US" smtClean="0"/>
+              <a:rPr lang="en-US"/>
               <a:t>Second level</a:t>
             </a:r>
           </a:p>
           <a:p>
             <a:pPr lvl="2"/>
             <a:r>
-              <a:rPr lang="en-US" smtClean="0"/>
+              <a:rPr lang="en-US"/>
               <a:t>Third level</a:t>
             </a:r>
           </a:p>
           <a:p>
             <a:pPr lvl="3"/>
             <a:r>
-              <a:rPr lang="en-US" smtClean="0"/>
+              <a:rPr lang="en-US"/>
               <a:t>Fourth level</a:t>
             </a:r>
           </a:p>
           <a:p>
             <a:pPr lvl="4"/>
             <a:r>
-              <a:rPr lang="en-US" smtClean="0"/>
+              <a:rPr lang="en-US"/>
               <a:t>Fifth level</a:t>
             </a:r>
-            <a:endParaRPr lang="en-US"/>
           </a:p>
         </p:txBody>
       </p:sp>
@@ -587,10 +610,9 @@
           <a:lstStyle/>
           <a:p>
             <a:r>
-              <a:rPr lang="en-US" smtClean="0"/>
+              <a:rPr lang="en-US"/>
               <a:t>Click to edit Master title style</a:t>
             </a:r>
-            <a:endParaRPr lang="en-US"/>
           </a:p>
         </p:txBody>
       </p:sp>
@@ -709,10 +731,9 @@
           </a:lstStyle>
           <a:p>
             <a:r>
-              <a:rPr lang="en-US" smtClean="0"/>
+              <a:rPr lang="en-US"/>
               <a:t>Click to edit Master subtitle style</a:t>
             </a:r>
-            <a:endParaRPr lang="en-US"/>
           </a:p>
         </p:txBody>
       </p:sp>
@@ -868,7 +889,7 @@
           </a:lstStyle>
           <a:p>
             <a:r>
-              <a:rPr lang="en-US" smtClean="0"/>
+              <a:rPr lang="en-US"/>
               <a:t>Click to edit Master title style</a:t>
             </a:r>
             <a:endParaRPr lang="en-US" dirty="0"/>
@@ -902,38 +923,37 @@
           <a:p>
             <a:pPr lvl="0"/>
             <a:r>
-              <a:rPr lang="en-US" smtClean="0"/>
+              <a:rPr lang="en-US"/>
               <a:t>Click to edit Master text styles</a:t>
             </a:r>
           </a:p>
           <a:p>
             <a:pPr lvl="1"/>
             <a:r>
-              <a:rPr lang="en-US" smtClean="0"/>
+              <a:rPr lang="en-US"/>
               <a:t>Second level</a:t>
             </a:r>
           </a:p>
           <a:p>
             <a:pPr lvl="2"/>
             <a:r>
-              <a:rPr lang="en-US" smtClean="0"/>
+              <a:rPr lang="en-US"/>
               <a:t>Third level</a:t>
             </a:r>
           </a:p>
           <a:p>
             <a:pPr lvl="3"/>
             <a:r>
-              <a:rPr lang="en-US" smtClean="0"/>
+              <a:rPr lang="en-US"/>
               <a:t>Fourth level</a:t>
             </a:r>
           </a:p>
           <a:p>
             <a:pPr lvl="4"/>
             <a:r>
-              <a:rPr lang="en-US" smtClean="0"/>
+              <a:rPr lang="en-US"/>
               <a:t>Fifth level</a:t>
             </a:r>
-            <a:endParaRPr lang="en-US"/>
           </a:p>
         </p:txBody>
       </p:sp>
@@ -1039,13 +1059,6 @@
   <p:clrMapOvr>
     <a:masterClrMapping/>
   </p:clrMapOvr>
-  <p:timing>
-    <p:tnLst>
-      <p:par>
-        <p:cTn xmlns:p14="http://schemas.microsoft.com/office/powerpoint/2010/main" id="1" dur="indefinite" restart="never" nodeType="tmRoot"/>
-      </p:par>
-    </p:tnLst>
-  </p:timing>
 </p:sldLayout>
 </file>
 
@@ -1092,7 +1105,7 @@
           <a:lstStyle/>
           <a:p>
             <a:r>
-              <a:rPr lang="en-US" smtClean="0"/>
+              <a:rPr lang="en-US"/>
               <a:t>Click to edit Master title style</a:t>
             </a:r>
             <a:endParaRPr lang="en-US" dirty="0"/>
@@ -1126,35 +1139,35 @@
           <a:p>
             <a:pPr lvl="0"/>
             <a:r>
-              <a:rPr lang="en-US" smtClean="0"/>
+              <a:rPr lang="en-US"/>
               <a:t>Click to edit Master text styles</a:t>
             </a:r>
           </a:p>
           <a:p>
             <a:pPr lvl="1"/>
             <a:r>
-              <a:rPr lang="en-US" smtClean="0"/>
+              <a:rPr lang="en-US"/>
               <a:t>Second level</a:t>
             </a:r>
           </a:p>
           <a:p>
             <a:pPr lvl="2"/>
             <a:r>
-              <a:rPr lang="en-US" smtClean="0"/>
+              <a:rPr lang="en-US"/>
               <a:t>Third level</a:t>
             </a:r>
           </a:p>
           <a:p>
             <a:pPr lvl="3"/>
             <a:r>
-              <a:rPr lang="en-US" smtClean="0"/>
+              <a:rPr lang="en-US"/>
               <a:t>Fourth level</a:t>
             </a:r>
           </a:p>
           <a:p>
             <a:pPr lvl="4"/>
             <a:r>
-              <a:rPr lang="en-US" smtClean="0"/>
+              <a:rPr lang="en-US"/>
               <a:t>Fifth level</a:t>
             </a:r>
             <a:endParaRPr lang="en-US" dirty="0"/>
@@ -1263,13 +1276,6 @@
   <p:clrMapOvr>
     <a:masterClrMapping/>
   </p:clrMapOvr>
-  <p:timing>
-    <p:tnLst>
-      <p:par>
-        <p:cTn xmlns:p14="http://schemas.microsoft.com/office/powerpoint/2010/main" id="1" dur="indefinite" restart="never" nodeType="tmRoot"/>
-      </p:par>
-    </p:tnLst>
-  </p:timing>
 </p:sldLayout>
 </file>
 
@@ -1320,10 +1326,9 @@
           </a:lstStyle>
           <a:p>
             <a:r>
-              <a:rPr lang="en-US" smtClean="0"/>
+              <a:rPr lang="en-US"/>
               <a:t>Click to edit Master title style</a:t>
             </a:r>
-            <a:endParaRPr lang="en-US"/>
           </a:p>
         </p:txBody>
       </p:sp>
@@ -1354,38 +1359,37 @@
           <a:p>
             <a:pPr lvl="0"/>
             <a:r>
-              <a:rPr lang="en-US" smtClean="0"/>
+              <a:rPr lang="en-US"/>
               <a:t>Click to edit Master text styles</a:t>
             </a:r>
           </a:p>
           <a:p>
             <a:pPr lvl="1"/>
             <a:r>
-              <a:rPr lang="en-US" smtClean="0"/>
+              <a:rPr lang="en-US"/>
               <a:t>Second level</a:t>
             </a:r>
           </a:p>
           <a:p>
             <a:pPr lvl="2"/>
             <a:r>
-              <a:rPr lang="en-US" smtClean="0"/>
+              <a:rPr lang="en-US"/>
               <a:t>Third level</a:t>
             </a:r>
           </a:p>
           <a:p>
             <a:pPr lvl="3"/>
             <a:r>
-              <a:rPr lang="en-US" smtClean="0"/>
+              <a:rPr lang="en-US"/>
               <a:t>Fourth level</a:t>
             </a:r>
           </a:p>
           <a:p>
             <a:pPr lvl="4"/>
             <a:r>
-              <a:rPr lang="en-US" smtClean="0"/>
+              <a:rPr lang="en-US"/>
               <a:t>Fifth level</a:t>
             </a:r>
-            <a:endParaRPr lang="en-US"/>
           </a:p>
         </p:txBody>
       </p:sp>
@@ -1539,10 +1543,9 @@
           </a:lstStyle>
           <a:p>
             <a:r>
-              <a:rPr lang="en-US" smtClean="0"/>
+              <a:rPr lang="en-US"/>
               <a:t>Click to edit Master title style</a:t>
             </a:r>
-            <a:endParaRPr lang="en-US"/>
           </a:p>
         </p:txBody>
       </p:sp>
@@ -1662,7 +1665,7 @@
           <a:p>
             <a:pPr lvl="0"/>
             <a:r>
-              <a:rPr lang="en-US" smtClean="0"/>
+              <a:rPr lang="en-US"/>
               <a:t>Click to edit Master text styles</a:t>
             </a:r>
           </a:p>
@@ -1820,10 +1823,9 @@
           </a:lstStyle>
           <a:p>
             <a:r>
-              <a:rPr lang="en-US" smtClean="0"/>
+              <a:rPr lang="en-US"/>
               <a:t>Click to edit Master title style</a:t>
             </a:r>
-            <a:endParaRPr lang="en-US"/>
           </a:p>
         </p:txBody>
       </p:sp>
@@ -1882,38 +1884,37 @@
           <a:p>
             <a:pPr lvl="0"/>
             <a:r>
-              <a:rPr lang="en-US" smtClean="0"/>
+              <a:rPr lang="en-US"/>
               <a:t>Click to edit Master text styles</a:t>
             </a:r>
           </a:p>
           <a:p>
             <a:pPr lvl="1"/>
             <a:r>
-              <a:rPr lang="en-US" smtClean="0"/>
+              <a:rPr lang="en-US"/>
               <a:t>Second level</a:t>
             </a:r>
           </a:p>
           <a:p>
             <a:pPr lvl="2"/>
             <a:r>
-              <a:rPr lang="en-US" smtClean="0"/>
+              <a:rPr lang="en-US"/>
               <a:t>Third level</a:t>
             </a:r>
           </a:p>
           <a:p>
             <a:pPr lvl="3"/>
             <a:r>
-              <a:rPr lang="en-US" smtClean="0"/>
+              <a:rPr lang="en-US"/>
               <a:t>Fourth level</a:t>
             </a:r>
           </a:p>
           <a:p>
             <a:pPr lvl="4"/>
             <a:r>
-              <a:rPr lang="en-US" smtClean="0"/>
+              <a:rPr lang="en-US"/>
               <a:t>Fifth level</a:t>
             </a:r>
-            <a:endParaRPr lang="en-US"/>
           </a:p>
         </p:txBody>
       </p:sp>
@@ -1972,38 +1973,37 @@
           <a:p>
             <a:pPr lvl="0"/>
             <a:r>
-              <a:rPr lang="en-US" smtClean="0"/>
+              <a:rPr lang="en-US"/>
               <a:t>Click to edit Master text styles</a:t>
             </a:r>
           </a:p>
           <a:p>
             <a:pPr lvl="1"/>
             <a:r>
-              <a:rPr lang="en-US" smtClean="0"/>
+              <a:rPr lang="en-US"/>
               <a:t>Second level</a:t>
             </a:r>
           </a:p>
           <a:p>
             <a:pPr lvl="2"/>
             <a:r>
-              <a:rPr lang="en-US" smtClean="0"/>
+              <a:rPr lang="en-US"/>
               <a:t>Third level</a:t>
             </a:r>
           </a:p>
           <a:p>
             <a:pPr lvl="3"/>
             <a:r>
-              <a:rPr lang="en-US" smtClean="0"/>
+              <a:rPr lang="en-US"/>
               <a:t>Fourth level</a:t>
             </a:r>
           </a:p>
           <a:p>
             <a:pPr lvl="4"/>
             <a:r>
-              <a:rPr lang="en-US" smtClean="0"/>
+              <a:rPr lang="en-US"/>
               <a:t>Fifth level</a:t>
             </a:r>
-            <a:endParaRPr lang="en-US"/>
           </a:p>
         </p:txBody>
       </p:sp>
@@ -2159,10 +2159,9 @@
           </a:lstStyle>
           <a:p>
             <a:r>
-              <a:rPr lang="en-US" smtClean="0"/>
+              <a:rPr lang="en-US"/>
               <a:t>Click to edit Master title style</a:t>
             </a:r>
-            <a:endParaRPr lang="en-US"/>
           </a:p>
         </p:txBody>
       </p:sp>
@@ -2230,7 +2229,7 @@
           <a:p>
             <a:pPr lvl="0"/>
             <a:r>
-              <a:rPr lang="en-US" smtClean="0"/>
+              <a:rPr lang="en-US"/>
               <a:t>Click to edit Master text styles</a:t>
             </a:r>
           </a:p>
@@ -2289,38 +2288,37 @@
           <a:p>
             <a:pPr lvl="0"/>
             <a:r>
-              <a:rPr lang="en-US" smtClean="0"/>
+              <a:rPr lang="en-US"/>
               <a:t>Click to edit Master text styles</a:t>
             </a:r>
           </a:p>
           <a:p>
             <a:pPr lvl="1"/>
             <a:r>
-              <a:rPr lang="en-US" smtClean="0"/>
+              <a:rPr lang="en-US"/>
               <a:t>Second level</a:t>
             </a:r>
           </a:p>
           <a:p>
             <a:pPr lvl="2"/>
             <a:r>
-              <a:rPr lang="en-US" smtClean="0"/>
+              <a:rPr lang="en-US"/>
               <a:t>Third level</a:t>
             </a:r>
           </a:p>
           <a:p>
             <a:pPr lvl="3"/>
             <a:r>
-              <a:rPr lang="en-US" smtClean="0"/>
+              <a:rPr lang="en-US"/>
               <a:t>Fourth level</a:t>
             </a:r>
           </a:p>
           <a:p>
             <a:pPr lvl="4"/>
             <a:r>
-              <a:rPr lang="en-US" smtClean="0"/>
+              <a:rPr lang="en-US"/>
               <a:t>Fifth level</a:t>
             </a:r>
-            <a:endParaRPr lang="en-US"/>
           </a:p>
         </p:txBody>
       </p:sp>
@@ -2388,7 +2386,7 @@
           <a:p>
             <a:pPr lvl="0"/>
             <a:r>
-              <a:rPr lang="en-US" smtClean="0"/>
+              <a:rPr lang="en-US"/>
               <a:t>Click to edit Master text styles</a:t>
             </a:r>
           </a:p>
@@ -2447,38 +2445,37 @@
           <a:p>
             <a:pPr lvl="0"/>
             <a:r>
-              <a:rPr lang="en-US" smtClean="0"/>
+              <a:rPr lang="en-US"/>
               <a:t>Click to edit Master text styles</a:t>
             </a:r>
           </a:p>
           <a:p>
             <a:pPr lvl="1"/>
             <a:r>
-              <a:rPr lang="en-US" smtClean="0"/>
+              <a:rPr lang="en-US"/>
               <a:t>Second level</a:t>
             </a:r>
           </a:p>
           <a:p>
             <a:pPr lvl="2"/>
             <a:r>
-              <a:rPr lang="en-US" smtClean="0"/>
+              <a:rPr lang="en-US"/>
               <a:t>Third level</a:t>
             </a:r>
           </a:p>
           <a:p>
             <a:pPr lvl="3"/>
             <a:r>
-              <a:rPr lang="en-US" smtClean="0"/>
+              <a:rPr lang="en-US"/>
               <a:t>Fourth level</a:t>
             </a:r>
           </a:p>
           <a:p>
             <a:pPr lvl="4"/>
             <a:r>
-              <a:rPr lang="en-US" smtClean="0"/>
+              <a:rPr lang="en-US"/>
               <a:t>Fifth level</a:t>
             </a:r>
-            <a:endParaRPr lang="en-US"/>
           </a:p>
         </p:txBody>
       </p:sp>
@@ -2634,10 +2631,9 @@
           </a:lstStyle>
           <a:p>
             <a:r>
-              <a:rPr lang="en-US" smtClean="0"/>
+              <a:rPr lang="en-US"/>
               <a:t>Click to edit Master title style</a:t>
             </a:r>
-            <a:endParaRPr lang="en-US"/>
           </a:p>
         </p:txBody>
       </p:sp>
@@ -2915,10 +2911,9 @@
           </a:lstStyle>
           <a:p>
             <a:r>
-              <a:rPr lang="en-US" smtClean="0"/>
+              <a:rPr lang="en-US"/>
               <a:t>Click to edit Master title style</a:t>
             </a:r>
-            <a:endParaRPr lang="en-US"/>
           </a:p>
         </p:txBody>
       </p:sp>
@@ -2977,35 +2972,35 @@
           <a:p>
             <a:pPr lvl="0"/>
             <a:r>
-              <a:rPr lang="en-US" smtClean="0"/>
+              <a:rPr lang="en-US"/>
               <a:t>Click to edit Master text styles</a:t>
             </a:r>
           </a:p>
           <a:p>
             <a:pPr lvl="1"/>
             <a:r>
-              <a:rPr lang="en-US" smtClean="0"/>
+              <a:rPr lang="en-US"/>
               <a:t>Second level</a:t>
             </a:r>
           </a:p>
           <a:p>
             <a:pPr lvl="2"/>
             <a:r>
-              <a:rPr lang="en-US" smtClean="0"/>
+              <a:rPr lang="en-US"/>
               <a:t>Third level</a:t>
             </a:r>
           </a:p>
           <a:p>
             <a:pPr lvl="3"/>
             <a:r>
-              <a:rPr lang="en-US" smtClean="0"/>
+              <a:rPr lang="en-US"/>
               <a:t>Fourth level</a:t>
             </a:r>
           </a:p>
           <a:p>
             <a:pPr lvl="4"/>
             <a:r>
-              <a:rPr lang="en-US" smtClean="0"/>
+              <a:rPr lang="en-US"/>
               <a:t>Fifth level</a:t>
             </a:r>
             <a:endParaRPr lang="en-US" dirty="0"/>
@@ -3076,7 +3071,7 @@
           <a:p>
             <a:pPr lvl="0"/>
             <a:r>
-              <a:rPr lang="en-US" smtClean="0"/>
+              <a:rPr lang="en-US"/>
               <a:t>Click to edit Master text styles</a:t>
             </a:r>
           </a:p>
@@ -3234,7 +3229,7 @@
           </a:lstStyle>
           <a:p>
             <a:r>
-              <a:rPr lang="en-US" smtClean="0"/>
+              <a:rPr lang="en-US"/>
               <a:t>Click to edit Master title style</a:t>
             </a:r>
             <a:endParaRPr lang="en-US" dirty="0"/>
@@ -3305,7 +3300,7 @@
           <a:p>
             <a:pPr lvl="0"/>
             <a:r>
-              <a:rPr lang="en-US" noProof="0" smtClean="0"/>
+              <a:rPr lang="en-US" noProof="0"/>
               <a:t>Drag picture to placeholder or click icon to add</a:t>
             </a:r>
           </a:p>
@@ -3375,7 +3370,7 @@
           <a:p>
             <a:pPr lvl="0"/>
             <a:r>
-              <a:rPr lang="en-US" smtClean="0"/>
+              <a:rPr lang="en-US"/>
               <a:t>Click to edit Master text styles</a:t>
             </a:r>
           </a:p>
@@ -3952,14 +3947,14 @@
           <a:noFill/>
           <a:extLst>
             <a:ext uri="{909E8E84-426E-40dd-AFC4-6F175D3DCCD1}">
-              <a14:hiddenFill xmlns:a14="http://schemas.microsoft.com/office/drawing/2010/main">
+              <a14:hiddenFill xmlns:a14="http://schemas.microsoft.com/office/drawing/2010/main" xmlns="">
                 <a:solidFill>
                   <a:srgbClr val="FFFFFF"/>
                 </a:solidFill>
               </a14:hiddenFill>
             </a:ext>
             <a:ext uri="{91240B29-F687-4f45-9708-019B960494DF}">
-              <a14:hiddenLine xmlns:a14="http://schemas.microsoft.com/office/drawing/2010/main" w="9525">
+              <a14:hiddenLine xmlns:a14="http://schemas.microsoft.com/office/drawing/2010/main" xmlns="" w="9525">
                 <a:solidFill>
                   <a:srgbClr val="000000"/>
                 </a:solidFill>
@@ -3969,7 +3964,7 @@
               </a14:hiddenLine>
             </a:ext>
             <a:ext uri="{FAA26D3D-D897-4be2-8F04-BA451C77F1D7}">
-              <ma14:placeholderFlag xmlns:ma14="http://schemas.microsoft.com/office/mac/drawingml/2011/main" val="1"/>
+              <ma14:placeholderFlag xmlns:ma14="http://schemas.microsoft.com/office/mac/drawingml/2011/main" xmlns="" val="1"/>
             </a:ext>
           </a:extLst>
         </p:spPr>
@@ -3983,7 +3978,7 @@
           <a:p>
             <a:pPr eaLnBrk="1" hangingPunct="1"/>
             <a:r>
-              <a:rPr lang="en-US" smtClean="0">
+              <a:rPr lang="en-US">
                 <a:latin typeface="Calibri" charset="0"/>
               </a:rPr>
               <a:t>String</a:t>
@@ -4018,7 +4013,7 @@
               <a:defRPr/>
             </a:pPr>
             <a:r>
-              <a:rPr lang="en-US" dirty="0" smtClean="0">
+              <a:rPr lang="en-US" dirty="0">
                 <a:ea typeface="+mn-ea"/>
                 <a:cs typeface="+mn-cs"/>
               </a:rPr>
@@ -4035,13 +4030,13 @@
               <a:defRPr/>
             </a:pPr>
             <a:r>
-              <a:rPr lang="en-US" smtClean="0">
+              <a:rPr lang="en-US">
                 <a:ea typeface="+mn-ea"/>
                 <a:cs typeface="+mn-cs"/>
               </a:rPr>
               <a:t>Algorithms</a:t>
             </a:r>
-            <a:endParaRPr lang="en-US" dirty="0" smtClean="0">
+            <a:endParaRPr lang="en-US" dirty="0">
               <a:ea typeface="+mn-ea"/>
               <a:cs typeface="+mn-cs"/>
             </a:endParaRPr>
@@ -4058,13 +4053,6 @@
   <p:clrMapOvr>
     <a:masterClrMapping/>
   </p:clrMapOvr>
-  <p:timing>
-    <p:tnLst>
-      <p:par>
-        <p:cTn xmlns:p14="http://schemas.microsoft.com/office/powerpoint/2010/main" id="1" dur="indefinite" restart="never" nodeType="tmRoot"/>
-      </p:par>
-    </p:tnLst>
-  </p:timing>
 </p:sld>
 </file>
 
@@ -4095,6 +4083,2995 @@
             <p:ph type="title"/>
           </p:nvPr>
         </p:nvSpPr>
+        <p:spPr/>
+        <p:txBody>
+          <a:bodyPr/>
+          <a:lstStyle/>
+          <a:p>
+            <a:r>
+              <a:rPr lang="en-US" dirty="0"/>
+              <a:t>Three special methods for String</a:t>
+            </a:r>
+          </a:p>
+        </p:txBody>
+      </p:sp>
+      <p:sp>
+        <p:nvSpPr>
+          <p:cNvPr id="3" name="Content Placeholder 2"/>
+          <p:cNvSpPr>
+            <a:spLocks noGrp="1"/>
+          </p:cNvSpPr>
+          <p:nvPr>
+            <p:ph idx="1"/>
+          </p:nvPr>
+        </p:nvSpPr>
+        <p:spPr/>
+        <p:txBody>
+          <a:bodyPr>
+            <a:normAutofit fontScale="85000" lnSpcReduction="20000"/>
+          </a:bodyPr>
+          <a:lstStyle/>
+          <a:p>
+            <a:r>
+              <a:rPr lang="en-US" dirty="0"/>
+              <a:t>Following demonstration use this example: “she sells sea shells by the sea shore”</a:t>
+            </a:r>
+          </a:p>
+          <a:p>
+            <a:r>
+              <a:rPr lang="en-US" dirty="0" err="1"/>
+              <a:t>longestPrefixOf</a:t>
+            </a:r>
+            <a:r>
+              <a:rPr lang="en-US" dirty="0"/>
+              <a:t>() </a:t>
+            </a:r>
+          </a:p>
+          <a:p>
+            <a:pPr lvl="1"/>
+            <a:r>
+              <a:rPr lang="en-US" dirty="0"/>
+              <a:t>Input a string and returns longest key that is a prefix of that string</a:t>
+            </a:r>
+          </a:p>
+          <a:p>
+            <a:pPr lvl="1"/>
+            <a:r>
+              <a:rPr lang="en-US" dirty="0"/>
+              <a:t>E.g., </a:t>
+            </a:r>
+            <a:r>
+              <a:rPr lang="en-US" dirty="0" err="1"/>
+              <a:t>longestPrefixOf</a:t>
+            </a:r>
+            <a:r>
+              <a:rPr lang="en-US" dirty="0"/>
+              <a:t>(“shell”) is “she”</a:t>
+            </a:r>
+          </a:p>
+          <a:p>
+            <a:r>
+              <a:rPr lang="en-US" dirty="0" err="1"/>
+              <a:t>keysWithPrefix</a:t>
+            </a:r>
+            <a:r>
+              <a:rPr lang="en-US" dirty="0"/>
+              <a:t>()</a:t>
+            </a:r>
+          </a:p>
+          <a:p>
+            <a:pPr lvl="1"/>
+            <a:r>
+              <a:rPr lang="en-US" dirty="0"/>
+              <a:t>Input a string and returns all the keys having that string as prefix</a:t>
+            </a:r>
+          </a:p>
+          <a:p>
+            <a:pPr lvl="1"/>
+            <a:r>
+              <a:rPr lang="en-US" dirty="0"/>
+              <a:t>E.g., </a:t>
+            </a:r>
+            <a:r>
+              <a:rPr lang="en-US" dirty="0" err="1"/>
+              <a:t>keysWithPrefix</a:t>
+            </a:r>
+            <a:r>
+              <a:rPr lang="en-US" dirty="0"/>
+              <a:t>(“she”) return “she”, “shells”</a:t>
+            </a:r>
+          </a:p>
+          <a:p>
+            <a:r>
+              <a:rPr lang="en-US" dirty="0" err="1"/>
+              <a:t>keysThatMatch</a:t>
+            </a:r>
+            <a:r>
+              <a:rPr lang="en-US" dirty="0"/>
+              <a:t>()</a:t>
+            </a:r>
+          </a:p>
+          <a:p>
+            <a:pPr lvl="1"/>
+            <a:r>
+              <a:rPr lang="en-US" dirty="0"/>
+              <a:t>Input a string and returns all the keys that match that string. (.) operator match any character</a:t>
+            </a:r>
+          </a:p>
+          <a:p>
+            <a:pPr lvl="1"/>
+            <a:r>
+              <a:rPr lang="en-US" dirty="0"/>
+              <a:t>E.g., </a:t>
+            </a:r>
+            <a:r>
+              <a:rPr lang="en-US" dirty="0" err="1"/>
+              <a:t>keysThatMatch</a:t>
+            </a:r>
+            <a:r>
+              <a:rPr lang="en-US" dirty="0"/>
+              <a:t>(“.he”) returns “she”, “the”</a:t>
+            </a:r>
+          </a:p>
+        </p:txBody>
+      </p:sp>
+    </p:spTree>
+    <p:extLst>
+      <p:ext uri="{BB962C8B-B14F-4D97-AF65-F5344CB8AC3E}">
+        <p14:creationId xmlns:p14="http://schemas.microsoft.com/office/powerpoint/2010/main" val="877460527"/>
+      </p:ext>
+    </p:extLst>
+  </p:cSld>
+  <p:clrMapOvr>
+    <a:masterClrMapping/>
+  </p:clrMapOvr>
+</p:sld>
+</file>
+
+<file path=ppt/slides/slide11.xml><?xml version="1.0" encoding="utf-8"?>
+<p:sld xmlns:a="http://schemas.openxmlformats.org/drawingml/2006/main" xmlns:r="http://schemas.openxmlformats.org/officeDocument/2006/relationships" xmlns:p="http://schemas.openxmlformats.org/presentationml/2006/main">
+  <p:cSld>
+    <p:spTree>
+      <p:nvGrpSpPr>
+        <p:cNvPr id="1" name=""/>
+        <p:cNvGrpSpPr/>
+        <p:nvPr/>
+      </p:nvGrpSpPr>
+      <p:grpSpPr>
+        <a:xfrm>
+          <a:off x="0" y="0"/>
+          <a:ext cx="0" cy="0"/>
+          <a:chOff x="0" y="0"/>
+          <a:chExt cx="0" cy="0"/>
+        </a:xfrm>
+      </p:grpSpPr>
+      <p:sp>
+        <p:nvSpPr>
+          <p:cNvPr id="2" name="Title 1"/>
+          <p:cNvSpPr>
+            <a:spLocks noGrp="1"/>
+          </p:cNvSpPr>
+          <p:nvPr>
+            <p:ph type="title"/>
+          </p:nvPr>
+        </p:nvSpPr>
+        <p:spPr/>
+        <p:txBody>
+          <a:bodyPr/>
+          <a:lstStyle/>
+          <a:p>
+            <a:r>
+              <a:rPr lang="en-US" dirty="0"/>
+              <a:t>Basic properties of </a:t>
+            </a:r>
+            <a:r>
+              <a:rPr lang="en-US" dirty="0" err="1"/>
+              <a:t>Trie</a:t>
+            </a:r>
+            <a:endParaRPr lang="en-US" dirty="0"/>
+          </a:p>
+        </p:txBody>
+      </p:sp>
+      <p:sp>
+        <p:nvSpPr>
+          <p:cNvPr id="3" name="Content Placeholder 2"/>
+          <p:cNvSpPr>
+            <a:spLocks noGrp="1"/>
+          </p:cNvSpPr>
+          <p:nvPr>
+            <p:ph idx="1"/>
+          </p:nvPr>
+        </p:nvSpPr>
+        <p:spPr/>
+        <p:txBody>
+          <a:bodyPr>
+            <a:normAutofit fontScale="77500" lnSpcReduction="20000"/>
+          </a:bodyPr>
+          <a:lstStyle/>
+          <a:p>
+            <a:r>
+              <a:rPr lang="en-US" dirty="0"/>
+              <a:t>Similar to search tree, tries are data structures composed of nodes that contain links that are either null or references to other nodes</a:t>
+            </a:r>
+          </a:p>
+          <a:p>
+            <a:r>
+              <a:rPr lang="en-US" dirty="0"/>
+              <a:t>Each node is pointed to by just one other node, which is called its parent (except for root)</a:t>
+            </a:r>
+          </a:p>
+          <a:p>
+            <a:r>
+              <a:rPr lang="en-US" dirty="0"/>
+              <a:t>Each node has R links (R is the alphabet size), some of which could be null</a:t>
+            </a:r>
+          </a:p>
+          <a:p>
+            <a:r>
+              <a:rPr lang="en-US" dirty="0"/>
+              <a:t>Each link corresponds to a character value – since each link points to exactly one node, we </a:t>
+            </a:r>
+            <a:r>
+              <a:rPr lang="en-US" b="1" dirty="0"/>
+              <a:t>label</a:t>
+            </a:r>
+            <a:r>
+              <a:rPr lang="en-US" dirty="0"/>
+              <a:t> each node with the character value corresponding to the link that points to it (except for the root, which has no link pointing to it)</a:t>
+            </a:r>
+          </a:p>
+          <a:p>
+            <a:r>
+              <a:rPr lang="en-US" dirty="0"/>
+              <a:t>Each node has corresponding value, which may be null or the value associated with one of the string keys in the symbol table</a:t>
+            </a:r>
+          </a:p>
+          <a:p>
+            <a:r>
+              <a:rPr lang="en-US" dirty="0"/>
+              <a:t>Specifically, we store the value associated with each key in the node corresponding to its last character</a:t>
+            </a:r>
+          </a:p>
+        </p:txBody>
+      </p:sp>
+    </p:spTree>
+    <p:extLst>
+      <p:ext uri="{BB962C8B-B14F-4D97-AF65-F5344CB8AC3E}">
+        <p14:creationId xmlns:p14="http://schemas.microsoft.com/office/powerpoint/2010/main" val="46694708"/>
+      </p:ext>
+    </p:extLst>
+  </p:cSld>
+  <p:clrMapOvr>
+    <a:masterClrMapping/>
+  </p:clrMapOvr>
+</p:sld>
+</file>
+
+<file path=ppt/slides/slide12.xml><?xml version="1.0" encoding="utf-8"?>
+<p:sld xmlns:a="http://schemas.openxmlformats.org/drawingml/2006/main" xmlns:r="http://schemas.openxmlformats.org/officeDocument/2006/relationships" xmlns:p="http://schemas.openxmlformats.org/presentationml/2006/main">
+  <p:cSld>
+    <p:spTree>
+      <p:nvGrpSpPr>
+        <p:cNvPr id="1" name=""/>
+        <p:cNvGrpSpPr/>
+        <p:nvPr/>
+      </p:nvGrpSpPr>
+      <p:grpSpPr>
+        <a:xfrm>
+          <a:off x="0" y="0"/>
+          <a:ext cx="0" cy="0"/>
+          <a:chOff x="0" y="0"/>
+          <a:chExt cx="0" cy="0"/>
+        </a:xfrm>
+      </p:grpSpPr>
+      <p:sp>
+        <p:nvSpPr>
+          <p:cNvPr id="2" name="Title 1"/>
+          <p:cNvSpPr>
+            <a:spLocks noGrp="1"/>
+          </p:cNvSpPr>
+          <p:nvPr>
+            <p:ph type="title"/>
+          </p:nvPr>
+        </p:nvSpPr>
+        <p:spPr/>
+        <p:txBody>
+          <a:bodyPr/>
+          <a:lstStyle/>
+          <a:p>
+            <a:r>
+              <a:rPr lang="en-US" dirty="0" err="1"/>
+              <a:t>Trie</a:t>
+            </a:r>
+            <a:r>
+              <a:rPr lang="en-US" dirty="0"/>
+              <a:t> example</a:t>
+            </a:r>
+          </a:p>
+        </p:txBody>
+      </p:sp>
+      <p:pic>
+        <p:nvPicPr>
+          <p:cNvPr id="5" name="Picture 4"/>
+          <p:cNvPicPr>
+            <a:picLocks noChangeAspect="1"/>
+          </p:cNvPicPr>
+          <p:nvPr/>
+        </p:nvPicPr>
+        <p:blipFill>
+          <a:blip r:embed="rId2"/>
+          <a:stretch>
+            <a:fillRect/>
+          </a:stretch>
+        </p:blipFill>
+        <p:spPr>
+          <a:xfrm>
+            <a:off x="1752600" y="838200"/>
+            <a:ext cx="5638799" cy="5749958"/>
+          </a:xfrm>
+          <a:prstGeom prst="rect">
+            <a:avLst/>
+          </a:prstGeom>
+        </p:spPr>
+      </p:pic>
+    </p:spTree>
+    <p:extLst>
+      <p:ext uri="{BB962C8B-B14F-4D97-AF65-F5344CB8AC3E}">
+        <p14:creationId xmlns:p14="http://schemas.microsoft.com/office/powerpoint/2010/main" val="638790179"/>
+      </p:ext>
+    </p:extLst>
+  </p:cSld>
+  <p:clrMapOvr>
+    <a:masterClrMapping/>
+  </p:clrMapOvr>
+</p:sld>
+</file>
+
+<file path=ppt/slides/slide13.xml><?xml version="1.0" encoding="utf-8"?>
+<p:sld xmlns:a="http://schemas.openxmlformats.org/drawingml/2006/main" xmlns:r="http://schemas.openxmlformats.org/officeDocument/2006/relationships" xmlns:p="http://schemas.openxmlformats.org/presentationml/2006/main">
+  <p:cSld>
+    <p:spTree>
+      <p:nvGrpSpPr>
+        <p:cNvPr id="1" name=""/>
+        <p:cNvGrpSpPr/>
+        <p:nvPr/>
+      </p:nvGrpSpPr>
+      <p:grpSpPr>
+        <a:xfrm>
+          <a:off x="0" y="0"/>
+          <a:ext cx="0" cy="0"/>
+          <a:chOff x="0" y="0"/>
+          <a:chExt cx="0" cy="0"/>
+        </a:xfrm>
+      </p:grpSpPr>
+      <p:sp>
+        <p:nvSpPr>
+          <p:cNvPr id="2" name="Title 1"/>
+          <p:cNvSpPr>
+            <a:spLocks noGrp="1"/>
+          </p:cNvSpPr>
+          <p:nvPr>
+            <p:ph type="title"/>
+          </p:nvPr>
+        </p:nvSpPr>
+        <p:spPr/>
+        <p:txBody>
+          <a:bodyPr/>
+          <a:lstStyle/>
+          <a:p>
+            <a:r>
+              <a:rPr lang="en-US" dirty="0"/>
+              <a:t>Search in a </a:t>
+            </a:r>
+            <a:r>
+              <a:rPr lang="en-US" dirty="0" err="1"/>
+              <a:t>trie</a:t>
+            </a:r>
+            <a:endParaRPr lang="en-US" dirty="0"/>
+          </a:p>
+        </p:txBody>
+      </p:sp>
+      <p:sp>
+        <p:nvSpPr>
+          <p:cNvPr id="3" name="Content Placeholder 2"/>
+          <p:cNvSpPr>
+            <a:spLocks noGrp="1"/>
+          </p:cNvSpPr>
+          <p:nvPr>
+            <p:ph idx="1"/>
+          </p:nvPr>
+        </p:nvSpPr>
+        <p:spPr/>
+        <p:txBody>
+          <a:bodyPr>
+            <a:normAutofit fontScale="85000" lnSpcReduction="20000"/>
+          </a:bodyPr>
+          <a:lstStyle/>
+          <a:p>
+            <a:r>
+              <a:rPr lang="en-US" dirty="0"/>
+              <a:t>Each node in the </a:t>
+            </a:r>
+            <a:r>
+              <a:rPr lang="en-US" dirty="0" err="1"/>
+              <a:t>trie</a:t>
+            </a:r>
+            <a:r>
+              <a:rPr lang="en-US" dirty="0"/>
+              <a:t> has a link corresponding to each possible string character</a:t>
+            </a:r>
+          </a:p>
+          <a:p>
+            <a:r>
+              <a:rPr lang="en-US" dirty="0"/>
+              <a:t>We start at the root, then follow the link associated with the first character in the key</a:t>
+            </a:r>
+          </a:p>
+          <a:p>
+            <a:r>
+              <a:rPr lang="en-US" dirty="0"/>
+              <a:t>From that node we follow the link associated with the second character, so on and so forth</a:t>
+            </a:r>
+          </a:p>
+          <a:p>
+            <a:r>
+              <a:rPr lang="en-US" dirty="0"/>
+              <a:t>Until reaching the last character of the key or a null link. At this point, one of the following three conditions holds</a:t>
+            </a:r>
+          </a:p>
+          <a:p>
+            <a:pPr lvl="1"/>
+            <a:r>
+              <a:rPr lang="en-US" dirty="0"/>
+              <a:t>The value at the node corresponds to the last character in the key is not null. This results is search hit – the value associated with the key is the value in the node </a:t>
+            </a:r>
+          </a:p>
+          <a:p>
+            <a:pPr lvl="1"/>
+            <a:r>
+              <a:rPr lang="en-US" dirty="0"/>
+              <a:t>The value in the node corresponding to the last character in the key is null. This results to a miss.</a:t>
+            </a:r>
+          </a:p>
+          <a:p>
+            <a:pPr lvl="1"/>
+            <a:r>
+              <a:rPr lang="en-US" dirty="0"/>
+              <a:t>The search terminated with a null link. This is also a miss.</a:t>
+            </a:r>
+          </a:p>
+        </p:txBody>
+      </p:sp>
+    </p:spTree>
+    <p:extLst>
+      <p:ext uri="{BB962C8B-B14F-4D97-AF65-F5344CB8AC3E}">
+        <p14:creationId xmlns:p14="http://schemas.microsoft.com/office/powerpoint/2010/main" val="1556340924"/>
+      </p:ext>
+    </p:extLst>
+  </p:cSld>
+  <p:clrMapOvr>
+    <a:masterClrMapping/>
+  </p:clrMapOvr>
+</p:sld>
+</file>
+
+<file path=ppt/slides/slide14.xml><?xml version="1.0" encoding="utf-8"?>
+<p:sld xmlns:a="http://schemas.openxmlformats.org/drawingml/2006/main" xmlns:r="http://schemas.openxmlformats.org/officeDocument/2006/relationships" xmlns:p="http://schemas.openxmlformats.org/presentationml/2006/main">
+  <p:cSld>
+    <p:spTree>
+      <p:nvGrpSpPr>
+        <p:cNvPr id="1" name=""/>
+        <p:cNvGrpSpPr/>
+        <p:nvPr/>
+      </p:nvGrpSpPr>
+      <p:grpSpPr>
+        <a:xfrm>
+          <a:off x="0" y="0"/>
+          <a:ext cx="0" cy="0"/>
+          <a:chOff x="0" y="0"/>
+          <a:chExt cx="0" cy="0"/>
+        </a:xfrm>
+      </p:grpSpPr>
+      <p:sp>
+        <p:nvSpPr>
+          <p:cNvPr id="2" name="Title 1"/>
+          <p:cNvSpPr>
+            <a:spLocks noGrp="1"/>
+          </p:cNvSpPr>
+          <p:nvPr>
+            <p:ph type="title"/>
+          </p:nvPr>
+        </p:nvSpPr>
+        <p:spPr/>
+        <p:txBody>
+          <a:bodyPr/>
+          <a:lstStyle/>
+          <a:p>
+            <a:r>
+              <a:rPr lang="en-US" dirty="0"/>
+              <a:t>Search in a </a:t>
+            </a:r>
+            <a:r>
+              <a:rPr lang="en-US" dirty="0" err="1"/>
+              <a:t>trie</a:t>
+            </a:r>
+            <a:r>
+              <a:rPr lang="en-US" dirty="0"/>
+              <a:t> examples</a:t>
+            </a:r>
+          </a:p>
+        </p:txBody>
+      </p:sp>
+      <p:pic>
+        <p:nvPicPr>
+          <p:cNvPr id="4" name="Picture 3"/>
+          <p:cNvPicPr>
+            <a:picLocks noChangeAspect="1"/>
+          </p:cNvPicPr>
+          <p:nvPr/>
+        </p:nvPicPr>
+        <p:blipFill>
+          <a:blip r:embed="rId2"/>
+          <a:stretch>
+            <a:fillRect/>
+          </a:stretch>
+        </p:blipFill>
+        <p:spPr>
+          <a:xfrm>
+            <a:off x="304800" y="809161"/>
+            <a:ext cx="8610600" cy="6048839"/>
+          </a:xfrm>
+          <a:prstGeom prst="rect">
+            <a:avLst/>
+          </a:prstGeom>
+        </p:spPr>
+      </p:pic>
+    </p:spTree>
+    <p:extLst>
+      <p:ext uri="{BB962C8B-B14F-4D97-AF65-F5344CB8AC3E}">
+        <p14:creationId xmlns:p14="http://schemas.microsoft.com/office/powerpoint/2010/main" val="3648484532"/>
+      </p:ext>
+    </p:extLst>
+  </p:cSld>
+  <p:clrMapOvr>
+    <a:masterClrMapping/>
+  </p:clrMapOvr>
+</p:sld>
+</file>
+
+<file path=ppt/slides/slide15.xml><?xml version="1.0" encoding="utf-8"?>
+<p:sld xmlns:a="http://schemas.openxmlformats.org/drawingml/2006/main" xmlns:r="http://schemas.openxmlformats.org/officeDocument/2006/relationships" xmlns:p="http://schemas.openxmlformats.org/presentationml/2006/main">
+  <p:cSld>
+    <p:spTree>
+      <p:nvGrpSpPr>
+        <p:cNvPr id="1" name=""/>
+        <p:cNvGrpSpPr/>
+        <p:nvPr/>
+      </p:nvGrpSpPr>
+      <p:grpSpPr>
+        <a:xfrm>
+          <a:off x="0" y="0"/>
+          <a:ext cx="0" cy="0"/>
+          <a:chOff x="0" y="0"/>
+          <a:chExt cx="0" cy="0"/>
+        </a:xfrm>
+      </p:grpSpPr>
+      <p:sp>
+        <p:nvSpPr>
+          <p:cNvPr id="2" name="Title 1"/>
+          <p:cNvSpPr>
+            <a:spLocks noGrp="1"/>
+          </p:cNvSpPr>
+          <p:nvPr>
+            <p:ph type="title"/>
+          </p:nvPr>
+        </p:nvSpPr>
+        <p:spPr/>
+        <p:txBody>
+          <a:bodyPr/>
+          <a:lstStyle/>
+          <a:p>
+            <a:r>
+              <a:rPr lang="en-US" dirty="0"/>
+              <a:t>Prefix listing</a:t>
+            </a:r>
+          </a:p>
+        </p:txBody>
+      </p:sp>
+      <p:sp>
+        <p:nvSpPr>
+          <p:cNvPr id="3" name="Content Placeholder 2"/>
+          <p:cNvSpPr>
+            <a:spLocks noGrp="1"/>
+          </p:cNvSpPr>
+          <p:nvPr>
+            <p:ph idx="1"/>
+          </p:nvPr>
+        </p:nvSpPr>
+        <p:spPr/>
+        <p:txBody>
+          <a:bodyPr/>
+          <a:lstStyle/>
+          <a:p>
+            <a:r>
+              <a:rPr lang="en-US" dirty="0"/>
+              <a:t>Search for emails with </a:t>
+            </a:r>
+            <a:r>
+              <a:rPr lang="en-US" dirty="0" err="1"/>
+              <a:t>anh</a:t>
+            </a:r>
+            <a:r>
+              <a:rPr lang="en-US" dirty="0"/>
+              <a:t>*</a:t>
+            </a:r>
+          </a:p>
+          <a:p>
+            <a:pPr lvl="1"/>
+            <a:r>
+              <a:rPr lang="en-US" dirty="0"/>
+              <a:t>Find the node </a:t>
+            </a:r>
+            <a:r>
+              <a:rPr lang="en-US" dirty="0" err="1"/>
+              <a:t>anh</a:t>
+            </a:r>
+            <a:endParaRPr lang="en-US" dirty="0"/>
+          </a:p>
+          <a:p>
+            <a:pPr lvl="1"/>
+            <a:r>
+              <a:rPr lang="en-US" dirty="0"/>
+              <a:t>Dump the node and list the items </a:t>
+            </a:r>
+          </a:p>
+        </p:txBody>
+      </p:sp>
+    </p:spTree>
+    <p:extLst>
+      <p:ext uri="{BB962C8B-B14F-4D97-AF65-F5344CB8AC3E}">
+        <p14:creationId xmlns:p14="http://schemas.microsoft.com/office/powerpoint/2010/main" val="3034391563"/>
+      </p:ext>
+    </p:extLst>
+  </p:cSld>
+  <p:clrMapOvr>
+    <a:masterClrMapping/>
+  </p:clrMapOvr>
+</p:sld>
+</file>
+
+<file path=ppt/slides/slide16.xml><?xml version="1.0" encoding="utf-8"?>
+<p:sld xmlns:a="http://schemas.openxmlformats.org/drawingml/2006/main" xmlns:r="http://schemas.openxmlformats.org/officeDocument/2006/relationships" xmlns:p="http://schemas.openxmlformats.org/presentationml/2006/main">
+  <p:cSld>
+    <p:spTree>
+      <p:nvGrpSpPr>
+        <p:cNvPr id="1" name=""/>
+        <p:cNvGrpSpPr/>
+        <p:nvPr/>
+      </p:nvGrpSpPr>
+      <p:grpSpPr>
+        <a:xfrm>
+          <a:off x="0" y="0"/>
+          <a:ext cx="0" cy="0"/>
+          <a:chOff x="0" y="0"/>
+          <a:chExt cx="0" cy="0"/>
+        </a:xfrm>
+      </p:grpSpPr>
+      <p:sp>
+        <p:nvSpPr>
+          <p:cNvPr id="2" name="Title 1"/>
+          <p:cNvSpPr>
+            <a:spLocks noGrp="1"/>
+          </p:cNvSpPr>
+          <p:nvPr>
+            <p:ph type="title"/>
+          </p:nvPr>
+        </p:nvSpPr>
+        <p:spPr/>
+        <p:txBody>
+          <a:bodyPr/>
+          <a:lstStyle/>
+          <a:p>
+            <a:r>
+              <a:rPr lang="en-US" dirty="0"/>
+              <a:t>Insertion into the </a:t>
+            </a:r>
+            <a:r>
+              <a:rPr lang="en-US" dirty="0" err="1"/>
+              <a:t>trie</a:t>
+            </a:r>
+            <a:endParaRPr lang="en-US" dirty="0"/>
+          </a:p>
+        </p:txBody>
+      </p:sp>
+      <p:sp>
+        <p:nvSpPr>
+          <p:cNvPr id="3" name="Content Placeholder 2"/>
+          <p:cNvSpPr>
+            <a:spLocks noGrp="1"/>
+          </p:cNvSpPr>
+          <p:nvPr>
+            <p:ph idx="1"/>
+          </p:nvPr>
+        </p:nvSpPr>
+        <p:spPr/>
+        <p:txBody>
+          <a:bodyPr>
+            <a:normAutofit fontScale="92500" lnSpcReduction="20000"/>
+          </a:bodyPr>
+          <a:lstStyle/>
+          <a:p>
+            <a:r>
+              <a:rPr lang="en-US" dirty="0"/>
+              <a:t>We insert by first doing a search using the characters of the key to guide us down the </a:t>
+            </a:r>
+            <a:r>
+              <a:rPr lang="en-US" dirty="0" err="1"/>
+              <a:t>trie</a:t>
+            </a:r>
+            <a:r>
+              <a:rPr lang="en-US" dirty="0"/>
+              <a:t> until reaching the last character of the key or a null link</a:t>
+            </a:r>
+          </a:p>
+          <a:p>
+            <a:r>
+              <a:rPr lang="en-US" dirty="0"/>
+              <a:t>At this point, one of the following two conditions hold</a:t>
+            </a:r>
+          </a:p>
+          <a:p>
+            <a:pPr lvl="1"/>
+            <a:r>
+              <a:rPr lang="en-US" dirty="0"/>
+              <a:t>We encountered a null link before reaching the last character of the key then</a:t>
+            </a:r>
+          </a:p>
+          <a:p>
+            <a:pPr lvl="2"/>
+            <a:r>
+              <a:rPr lang="en-US" dirty="0"/>
+              <a:t>Create node for each of the characters in the key not yet encountered </a:t>
+            </a:r>
+          </a:p>
+          <a:p>
+            <a:pPr lvl="2"/>
+            <a:r>
+              <a:rPr lang="en-US" dirty="0"/>
+              <a:t>Set the value in the last one to the value to be associated with the key</a:t>
+            </a:r>
+          </a:p>
+          <a:p>
+            <a:pPr lvl="1"/>
+            <a:r>
+              <a:rPr lang="en-US" dirty="0"/>
+              <a:t>We encountered the last character of the key before reaching a null link then</a:t>
+            </a:r>
+          </a:p>
+          <a:p>
+            <a:pPr lvl="2"/>
+            <a:r>
+              <a:rPr lang="en-US" dirty="0"/>
+              <a:t>Set that node’s value to the value to be associated with the key (whether or not that value is null), as usual with our associative array convention</a:t>
+            </a:r>
+          </a:p>
+          <a:p>
+            <a:pPr lvl="1"/>
+            <a:endParaRPr lang="en-US" dirty="0"/>
+          </a:p>
+        </p:txBody>
+      </p:sp>
+    </p:spTree>
+    <p:extLst>
+      <p:ext uri="{BB962C8B-B14F-4D97-AF65-F5344CB8AC3E}">
+        <p14:creationId xmlns:p14="http://schemas.microsoft.com/office/powerpoint/2010/main" val="4258485403"/>
+      </p:ext>
+    </p:extLst>
+  </p:cSld>
+  <p:clrMapOvr>
+    <a:masterClrMapping/>
+  </p:clrMapOvr>
+</p:sld>
+</file>
+
+<file path=ppt/slides/slide17.xml><?xml version="1.0" encoding="utf-8"?>
+<p:sld xmlns:a="http://schemas.openxmlformats.org/drawingml/2006/main" xmlns:r="http://schemas.openxmlformats.org/officeDocument/2006/relationships" xmlns:p="http://schemas.openxmlformats.org/presentationml/2006/main">
+  <p:cSld>
+    <p:spTree>
+      <p:nvGrpSpPr>
+        <p:cNvPr id="1" name=""/>
+        <p:cNvGrpSpPr/>
+        <p:nvPr/>
+      </p:nvGrpSpPr>
+      <p:grpSpPr>
+        <a:xfrm>
+          <a:off x="0" y="0"/>
+          <a:ext cx="0" cy="0"/>
+          <a:chOff x="0" y="0"/>
+          <a:chExt cx="0" cy="0"/>
+        </a:xfrm>
+      </p:grpSpPr>
+      <p:sp>
+        <p:nvSpPr>
+          <p:cNvPr id="2" name="Title 1"/>
+          <p:cNvSpPr>
+            <a:spLocks noGrp="1"/>
+          </p:cNvSpPr>
+          <p:nvPr>
+            <p:ph type="title"/>
+          </p:nvPr>
+        </p:nvSpPr>
+        <p:spPr/>
+        <p:txBody>
+          <a:bodyPr/>
+          <a:lstStyle/>
+          <a:p>
+            <a:r>
+              <a:rPr lang="en-US" dirty="0"/>
+              <a:t>Node representation</a:t>
+            </a:r>
+          </a:p>
+        </p:txBody>
+      </p:sp>
+      <p:sp>
+        <p:nvSpPr>
+          <p:cNvPr id="3" name="Content Placeholder 2"/>
+          <p:cNvSpPr>
+            <a:spLocks noGrp="1"/>
+          </p:cNvSpPr>
+          <p:nvPr>
+            <p:ph idx="1"/>
+          </p:nvPr>
+        </p:nvSpPr>
+        <p:spPr/>
+        <p:txBody>
+          <a:bodyPr/>
+          <a:lstStyle/>
+          <a:p>
+            <a:r>
+              <a:rPr lang="en-US" dirty="0"/>
+              <a:t>Our </a:t>
+            </a:r>
+            <a:r>
+              <a:rPr lang="en-US" dirty="0" err="1"/>
+              <a:t>trie</a:t>
+            </a:r>
+            <a:r>
+              <a:rPr lang="en-US" dirty="0"/>
+              <a:t> diagrams do not quite correspond to the data structures our programs will build, because we do not draw null links</a:t>
+            </a:r>
+          </a:p>
+          <a:p>
+            <a:r>
+              <a:rPr lang="en-US" dirty="0"/>
+              <a:t>Taking null links into account emphasizes the following important characteristics of tries</a:t>
+            </a:r>
+          </a:p>
+          <a:p>
+            <a:pPr lvl="1"/>
+            <a:r>
+              <a:rPr lang="en-US" dirty="0"/>
+              <a:t>Every node has R links, one for each possible character</a:t>
+            </a:r>
+          </a:p>
+          <a:p>
+            <a:pPr lvl="1"/>
+            <a:r>
+              <a:rPr lang="en-US" dirty="0"/>
+              <a:t>Characters and keys are implicitly stored in the data structure</a:t>
+            </a:r>
+          </a:p>
+        </p:txBody>
+      </p:sp>
+    </p:spTree>
+    <p:extLst>
+      <p:ext uri="{BB962C8B-B14F-4D97-AF65-F5344CB8AC3E}">
+        <p14:creationId xmlns:p14="http://schemas.microsoft.com/office/powerpoint/2010/main" val="3479134182"/>
+      </p:ext>
+    </p:extLst>
+  </p:cSld>
+  <p:clrMapOvr>
+    <a:masterClrMapping/>
+  </p:clrMapOvr>
+</p:sld>
+</file>
+
+<file path=ppt/slides/slide18.xml><?xml version="1.0" encoding="utf-8"?>
+<p:sld xmlns:a="http://schemas.openxmlformats.org/drawingml/2006/main" xmlns:r="http://schemas.openxmlformats.org/officeDocument/2006/relationships" xmlns:p="http://schemas.openxmlformats.org/presentationml/2006/main">
+  <p:cSld>
+    <p:spTree>
+      <p:nvGrpSpPr>
+        <p:cNvPr id="1" name=""/>
+        <p:cNvGrpSpPr/>
+        <p:nvPr/>
+      </p:nvGrpSpPr>
+      <p:grpSpPr>
+        <a:xfrm>
+          <a:off x="0" y="0"/>
+          <a:ext cx="0" cy="0"/>
+          <a:chOff x="0" y="0"/>
+          <a:chExt cx="0" cy="0"/>
+        </a:xfrm>
+      </p:grpSpPr>
+      <p:sp>
+        <p:nvSpPr>
+          <p:cNvPr id="2" name="Title 1"/>
+          <p:cNvSpPr>
+            <a:spLocks noGrp="1"/>
+          </p:cNvSpPr>
+          <p:nvPr>
+            <p:ph type="title"/>
+          </p:nvPr>
+        </p:nvSpPr>
+        <p:spPr/>
+        <p:txBody>
+          <a:bodyPr/>
+          <a:lstStyle/>
+          <a:p>
+            <a:r>
+              <a:rPr lang="en-US" dirty="0"/>
+              <a:t>Node representation</a:t>
+            </a:r>
+          </a:p>
+        </p:txBody>
+      </p:sp>
+      <p:pic>
+        <p:nvPicPr>
+          <p:cNvPr id="4" name="Picture 3"/>
+          <p:cNvPicPr>
+            <a:picLocks noChangeAspect="1"/>
+          </p:cNvPicPr>
+          <p:nvPr/>
+        </p:nvPicPr>
+        <p:blipFill>
+          <a:blip r:embed="rId2"/>
+          <a:stretch>
+            <a:fillRect/>
+          </a:stretch>
+        </p:blipFill>
+        <p:spPr>
+          <a:xfrm>
+            <a:off x="0" y="1358900"/>
+            <a:ext cx="9144000" cy="4130261"/>
+          </a:xfrm>
+          <a:prstGeom prst="rect">
+            <a:avLst/>
+          </a:prstGeom>
+        </p:spPr>
+      </p:pic>
+      <p:sp>
+        <p:nvSpPr>
+          <p:cNvPr id="3" name="Speech Bubble: Rectangle with Corners Rounded 2"/>
+          <p:cNvSpPr/>
+          <p:nvPr/>
+        </p:nvSpPr>
+        <p:spPr>
+          <a:xfrm>
+            <a:off x="381000" y="4648200"/>
+            <a:ext cx="2667000" cy="1447800"/>
+          </a:xfrm>
+          <a:prstGeom prst="wedgeRoundRectCallout">
+            <a:avLst/>
+          </a:prstGeom>
+        </p:spPr>
+        <p:style>
+          <a:lnRef idx="2">
+            <a:schemeClr val="accent1">
+              <a:shade val="50000"/>
+            </a:schemeClr>
+          </a:lnRef>
+          <a:fillRef idx="1">
+            <a:schemeClr val="accent1"/>
+          </a:fillRef>
+          <a:effectRef idx="0">
+            <a:schemeClr val="accent1"/>
+          </a:effectRef>
+          <a:fontRef idx="minor">
+            <a:schemeClr val="lt1"/>
+          </a:fontRef>
+        </p:style>
+        <p:txBody>
+          <a:bodyPr rtlCol="0" anchor="ctr"/>
+          <a:lstStyle/>
+          <a:p>
+            <a:pPr algn="ctr"/>
+            <a:r>
+              <a:rPr lang="en-US" dirty="0"/>
+              <a:t>Multi-layer hashing table representation</a:t>
+            </a:r>
+          </a:p>
+          <a:p>
+            <a:pPr algn="ctr"/>
+            <a:r>
+              <a:rPr lang="en-US" dirty="0" err="1"/>
+              <a:t>H2</a:t>
+            </a:r>
+            <a:r>
+              <a:rPr lang="en-US" dirty="0"/>
+              <a:t> = </a:t>
+            </a:r>
+            <a:r>
+              <a:rPr lang="en-US" dirty="0" err="1"/>
+              <a:t>H1</a:t>
+            </a:r>
+            <a:r>
+              <a:rPr lang="en-US" dirty="0"/>
+              <a:t>[</a:t>
+            </a:r>
+            <a:r>
+              <a:rPr lang="en-US" dirty="0" err="1"/>
+              <a:t>x1</a:t>
+            </a:r>
+            <a:r>
+              <a:rPr lang="en-US" dirty="0"/>
+              <a:t>]</a:t>
+            </a:r>
+          </a:p>
+          <a:p>
+            <a:pPr algn="ctr"/>
+            <a:r>
+              <a:rPr lang="en-US" dirty="0" err="1"/>
+              <a:t>H3</a:t>
+            </a:r>
+            <a:r>
+              <a:rPr lang="en-US" dirty="0"/>
+              <a:t> = </a:t>
+            </a:r>
+            <a:r>
+              <a:rPr lang="en-US" dirty="0" err="1"/>
+              <a:t>h2</a:t>
+            </a:r>
+            <a:r>
+              <a:rPr lang="en-US" dirty="0"/>
+              <a:t>[</a:t>
+            </a:r>
+            <a:r>
+              <a:rPr lang="en-US" dirty="0" err="1"/>
+              <a:t>x2</a:t>
+            </a:r>
+            <a:r>
+              <a:rPr lang="en-US" dirty="0"/>
+              <a:t>]</a:t>
+            </a:r>
+          </a:p>
+        </p:txBody>
+      </p:sp>
+    </p:spTree>
+    <p:extLst>
+      <p:ext uri="{BB962C8B-B14F-4D97-AF65-F5344CB8AC3E}">
+        <p14:creationId xmlns:p14="http://schemas.microsoft.com/office/powerpoint/2010/main" val="2970831129"/>
+      </p:ext>
+    </p:extLst>
+  </p:cSld>
+  <p:clrMapOvr>
+    <a:masterClrMapping/>
+  </p:clrMapOvr>
+  <p:timing>
+    <p:tnLst>
+      <p:par>
+        <p:cTn id="1" dur="indefinite" restart="never" nodeType="tmRoot">
+          <p:childTnLst>
+            <p:seq concurrent="1" nextAc="seek">
+              <p:cTn id="2" dur="indefinite" nodeType="mainSeq">
+                <p:childTnLst>
+                  <p:par>
+                    <p:cTn id="3" fill="hold">
+                      <p:stCondLst>
+                        <p:cond delay="indefinite"/>
+                      </p:stCondLst>
+                      <p:childTnLst>
+                        <p:par>
+                          <p:cTn id="4" fill="hold">
+                            <p:stCondLst>
+                              <p:cond delay="0"/>
+                            </p:stCondLst>
+                            <p:childTnLst>
+                              <p:par>
+                                <p:cTn id="5" presetID="42" presetClass="entr" presetSubtype="0" fill="hold" grpId="0" nodeType="clickEffect">
+                                  <p:stCondLst>
+                                    <p:cond delay="0"/>
+                                  </p:stCondLst>
+                                  <p:childTnLst>
+                                    <p:set>
+                                      <p:cBhvr>
+                                        <p:cTn id="6" dur="1" fill="hold">
+                                          <p:stCondLst>
+                                            <p:cond delay="0"/>
+                                          </p:stCondLst>
+                                        </p:cTn>
+                                        <p:tgtEl>
+                                          <p:spTgt spid="3"/>
+                                        </p:tgtEl>
+                                        <p:attrNameLst>
+                                          <p:attrName>style.visibility</p:attrName>
+                                        </p:attrNameLst>
+                                      </p:cBhvr>
+                                      <p:to>
+                                        <p:strVal val="visible"/>
+                                      </p:to>
+                                    </p:set>
+                                    <p:animEffect transition="in" filter="fade">
+                                      <p:cBhvr>
+                                        <p:cTn id="7" dur="1000"/>
+                                        <p:tgtEl>
+                                          <p:spTgt spid="3"/>
+                                        </p:tgtEl>
+                                      </p:cBhvr>
+                                    </p:animEffect>
+                                    <p:anim calcmode="lin" valueType="num">
+                                      <p:cBhvr>
+                                        <p:cTn id="8" dur="1000" fill="hold"/>
+                                        <p:tgtEl>
+                                          <p:spTgt spid="3"/>
+                                        </p:tgtEl>
+                                        <p:attrNameLst>
+                                          <p:attrName>ppt_x</p:attrName>
+                                        </p:attrNameLst>
+                                      </p:cBhvr>
+                                      <p:tavLst>
+                                        <p:tav tm="0">
+                                          <p:val>
+                                            <p:strVal val="#ppt_x"/>
+                                          </p:val>
+                                        </p:tav>
+                                        <p:tav tm="100000">
+                                          <p:val>
+                                            <p:strVal val="#ppt_x"/>
+                                          </p:val>
+                                        </p:tav>
+                                      </p:tavLst>
+                                    </p:anim>
+                                    <p:anim calcmode="lin" valueType="num">
+                                      <p:cBhvr>
+                                        <p:cTn id="9" dur="1000" fill="hold"/>
+                                        <p:tgtEl>
+                                          <p:spTgt spid="3"/>
+                                        </p:tgtEl>
+                                        <p:attrNameLst>
+                                          <p:attrName>ppt_y</p:attrName>
+                                        </p:attrNameLst>
+                                      </p:cBhvr>
+                                      <p:tavLst>
+                                        <p:tav tm="0">
+                                          <p:val>
+                                            <p:strVal val="#ppt_y+.1"/>
+                                          </p:val>
+                                        </p:tav>
+                                        <p:tav tm="100000">
+                                          <p:val>
+                                            <p:strVal val="#ppt_y"/>
+                                          </p:val>
+                                        </p:tav>
+                                      </p:tavLst>
+                                    </p:anim>
+                                  </p:childTnLst>
+                                </p:cTn>
+                              </p:par>
+                            </p:childTnLst>
+                          </p:cTn>
+                        </p:par>
+                      </p:childTnLst>
+                    </p:cTn>
+                  </p:par>
+                </p:childTnLst>
+              </p:cTn>
+              <p:prevCondLst>
+                <p:cond evt="onPrev" delay="0">
+                  <p:tgtEl>
+                    <p:sldTgt/>
+                  </p:tgtEl>
+                </p:cond>
+              </p:prevCondLst>
+              <p:nextCondLst>
+                <p:cond evt="onNext" delay="0">
+                  <p:tgtEl>
+                    <p:sldTgt/>
+                  </p:tgtEl>
+                </p:cond>
+              </p:nextCondLst>
+            </p:seq>
+          </p:childTnLst>
+        </p:cTn>
+      </p:par>
+    </p:tnLst>
+    <p:bldLst>
+      <p:bldP spid="3" grpId="0" animBg="1"/>
+    </p:bldLst>
+  </p:timing>
+</p:sld>
+</file>
+
+<file path=ppt/slides/slide19.xml><?xml version="1.0" encoding="utf-8"?>
+<p:sld xmlns:a="http://schemas.openxmlformats.org/drawingml/2006/main" xmlns:r="http://schemas.openxmlformats.org/officeDocument/2006/relationships" xmlns:p="http://schemas.openxmlformats.org/presentationml/2006/main">
+  <p:cSld>
+    <p:spTree>
+      <p:nvGrpSpPr>
+        <p:cNvPr id="1" name=""/>
+        <p:cNvGrpSpPr/>
+        <p:nvPr/>
+      </p:nvGrpSpPr>
+      <p:grpSpPr>
+        <a:xfrm>
+          <a:off x="0" y="0"/>
+          <a:ext cx="0" cy="0"/>
+          <a:chOff x="0" y="0"/>
+          <a:chExt cx="0" cy="0"/>
+        </a:xfrm>
+      </p:grpSpPr>
+      <p:sp>
+        <p:nvSpPr>
+          <p:cNvPr id="2" name="Title 1"/>
+          <p:cNvSpPr>
+            <a:spLocks noGrp="1"/>
+          </p:cNvSpPr>
+          <p:nvPr>
+            <p:ph type="title"/>
+          </p:nvPr>
+        </p:nvSpPr>
+        <p:spPr/>
+        <p:txBody>
+          <a:bodyPr/>
+          <a:lstStyle/>
+          <a:p>
+            <a:r>
+              <a:rPr lang="en-US" dirty="0"/>
+              <a:t>Henry: some implementation</a:t>
+            </a:r>
+          </a:p>
+        </p:txBody>
+      </p:sp>
+      <p:sp>
+        <p:nvSpPr>
+          <p:cNvPr id="3" name="Content Placeholder 2"/>
+          <p:cNvSpPr>
+            <a:spLocks noGrp="1"/>
+          </p:cNvSpPr>
+          <p:nvPr>
+            <p:ph idx="1"/>
+          </p:nvPr>
+        </p:nvSpPr>
+        <p:spPr/>
+        <p:txBody>
+          <a:bodyPr/>
+          <a:lstStyle/>
+          <a:p>
+            <a:r>
+              <a:rPr lang="en-US" dirty="0"/>
+              <a:t>Multi-layer hashing table </a:t>
+            </a:r>
+          </a:p>
+          <a:p>
+            <a:pPr lvl="1"/>
+            <a:r>
+              <a:rPr lang="en-US" dirty="0"/>
+              <a:t>Very space consuming (sparse array)</a:t>
+            </a:r>
+          </a:p>
+          <a:p>
+            <a:r>
+              <a:rPr lang="en-US" dirty="0"/>
+              <a:t>Automation / map: character on edge/link </a:t>
+            </a:r>
+          </a:p>
+          <a:p>
+            <a:pPr lvl="1"/>
+            <a:r>
+              <a:rPr lang="en-US" dirty="0"/>
+              <a:t>Each node </a:t>
+            </a:r>
+            <a:r>
+              <a:rPr lang="en-US" dirty="0" err="1"/>
+              <a:t>nk</a:t>
+            </a:r>
+            <a:r>
+              <a:rPr lang="en-US" dirty="0"/>
+              <a:t> contains the entry </a:t>
+            </a:r>
+            <a:r>
+              <a:rPr lang="en-US" dirty="0" err="1"/>
+              <a:t>nk</a:t>
+            </a:r>
+            <a:r>
+              <a:rPr lang="en-US" dirty="0"/>
+              <a:t>---char--</a:t>
+            </a:r>
+            <a:r>
+              <a:rPr lang="en-US" dirty="0" err="1"/>
+              <a:t>nj</a:t>
+            </a:r>
+            <a:r>
+              <a:rPr lang="en-US" dirty="0"/>
+              <a:t> where </a:t>
+            </a:r>
+            <a:r>
+              <a:rPr lang="en-US" dirty="0" err="1"/>
+              <a:t>nj</a:t>
+            </a:r>
+            <a:r>
+              <a:rPr lang="en-US" dirty="0"/>
+              <a:t> is the next node</a:t>
+            </a:r>
+          </a:p>
+          <a:p>
+            <a:r>
+              <a:rPr lang="en-US" dirty="0"/>
+              <a:t>Folder container: character on node/vertex</a:t>
+            </a:r>
+          </a:p>
+          <a:p>
+            <a:pPr lvl="1"/>
+            <a:r>
+              <a:rPr lang="en-US" dirty="0"/>
+              <a:t>Each node contains one character</a:t>
+            </a:r>
+          </a:p>
+          <a:p>
+            <a:pPr lvl="1"/>
+            <a:r>
+              <a:rPr lang="en-US" dirty="0"/>
+              <a:t>The root node does not have one</a:t>
+            </a:r>
+          </a:p>
+        </p:txBody>
+      </p:sp>
+    </p:spTree>
+    <p:extLst>
+      <p:ext uri="{BB962C8B-B14F-4D97-AF65-F5344CB8AC3E}">
+        <p14:creationId xmlns:p14="http://schemas.microsoft.com/office/powerpoint/2010/main" val="3219773798"/>
+      </p:ext>
+    </p:extLst>
+  </p:cSld>
+  <p:clrMapOvr>
+    <a:masterClrMapping/>
+  </p:clrMapOvr>
+</p:sld>
+</file>
+
+<file path=ppt/slides/slide2.xml><?xml version="1.0" encoding="utf-8"?>
+<p:sld xmlns:a="http://schemas.openxmlformats.org/drawingml/2006/main" xmlns:r="http://schemas.openxmlformats.org/officeDocument/2006/relationships" xmlns:p="http://schemas.openxmlformats.org/presentationml/2006/main">
+  <p:cSld>
+    <p:spTree>
+      <p:nvGrpSpPr>
+        <p:cNvPr id="1" name=""/>
+        <p:cNvGrpSpPr/>
+        <p:nvPr/>
+      </p:nvGrpSpPr>
+      <p:grpSpPr>
+        <a:xfrm>
+          <a:off x="0" y="0"/>
+          <a:ext cx="0" cy="0"/>
+          <a:chOff x="0" y="0"/>
+          <a:chExt cx="0" cy="0"/>
+        </a:xfrm>
+      </p:grpSpPr>
+      <p:sp>
+        <p:nvSpPr>
+          <p:cNvPr id="2" name="Title 1"/>
+          <p:cNvSpPr>
+            <a:spLocks noGrp="1"/>
+          </p:cNvSpPr>
+          <p:nvPr>
+            <p:ph type="title"/>
+          </p:nvPr>
+        </p:nvSpPr>
+        <p:spPr/>
+        <p:txBody>
+          <a:bodyPr/>
+          <a:lstStyle/>
+          <a:p>
+            <a:r>
+              <a:rPr lang="en-US" dirty="0"/>
+              <a:t>Objectives</a:t>
+            </a:r>
+          </a:p>
+        </p:txBody>
+      </p:sp>
+      <p:sp>
+        <p:nvSpPr>
+          <p:cNvPr id="3" name="Content Placeholder 2"/>
+          <p:cNvSpPr>
+            <a:spLocks noGrp="1"/>
+          </p:cNvSpPr>
+          <p:nvPr>
+            <p:ph idx="1"/>
+          </p:nvPr>
+        </p:nvSpPr>
+        <p:spPr/>
+        <p:txBody>
+          <a:bodyPr/>
+          <a:lstStyle/>
+          <a:p>
+            <a:r>
+              <a:rPr lang="en-US" dirty="0"/>
+              <a:t>Concepts overview</a:t>
+            </a:r>
+          </a:p>
+          <a:p>
+            <a:pPr lvl="1"/>
+            <a:r>
+              <a:rPr lang="en-US" dirty="0"/>
+              <a:t>String representation and String manipulation</a:t>
+            </a:r>
+          </a:p>
+          <a:p>
+            <a:r>
+              <a:rPr lang="en-US" dirty="0"/>
+              <a:t>String sorts</a:t>
+            </a:r>
+          </a:p>
+          <a:p>
+            <a:pPr lvl="1"/>
+            <a:r>
+              <a:rPr lang="en-US" dirty="0"/>
+              <a:t>Key-indexed counting</a:t>
+            </a:r>
+          </a:p>
+          <a:p>
+            <a:pPr lvl="1"/>
+            <a:r>
+              <a:rPr lang="en-US" dirty="0"/>
+              <a:t>LSD string sorts</a:t>
+            </a:r>
+          </a:p>
+          <a:p>
+            <a:pPr lvl="1"/>
+            <a:r>
+              <a:rPr lang="en-US" dirty="0"/>
+              <a:t>MSD string sorts</a:t>
+            </a:r>
+          </a:p>
+          <a:p>
+            <a:r>
+              <a:rPr lang="en-US" dirty="0"/>
+              <a:t>String search</a:t>
+            </a:r>
+          </a:p>
+          <a:p>
+            <a:pPr lvl="1"/>
+            <a:r>
+              <a:rPr lang="en-US" dirty="0"/>
+              <a:t>Tries</a:t>
+            </a:r>
+          </a:p>
+          <a:p>
+            <a:pPr lvl="1"/>
+            <a:r>
+              <a:rPr lang="en-US" dirty="0" err="1"/>
+              <a:t>TrieST</a:t>
+            </a:r>
+            <a:r>
+              <a:rPr lang="en-US" dirty="0"/>
+              <a:t> API</a:t>
+            </a:r>
+          </a:p>
+        </p:txBody>
+      </p:sp>
+    </p:spTree>
+    <p:extLst>
+      <p:ext uri="{BB962C8B-B14F-4D97-AF65-F5344CB8AC3E}">
+        <p14:creationId xmlns:p14="http://schemas.microsoft.com/office/powerpoint/2010/main" val="3733164021"/>
+      </p:ext>
+    </p:extLst>
+  </p:cSld>
+  <p:clrMapOvr>
+    <a:masterClrMapping/>
+  </p:clrMapOvr>
+</p:sld>
+</file>
+
+<file path=ppt/slides/slide20.xml><?xml version="1.0" encoding="utf-8"?>
+<p:sld xmlns:a="http://schemas.openxmlformats.org/drawingml/2006/main" xmlns:r="http://schemas.openxmlformats.org/officeDocument/2006/relationships" xmlns:p="http://schemas.openxmlformats.org/presentationml/2006/main">
+  <p:cSld>
+    <p:spTree>
+      <p:nvGrpSpPr>
+        <p:cNvPr id="1" name=""/>
+        <p:cNvGrpSpPr/>
+        <p:nvPr/>
+      </p:nvGrpSpPr>
+      <p:grpSpPr>
+        <a:xfrm>
+          <a:off x="0" y="0"/>
+          <a:ext cx="0" cy="0"/>
+          <a:chOff x="0" y="0"/>
+          <a:chExt cx="0" cy="0"/>
+        </a:xfrm>
+      </p:grpSpPr>
+      <p:sp>
+        <p:nvSpPr>
+          <p:cNvPr id="2" name="Title 1"/>
+          <p:cNvSpPr>
+            <a:spLocks noGrp="1"/>
+          </p:cNvSpPr>
+          <p:nvPr>
+            <p:ph type="title"/>
+          </p:nvPr>
+        </p:nvSpPr>
+        <p:spPr/>
+        <p:txBody>
+          <a:bodyPr/>
+          <a:lstStyle/>
+          <a:p>
+            <a:r>
+              <a:rPr lang="en-US" dirty="0" err="1"/>
+              <a:t>Trie</a:t>
+            </a:r>
+            <a:r>
+              <a:rPr lang="en-US" dirty="0"/>
+              <a:t> data structure</a:t>
+            </a:r>
+          </a:p>
+        </p:txBody>
+      </p:sp>
+      <p:sp>
+        <p:nvSpPr>
+          <p:cNvPr id="3" name="Content Placeholder 2"/>
+          <p:cNvSpPr>
+            <a:spLocks noGrp="1"/>
+          </p:cNvSpPr>
+          <p:nvPr>
+            <p:ph idx="1"/>
+          </p:nvPr>
+        </p:nvSpPr>
+        <p:spPr/>
+        <p:txBody>
+          <a:bodyPr>
+            <a:normAutofit fontScale="77500" lnSpcReduction="20000"/>
+          </a:bodyPr>
+          <a:lstStyle/>
+          <a:p>
+            <a:r>
+              <a:rPr lang="en-US" dirty="0"/>
+              <a:t>Keys in the </a:t>
+            </a:r>
+            <a:r>
+              <a:rPr lang="en-US" dirty="0" err="1"/>
+              <a:t>trie</a:t>
+            </a:r>
+            <a:r>
+              <a:rPr lang="en-US" dirty="0"/>
+              <a:t> are implicitly represented by paths from the root that end at nodes with non-null values</a:t>
+            </a:r>
+          </a:p>
+          <a:p>
+            <a:r>
+              <a:rPr lang="en-US" dirty="0"/>
+              <a:t>E.g., string “sea” is associated with the value 2 in the </a:t>
+            </a:r>
+            <a:r>
+              <a:rPr lang="en-US" dirty="0" err="1"/>
+              <a:t>trie</a:t>
+            </a:r>
+            <a:r>
+              <a:rPr lang="en-US" dirty="0"/>
+              <a:t> because the 19</a:t>
+            </a:r>
+            <a:r>
+              <a:rPr lang="en-US" baseline="30000" dirty="0"/>
+              <a:t>th</a:t>
+            </a:r>
+            <a:r>
+              <a:rPr lang="en-US" dirty="0"/>
+              <a:t> link in the root (which points to the </a:t>
+            </a:r>
+            <a:r>
+              <a:rPr lang="en-US" dirty="0" err="1"/>
+              <a:t>trie</a:t>
+            </a:r>
+            <a:r>
+              <a:rPr lang="en-US" dirty="0"/>
+              <a:t> for all keys that start with s) is not null and the 5</a:t>
+            </a:r>
+            <a:r>
+              <a:rPr lang="en-US" baseline="30000" dirty="0"/>
+              <a:t>th</a:t>
+            </a:r>
+            <a:r>
+              <a:rPr lang="en-US" dirty="0"/>
+              <a:t> link in the node that link refers to (which points to the </a:t>
+            </a:r>
+            <a:r>
+              <a:rPr lang="en-US" dirty="0" err="1"/>
+              <a:t>trie</a:t>
+            </a:r>
+            <a:r>
+              <a:rPr lang="en-US" dirty="0"/>
+              <a:t> for all keys that start with “se”) is not null and the first  link in the node that link refers to (which points to the </a:t>
+            </a:r>
+            <a:r>
+              <a:rPr lang="en-US" dirty="0" err="1"/>
+              <a:t>trie</a:t>
+            </a:r>
+            <a:r>
+              <a:rPr lang="en-US" dirty="0"/>
+              <a:t> for all keys that starts with “sea”) has the value 2</a:t>
+            </a:r>
+          </a:p>
+          <a:p>
+            <a:r>
+              <a:rPr lang="en-US" dirty="0"/>
+              <a:t>Neither the string “sea” nor the character s, e and a are stored in the data structure. </a:t>
+            </a:r>
+          </a:p>
+          <a:p>
+            <a:pPr lvl="1"/>
+            <a:r>
+              <a:rPr lang="en-US" dirty="0"/>
+              <a:t>Indeed, the data structure contains no characters or strings, just links and values. </a:t>
+            </a:r>
+          </a:p>
+          <a:p>
+            <a:pPr lvl="1"/>
+            <a:r>
+              <a:rPr lang="en-US" dirty="0"/>
+              <a:t>Since the parameter R plays such a critical role, we refer to a </a:t>
+            </a:r>
+            <a:r>
+              <a:rPr lang="en-US" dirty="0" err="1"/>
+              <a:t>trie</a:t>
+            </a:r>
+            <a:r>
+              <a:rPr lang="en-US" dirty="0"/>
+              <a:t> for an R-character alphabet as an R-way </a:t>
+            </a:r>
+            <a:r>
+              <a:rPr lang="en-US" dirty="0" err="1"/>
+              <a:t>trie</a:t>
+            </a:r>
+            <a:endParaRPr lang="en-US" dirty="0"/>
+          </a:p>
+        </p:txBody>
+      </p:sp>
+    </p:spTree>
+    <p:extLst>
+      <p:ext uri="{BB962C8B-B14F-4D97-AF65-F5344CB8AC3E}">
+        <p14:creationId xmlns:p14="http://schemas.microsoft.com/office/powerpoint/2010/main" val="3245578504"/>
+      </p:ext>
+    </p:extLst>
+  </p:cSld>
+  <p:clrMapOvr>
+    <a:masterClrMapping/>
+  </p:clrMapOvr>
+</p:sld>
+</file>
+
+<file path=ppt/slides/slide21.xml><?xml version="1.0" encoding="utf-8"?>
+<p:sld xmlns:a="http://schemas.openxmlformats.org/drawingml/2006/main" xmlns:r="http://schemas.openxmlformats.org/officeDocument/2006/relationships" xmlns:p="http://schemas.openxmlformats.org/presentationml/2006/main">
+  <p:cSld>
+    <p:spTree>
+      <p:nvGrpSpPr>
+        <p:cNvPr id="1" name=""/>
+        <p:cNvGrpSpPr/>
+        <p:nvPr/>
+      </p:nvGrpSpPr>
+      <p:grpSpPr>
+        <a:xfrm>
+          <a:off x="0" y="0"/>
+          <a:ext cx="0" cy="0"/>
+          <a:chOff x="0" y="0"/>
+          <a:chExt cx="0" cy="0"/>
+        </a:xfrm>
+      </p:grpSpPr>
+      <p:sp>
+        <p:nvSpPr>
+          <p:cNvPr id="2" name="Title 1"/>
+          <p:cNvSpPr>
+            <a:spLocks noGrp="1"/>
+          </p:cNvSpPr>
+          <p:nvPr>
+            <p:ph type="title"/>
+          </p:nvPr>
+        </p:nvSpPr>
+        <p:spPr/>
+        <p:txBody>
+          <a:bodyPr/>
+          <a:lstStyle/>
+          <a:p>
+            <a:r>
+              <a:rPr lang="en-US" dirty="0"/>
+              <a:t>Size</a:t>
+            </a:r>
+          </a:p>
+        </p:txBody>
+      </p:sp>
+      <p:sp>
+        <p:nvSpPr>
+          <p:cNvPr id="3" name="Content Placeholder 2"/>
+          <p:cNvSpPr>
+            <a:spLocks noGrp="1"/>
+          </p:cNvSpPr>
+          <p:nvPr>
+            <p:ph idx="1"/>
+          </p:nvPr>
+        </p:nvSpPr>
+        <p:spPr/>
+        <p:txBody>
+          <a:bodyPr/>
+          <a:lstStyle/>
+          <a:p>
+            <a:r>
+              <a:rPr lang="en-US" dirty="0"/>
+              <a:t>As for binary search tree, three straightforward options are available for implementing size()</a:t>
+            </a:r>
+          </a:p>
+          <a:p>
+            <a:pPr lvl="1"/>
+            <a:r>
+              <a:rPr lang="en-US" dirty="0"/>
+              <a:t>An eager implementation where we maintain the number of keys in an instance variable N</a:t>
+            </a:r>
+          </a:p>
+          <a:p>
+            <a:pPr lvl="1"/>
+            <a:r>
+              <a:rPr lang="en-US" dirty="0"/>
+              <a:t>A very eager implementation where  we maintain the number of keys in a </a:t>
+            </a:r>
+            <a:r>
+              <a:rPr lang="en-US" dirty="0" err="1"/>
+              <a:t>subtrie</a:t>
+            </a:r>
+            <a:r>
+              <a:rPr lang="en-US" dirty="0"/>
+              <a:t> as a node instance variable that we update after the recursive calls in put() and delete()</a:t>
+            </a:r>
+          </a:p>
+          <a:p>
+            <a:pPr lvl="1"/>
+            <a:r>
+              <a:rPr lang="en-US" dirty="0"/>
+              <a:t>A lazy recursive implementation. It traverses all of the nodes in the </a:t>
+            </a:r>
+            <a:r>
+              <a:rPr lang="en-US" dirty="0" err="1"/>
+              <a:t>trie</a:t>
+            </a:r>
+            <a:r>
+              <a:rPr lang="en-US" dirty="0"/>
+              <a:t>, counting the number having a non-null value</a:t>
+            </a:r>
+          </a:p>
+        </p:txBody>
+      </p:sp>
+    </p:spTree>
+    <p:extLst>
+      <p:ext uri="{BB962C8B-B14F-4D97-AF65-F5344CB8AC3E}">
+        <p14:creationId xmlns:p14="http://schemas.microsoft.com/office/powerpoint/2010/main" val="3912562764"/>
+      </p:ext>
+    </p:extLst>
+  </p:cSld>
+  <p:clrMapOvr>
+    <a:masterClrMapping/>
+  </p:clrMapOvr>
+</p:sld>
+</file>
+
+<file path=ppt/slides/slide22.xml><?xml version="1.0" encoding="utf-8"?>
+<p:sld xmlns:a="http://schemas.openxmlformats.org/drawingml/2006/main" xmlns:r="http://schemas.openxmlformats.org/officeDocument/2006/relationships" xmlns:p="http://schemas.openxmlformats.org/presentationml/2006/main">
+  <p:cSld>
+    <p:spTree>
+      <p:nvGrpSpPr>
+        <p:cNvPr id="1" name=""/>
+        <p:cNvGrpSpPr/>
+        <p:nvPr/>
+      </p:nvGrpSpPr>
+      <p:grpSpPr>
+        <a:xfrm>
+          <a:off x="0" y="0"/>
+          <a:ext cx="0" cy="0"/>
+          <a:chOff x="0" y="0"/>
+          <a:chExt cx="0" cy="0"/>
+        </a:xfrm>
+      </p:grpSpPr>
+      <p:sp>
+        <p:nvSpPr>
+          <p:cNvPr id="2" name="Title 1"/>
+          <p:cNvSpPr>
+            <a:spLocks noGrp="1"/>
+          </p:cNvSpPr>
+          <p:nvPr>
+            <p:ph type="title"/>
+          </p:nvPr>
+        </p:nvSpPr>
+        <p:spPr/>
+        <p:txBody>
+          <a:bodyPr/>
+          <a:lstStyle/>
+          <a:p>
+            <a:r>
+              <a:rPr lang="en-US" dirty="0"/>
+              <a:t>put() method</a:t>
+            </a:r>
+          </a:p>
+        </p:txBody>
+      </p:sp>
+      <p:pic>
+        <p:nvPicPr>
+          <p:cNvPr id="4" name="Picture 3"/>
+          <p:cNvPicPr>
+            <a:picLocks noChangeAspect="1"/>
+          </p:cNvPicPr>
+          <p:nvPr/>
+        </p:nvPicPr>
+        <p:blipFill>
+          <a:blip r:embed="rId2"/>
+          <a:stretch>
+            <a:fillRect/>
+          </a:stretch>
+        </p:blipFill>
+        <p:spPr>
+          <a:xfrm>
+            <a:off x="0" y="1062588"/>
+            <a:ext cx="9144000" cy="5109612"/>
+          </a:xfrm>
+          <a:prstGeom prst="rect">
+            <a:avLst/>
+          </a:prstGeom>
+        </p:spPr>
+      </p:pic>
+    </p:spTree>
+    <p:extLst>
+      <p:ext uri="{BB962C8B-B14F-4D97-AF65-F5344CB8AC3E}">
+        <p14:creationId xmlns:p14="http://schemas.microsoft.com/office/powerpoint/2010/main" val="1069177839"/>
+      </p:ext>
+    </p:extLst>
+  </p:cSld>
+  <p:clrMapOvr>
+    <a:masterClrMapping/>
+  </p:clrMapOvr>
+</p:sld>
+</file>
+
+<file path=ppt/slides/slide23.xml><?xml version="1.0" encoding="utf-8"?>
+<p:sld xmlns:a="http://schemas.openxmlformats.org/drawingml/2006/main" xmlns:r="http://schemas.openxmlformats.org/officeDocument/2006/relationships" xmlns:p="http://schemas.openxmlformats.org/presentationml/2006/main">
+  <p:cSld>
+    <p:spTree>
+      <p:nvGrpSpPr>
+        <p:cNvPr id="1" name=""/>
+        <p:cNvGrpSpPr/>
+        <p:nvPr/>
+      </p:nvGrpSpPr>
+      <p:grpSpPr>
+        <a:xfrm>
+          <a:off x="0" y="0"/>
+          <a:ext cx="0" cy="0"/>
+          <a:chOff x="0" y="0"/>
+          <a:chExt cx="0" cy="0"/>
+        </a:xfrm>
+      </p:grpSpPr>
+      <p:sp>
+        <p:nvSpPr>
+          <p:cNvPr id="2" name="Title 1"/>
+          <p:cNvSpPr>
+            <a:spLocks noGrp="1"/>
+          </p:cNvSpPr>
+          <p:nvPr>
+            <p:ph type="title"/>
+          </p:nvPr>
+        </p:nvSpPr>
+        <p:spPr/>
+        <p:txBody>
+          <a:bodyPr/>
+          <a:lstStyle/>
+          <a:p>
+            <a:r>
+              <a:rPr lang="en-US" dirty="0"/>
+              <a:t>get() method</a:t>
+            </a:r>
+          </a:p>
+        </p:txBody>
+      </p:sp>
+      <p:pic>
+        <p:nvPicPr>
+          <p:cNvPr id="5" name="Picture 4"/>
+          <p:cNvPicPr>
+            <a:picLocks noChangeAspect="1"/>
+          </p:cNvPicPr>
+          <p:nvPr/>
+        </p:nvPicPr>
+        <p:blipFill>
+          <a:blip r:embed="rId2"/>
+          <a:stretch>
+            <a:fillRect/>
+          </a:stretch>
+        </p:blipFill>
+        <p:spPr>
+          <a:xfrm>
+            <a:off x="0" y="990600"/>
+            <a:ext cx="9144000" cy="3627783"/>
+          </a:xfrm>
+          <a:prstGeom prst="rect">
+            <a:avLst/>
+          </a:prstGeom>
+        </p:spPr>
+      </p:pic>
+    </p:spTree>
+    <p:extLst>
+      <p:ext uri="{BB962C8B-B14F-4D97-AF65-F5344CB8AC3E}">
+        <p14:creationId xmlns:p14="http://schemas.microsoft.com/office/powerpoint/2010/main" val="745127802"/>
+      </p:ext>
+    </p:extLst>
+  </p:cSld>
+  <p:clrMapOvr>
+    <a:masterClrMapping/>
+  </p:clrMapOvr>
+</p:sld>
+</file>
+
+<file path=ppt/slides/slide24.xml><?xml version="1.0" encoding="utf-8"?>
+<p:sld xmlns:a="http://schemas.openxmlformats.org/drawingml/2006/main" xmlns:r="http://schemas.openxmlformats.org/officeDocument/2006/relationships" xmlns:p="http://schemas.openxmlformats.org/presentationml/2006/main">
+  <p:cSld>
+    <p:spTree>
+      <p:nvGrpSpPr>
+        <p:cNvPr id="1" name=""/>
+        <p:cNvGrpSpPr/>
+        <p:nvPr/>
+      </p:nvGrpSpPr>
+      <p:grpSpPr>
+        <a:xfrm>
+          <a:off x="0" y="0"/>
+          <a:ext cx="0" cy="0"/>
+          <a:chOff x="0" y="0"/>
+          <a:chExt cx="0" cy="0"/>
+        </a:xfrm>
+      </p:grpSpPr>
+      <p:sp>
+        <p:nvSpPr>
+          <p:cNvPr id="2" name="Title 1"/>
+          <p:cNvSpPr>
+            <a:spLocks noGrp="1"/>
+          </p:cNvSpPr>
+          <p:nvPr>
+            <p:ph type="title"/>
+          </p:nvPr>
+        </p:nvSpPr>
+        <p:spPr/>
+        <p:txBody>
+          <a:bodyPr/>
+          <a:lstStyle/>
+          <a:p>
+            <a:r>
+              <a:rPr lang="en-US" dirty="0"/>
+              <a:t>Collecting keys</a:t>
+            </a:r>
+          </a:p>
+        </p:txBody>
+      </p:sp>
+      <p:sp>
+        <p:nvSpPr>
+          <p:cNvPr id="3" name="Content Placeholder 2"/>
+          <p:cNvSpPr>
+            <a:spLocks noGrp="1"/>
+          </p:cNvSpPr>
+          <p:nvPr>
+            <p:ph idx="1"/>
+          </p:nvPr>
+        </p:nvSpPr>
+        <p:spPr/>
+        <p:txBody>
+          <a:bodyPr>
+            <a:normAutofit fontScale="62500" lnSpcReduction="20000"/>
+          </a:bodyPr>
+          <a:lstStyle/>
+          <a:p>
+            <a:r>
+              <a:rPr lang="en-US" dirty="0"/>
+              <a:t>Because characters and keys are represented implicitly in tries, we need to provide clients with the ability to iterate through the keys</a:t>
+            </a:r>
+          </a:p>
+          <a:p>
+            <a:r>
+              <a:rPr lang="en-US" dirty="0"/>
+              <a:t>We need to create explicit representations for all the string keys, not just find them</a:t>
+            </a:r>
+          </a:p>
+          <a:p>
+            <a:r>
+              <a:rPr lang="en-US" dirty="0"/>
+              <a:t>We do so with a recursive private method collect() that is similar to size() but also maintains a string with the sequence of characters on the path from the root</a:t>
+            </a:r>
+          </a:p>
+          <a:p>
+            <a:r>
+              <a:rPr lang="en-US" dirty="0"/>
+              <a:t>Each time that we visit a node via a call to collect() with that node as first argument, the second argument is the string associated with that node</a:t>
+            </a:r>
+          </a:p>
+          <a:p>
+            <a:r>
+              <a:rPr lang="en-US" dirty="0"/>
+              <a:t>To visit a node, we add its associated string to the queue if its value is not null, then visit (recursively) all the nodes in its array of links, one for each possible character</a:t>
+            </a:r>
+          </a:p>
+          <a:p>
+            <a:r>
+              <a:rPr lang="en-US" dirty="0"/>
+              <a:t>To create the key for each call, we append the character corresponding to the link to the current key</a:t>
+            </a:r>
+          </a:p>
+          <a:p>
+            <a:r>
+              <a:rPr lang="en-US" dirty="0"/>
+              <a:t>We use this collect() method to collect keys for both the keys() and the </a:t>
+            </a:r>
+            <a:r>
+              <a:rPr lang="en-US" dirty="0" err="1"/>
+              <a:t>keysWithPrefix</a:t>
+            </a:r>
+            <a:r>
+              <a:rPr lang="en-US" dirty="0"/>
+              <a:t>() methods in the API</a:t>
+            </a:r>
+          </a:p>
+          <a:p>
+            <a:pPr lvl="1"/>
+            <a:r>
+              <a:rPr lang="en-US" dirty="0"/>
+              <a:t>To implement the keys() we call </a:t>
+            </a:r>
+            <a:r>
+              <a:rPr lang="en-US" dirty="0" err="1"/>
+              <a:t>keysWithPrefix</a:t>
+            </a:r>
+            <a:r>
+              <a:rPr lang="en-US" dirty="0"/>
+              <a:t>() with the empty string as argument</a:t>
+            </a:r>
+          </a:p>
+          <a:p>
+            <a:pPr lvl="1"/>
+            <a:r>
+              <a:rPr lang="en-US" dirty="0"/>
+              <a:t>To implement </a:t>
+            </a:r>
+            <a:r>
+              <a:rPr lang="en-US" dirty="0" err="1"/>
+              <a:t>keysWithPrefix</a:t>
+            </a:r>
+            <a:r>
+              <a:rPr lang="en-US" dirty="0"/>
+              <a:t>(), we call get() to find the </a:t>
+            </a:r>
+            <a:r>
+              <a:rPr lang="en-US" dirty="0" err="1"/>
+              <a:t>trie</a:t>
+            </a:r>
+            <a:r>
+              <a:rPr lang="en-US" dirty="0"/>
+              <a:t> node corresponding to the given prefix (null if there is no such node), then use the collect() method to complete the job.</a:t>
+            </a:r>
+          </a:p>
+          <a:p>
+            <a:endParaRPr lang="en-US" dirty="0"/>
+          </a:p>
+          <a:p>
+            <a:endParaRPr lang="en-US" dirty="0"/>
+          </a:p>
+        </p:txBody>
+      </p:sp>
+    </p:spTree>
+    <p:extLst>
+      <p:ext uri="{BB962C8B-B14F-4D97-AF65-F5344CB8AC3E}">
+        <p14:creationId xmlns:p14="http://schemas.microsoft.com/office/powerpoint/2010/main" val="507730251"/>
+      </p:ext>
+    </p:extLst>
+  </p:cSld>
+  <p:clrMapOvr>
+    <a:masterClrMapping/>
+  </p:clrMapOvr>
+</p:sld>
+</file>
+
+<file path=ppt/slides/slide25.xml><?xml version="1.0" encoding="utf-8"?>
+<p:sld xmlns:a="http://schemas.openxmlformats.org/drawingml/2006/main" xmlns:r="http://schemas.openxmlformats.org/officeDocument/2006/relationships" xmlns:p="http://schemas.openxmlformats.org/presentationml/2006/main">
+  <p:cSld>
+    <p:spTree>
+      <p:nvGrpSpPr>
+        <p:cNvPr id="1" name=""/>
+        <p:cNvGrpSpPr/>
+        <p:nvPr/>
+      </p:nvGrpSpPr>
+      <p:grpSpPr>
+        <a:xfrm>
+          <a:off x="0" y="0"/>
+          <a:ext cx="0" cy="0"/>
+          <a:chOff x="0" y="0"/>
+          <a:chExt cx="0" cy="0"/>
+        </a:xfrm>
+      </p:grpSpPr>
+      <p:sp>
+        <p:nvSpPr>
+          <p:cNvPr id="2" name="Title 1"/>
+          <p:cNvSpPr>
+            <a:spLocks noGrp="1"/>
+          </p:cNvSpPr>
+          <p:nvPr>
+            <p:ph type="title"/>
+          </p:nvPr>
+        </p:nvSpPr>
+        <p:spPr/>
+        <p:txBody>
+          <a:bodyPr/>
+          <a:lstStyle/>
+          <a:p>
+            <a:r>
+              <a:rPr lang="en-US" dirty="0"/>
+              <a:t>Collecting keys</a:t>
+            </a:r>
+          </a:p>
+        </p:txBody>
+      </p:sp>
+      <p:pic>
+        <p:nvPicPr>
+          <p:cNvPr id="4" name="Picture 3"/>
+          <p:cNvPicPr>
+            <a:picLocks noChangeAspect="1"/>
+          </p:cNvPicPr>
+          <p:nvPr/>
+        </p:nvPicPr>
+        <p:blipFill>
+          <a:blip r:embed="rId2"/>
+          <a:stretch>
+            <a:fillRect/>
+          </a:stretch>
+        </p:blipFill>
+        <p:spPr>
+          <a:xfrm>
+            <a:off x="0" y="1054100"/>
+            <a:ext cx="9144000" cy="4747846"/>
+          </a:xfrm>
+          <a:prstGeom prst="rect">
+            <a:avLst/>
+          </a:prstGeom>
+        </p:spPr>
+      </p:pic>
+    </p:spTree>
+    <p:extLst>
+      <p:ext uri="{BB962C8B-B14F-4D97-AF65-F5344CB8AC3E}">
+        <p14:creationId xmlns:p14="http://schemas.microsoft.com/office/powerpoint/2010/main" val="319669288"/>
+      </p:ext>
+    </p:extLst>
+  </p:cSld>
+  <p:clrMapOvr>
+    <a:masterClrMapping/>
+  </p:clrMapOvr>
+</p:sld>
+</file>
+
+<file path=ppt/slides/slide26.xml><?xml version="1.0" encoding="utf-8"?>
+<p:sld xmlns:a="http://schemas.openxmlformats.org/drawingml/2006/main" xmlns:r="http://schemas.openxmlformats.org/officeDocument/2006/relationships" xmlns:p="http://schemas.openxmlformats.org/presentationml/2006/main">
+  <p:cSld>
+    <p:spTree>
+      <p:nvGrpSpPr>
+        <p:cNvPr id="1" name=""/>
+        <p:cNvGrpSpPr/>
+        <p:nvPr/>
+      </p:nvGrpSpPr>
+      <p:grpSpPr>
+        <a:xfrm>
+          <a:off x="0" y="0"/>
+          <a:ext cx="0" cy="0"/>
+          <a:chOff x="0" y="0"/>
+          <a:chExt cx="0" cy="0"/>
+        </a:xfrm>
+      </p:grpSpPr>
+      <p:sp>
+        <p:nvSpPr>
+          <p:cNvPr id="2" name="Title 1"/>
+          <p:cNvSpPr>
+            <a:spLocks noGrp="1"/>
+          </p:cNvSpPr>
+          <p:nvPr>
+            <p:ph type="title"/>
+          </p:nvPr>
+        </p:nvSpPr>
+        <p:spPr/>
+        <p:txBody>
+          <a:bodyPr/>
+          <a:lstStyle/>
+          <a:p>
+            <a:r>
+              <a:rPr lang="en-US" dirty="0"/>
+              <a:t>Collecting the keys in a </a:t>
+            </a:r>
+            <a:r>
+              <a:rPr lang="en-US" dirty="0" err="1"/>
+              <a:t>trie</a:t>
+            </a:r>
+            <a:r>
+              <a:rPr lang="en-US" dirty="0"/>
+              <a:t> (trace)</a:t>
+            </a:r>
+          </a:p>
+        </p:txBody>
+      </p:sp>
+      <p:pic>
+        <p:nvPicPr>
+          <p:cNvPr id="4" name="Picture 3"/>
+          <p:cNvPicPr>
+            <a:picLocks noChangeAspect="1"/>
+          </p:cNvPicPr>
+          <p:nvPr/>
+        </p:nvPicPr>
+        <p:blipFill>
+          <a:blip r:embed="rId2"/>
+          <a:stretch>
+            <a:fillRect/>
+          </a:stretch>
+        </p:blipFill>
+        <p:spPr>
+          <a:xfrm>
+            <a:off x="330200" y="990600"/>
+            <a:ext cx="8459869" cy="5562600"/>
+          </a:xfrm>
+          <a:prstGeom prst="rect">
+            <a:avLst/>
+          </a:prstGeom>
+        </p:spPr>
+      </p:pic>
+    </p:spTree>
+    <p:extLst>
+      <p:ext uri="{BB962C8B-B14F-4D97-AF65-F5344CB8AC3E}">
+        <p14:creationId xmlns:p14="http://schemas.microsoft.com/office/powerpoint/2010/main" val="1446649785"/>
+      </p:ext>
+    </p:extLst>
+  </p:cSld>
+  <p:clrMapOvr>
+    <a:masterClrMapping/>
+  </p:clrMapOvr>
+</p:sld>
+</file>
+
+<file path=ppt/slides/slide27.xml><?xml version="1.0" encoding="utf-8"?>
+<p:sld xmlns:a="http://schemas.openxmlformats.org/drawingml/2006/main" xmlns:r="http://schemas.openxmlformats.org/officeDocument/2006/relationships" xmlns:p="http://schemas.openxmlformats.org/presentationml/2006/main">
+  <p:cSld>
+    <p:spTree>
+      <p:nvGrpSpPr>
+        <p:cNvPr id="1" name=""/>
+        <p:cNvGrpSpPr/>
+        <p:nvPr/>
+      </p:nvGrpSpPr>
+      <p:grpSpPr>
+        <a:xfrm>
+          <a:off x="0" y="0"/>
+          <a:ext cx="0" cy="0"/>
+          <a:chOff x="0" y="0"/>
+          <a:chExt cx="0" cy="0"/>
+        </a:xfrm>
+      </p:grpSpPr>
+      <p:sp>
+        <p:nvSpPr>
+          <p:cNvPr id="2" name="Title 1"/>
+          <p:cNvSpPr>
+            <a:spLocks noGrp="1"/>
+          </p:cNvSpPr>
+          <p:nvPr>
+            <p:ph type="title"/>
+          </p:nvPr>
+        </p:nvSpPr>
+        <p:spPr/>
+        <p:txBody>
+          <a:bodyPr/>
+          <a:lstStyle/>
+          <a:p>
+            <a:r>
+              <a:rPr lang="en-US" dirty="0"/>
+              <a:t>Deletion</a:t>
+            </a:r>
+          </a:p>
+        </p:txBody>
+      </p:sp>
+      <p:sp>
+        <p:nvSpPr>
+          <p:cNvPr id="3" name="Content Placeholder 2"/>
+          <p:cNvSpPr>
+            <a:spLocks noGrp="1"/>
+          </p:cNvSpPr>
+          <p:nvPr>
+            <p:ph idx="1"/>
+          </p:nvPr>
+        </p:nvSpPr>
+        <p:spPr/>
+        <p:txBody>
+          <a:bodyPr>
+            <a:normAutofit fontScale="92500" lnSpcReduction="10000"/>
+          </a:bodyPr>
+          <a:lstStyle/>
+          <a:p>
+            <a:r>
+              <a:rPr lang="en-US" dirty="0"/>
+              <a:t>The first step needed is to use a normal search to find the node and set the corresponding value to null</a:t>
+            </a:r>
+          </a:p>
+          <a:p>
+            <a:r>
+              <a:rPr lang="en-US" dirty="0"/>
+              <a:t>If that node has non-null link to a child, then no more work is required</a:t>
+            </a:r>
+          </a:p>
+          <a:p>
+            <a:r>
+              <a:rPr lang="en-US" dirty="0"/>
+              <a:t>If all the links are null, we need to remove the node from the data structure.</a:t>
+            </a:r>
+          </a:p>
+          <a:p>
+            <a:r>
+              <a:rPr lang="en-US" dirty="0"/>
+              <a:t>If doing so leaves all the links null in its parent, we need to remove that node, and so forth</a:t>
+            </a:r>
+          </a:p>
+          <a:p>
+            <a:r>
+              <a:rPr lang="en-US" dirty="0"/>
+              <a:t>We use recursive setup: after the recursive calls for a node x, we return null if the client value and all of the links in a node are null; otherwise we return x</a:t>
+            </a:r>
+          </a:p>
+          <a:p>
+            <a:endParaRPr lang="en-US" dirty="0"/>
+          </a:p>
+        </p:txBody>
+      </p:sp>
+    </p:spTree>
+    <p:extLst>
+      <p:ext uri="{BB962C8B-B14F-4D97-AF65-F5344CB8AC3E}">
+        <p14:creationId xmlns:p14="http://schemas.microsoft.com/office/powerpoint/2010/main" val="2177501551"/>
+      </p:ext>
+    </p:extLst>
+  </p:cSld>
+  <p:clrMapOvr>
+    <a:masterClrMapping/>
+  </p:clrMapOvr>
+</p:sld>
+</file>
+
+<file path=ppt/slides/slide28.xml><?xml version="1.0" encoding="utf-8"?>
+<p:sld xmlns:a="http://schemas.openxmlformats.org/drawingml/2006/main" xmlns:r="http://schemas.openxmlformats.org/officeDocument/2006/relationships" xmlns:p="http://schemas.openxmlformats.org/presentationml/2006/main">
+  <p:cSld>
+    <p:spTree>
+      <p:nvGrpSpPr>
+        <p:cNvPr id="1" name=""/>
+        <p:cNvGrpSpPr/>
+        <p:nvPr/>
+      </p:nvGrpSpPr>
+      <p:grpSpPr>
+        <a:xfrm>
+          <a:off x="0" y="0"/>
+          <a:ext cx="0" cy="0"/>
+          <a:chOff x="0" y="0"/>
+          <a:chExt cx="0" cy="0"/>
+        </a:xfrm>
+      </p:grpSpPr>
+      <p:sp>
+        <p:nvSpPr>
+          <p:cNvPr id="2" name="Title 1"/>
+          <p:cNvSpPr>
+            <a:spLocks noGrp="1"/>
+          </p:cNvSpPr>
+          <p:nvPr>
+            <p:ph type="title"/>
+          </p:nvPr>
+        </p:nvSpPr>
+        <p:spPr/>
+        <p:txBody>
+          <a:bodyPr/>
+          <a:lstStyle/>
+          <a:p>
+            <a:r>
+              <a:rPr lang="en-US" dirty="0"/>
+              <a:t>Delete</a:t>
+            </a:r>
+          </a:p>
+        </p:txBody>
+      </p:sp>
+      <p:pic>
+        <p:nvPicPr>
+          <p:cNvPr id="4" name="Picture 3"/>
+          <p:cNvPicPr>
+            <a:picLocks noChangeAspect="1"/>
+          </p:cNvPicPr>
+          <p:nvPr/>
+        </p:nvPicPr>
+        <p:blipFill>
+          <a:blip r:embed="rId2"/>
+          <a:stretch>
+            <a:fillRect/>
+          </a:stretch>
+        </p:blipFill>
+        <p:spPr>
+          <a:xfrm>
+            <a:off x="0" y="990600"/>
+            <a:ext cx="9144000" cy="5615808"/>
+          </a:xfrm>
+          <a:prstGeom prst="rect">
+            <a:avLst/>
+          </a:prstGeom>
+        </p:spPr>
+      </p:pic>
+    </p:spTree>
+    <p:extLst>
+      <p:ext uri="{BB962C8B-B14F-4D97-AF65-F5344CB8AC3E}">
+        <p14:creationId xmlns:p14="http://schemas.microsoft.com/office/powerpoint/2010/main" val="1212868850"/>
+      </p:ext>
+    </p:extLst>
+  </p:cSld>
+  <p:clrMapOvr>
+    <a:masterClrMapping/>
+  </p:clrMapOvr>
+</p:sld>
+</file>
+
+<file path=ppt/slides/slide29.xml><?xml version="1.0" encoding="utf-8"?>
+<p:sld xmlns:a="http://schemas.openxmlformats.org/drawingml/2006/main" xmlns:r="http://schemas.openxmlformats.org/officeDocument/2006/relationships" xmlns:p="http://schemas.openxmlformats.org/presentationml/2006/main">
+  <p:cSld>
+    <p:spTree>
+      <p:nvGrpSpPr>
+        <p:cNvPr id="1" name=""/>
+        <p:cNvGrpSpPr/>
+        <p:nvPr/>
+      </p:nvGrpSpPr>
+      <p:grpSpPr>
+        <a:xfrm>
+          <a:off x="0" y="0"/>
+          <a:ext cx="0" cy="0"/>
+          <a:chOff x="0" y="0"/>
+          <a:chExt cx="0" cy="0"/>
+        </a:xfrm>
+      </p:grpSpPr>
+      <p:sp>
+        <p:nvSpPr>
+          <p:cNvPr id="6" name="Rectangle 5"/>
+          <p:cNvSpPr/>
+          <p:nvPr/>
+        </p:nvSpPr>
+        <p:spPr>
+          <a:xfrm rot="19831809">
+            <a:off x="873533" y="2665779"/>
+            <a:ext cx="7263527" cy="1754326"/>
+          </a:xfrm>
+          <a:prstGeom prst="rect">
+            <a:avLst/>
+          </a:prstGeom>
+          <a:noFill/>
+        </p:spPr>
+        <p:txBody>
+          <a:bodyPr wrap="none" lIns="91440" tIns="45720" rIns="91440" bIns="45720">
+            <a:spAutoFit/>
+          </a:bodyPr>
+          <a:lstStyle/>
+          <a:p>
+            <a:pPr algn="ctr"/>
+            <a:r>
+              <a:rPr lang="en-US" sz="5400" b="1" cap="none" spc="0" dirty="0">
+                <a:ln w="9525">
+                  <a:solidFill>
+                    <a:schemeClr val="bg1"/>
+                  </a:solidFill>
+                  <a:prstDash val="solid"/>
+                </a:ln>
+                <a:solidFill>
+                  <a:schemeClr val="accent5"/>
+                </a:solidFill>
+                <a:effectLst>
+                  <a:outerShdw blurRad="12700" dist="38100" dir="2700000" algn="tl" rotWithShape="0">
+                    <a:schemeClr val="accent5">
+                      <a:lumMod val="60000"/>
+                      <a:lumOff val="40000"/>
+                    </a:schemeClr>
+                  </a:outerShdw>
+                </a:effectLst>
+              </a:rPr>
+              <a:t>String list sorting</a:t>
+            </a:r>
+          </a:p>
+          <a:p>
+            <a:pPr algn="ctr"/>
+            <a:r>
+              <a:rPr lang="en-US" sz="5400" b="1" dirty="0">
+                <a:ln w="9525">
+                  <a:solidFill>
+                    <a:schemeClr val="bg1"/>
+                  </a:solidFill>
+                  <a:prstDash val="solid"/>
+                </a:ln>
+                <a:solidFill>
+                  <a:schemeClr val="accent5"/>
+                </a:solidFill>
+                <a:effectLst>
+                  <a:outerShdw blurRad="12700" dist="38100" dir="2700000" algn="tl" rotWithShape="0">
+                    <a:schemeClr val="accent5">
+                      <a:lumMod val="60000"/>
+                      <a:lumOff val="40000"/>
+                    </a:schemeClr>
+                  </a:outerShdw>
+                </a:effectLst>
+              </a:rPr>
+              <a:t>LSD, MSD, key-index</a:t>
+            </a:r>
+            <a:endParaRPr lang="en-US" sz="5400" b="1" cap="none" spc="0" dirty="0">
+              <a:ln w="9525">
+                <a:solidFill>
+                  <a:schemeClr val="bg1"/>
+                </a:solidFill>
+                <a:prstDash val="solid"/>
+              </a:ln>
+              <a:solidFill>
+                <a:schemeClr val="accent5"/>
+              </a:solidFill>
+              <a:effectLst>
+                <a:outerShdw blurRad="12700" dist="38100" dir="2700000" algn="tl" rotWithShape="0">
+                  <a:schemeClr val="accent5">
+                    <a:lumMod val="60000"/>
+                    <a:lumOff val="40000"/>
+                  </a:schemeClr>
+                </a:outerShdw>
+              </a:effectLst>
+            </a:endParaRPr>
+          </a:p>
+        </p:txBody>
+      </p:sp>
+    </p:spTree>
+    <p:extLst>
+      <p:ext uri="{BB962C8B-B14F-4D97-AF65-F5344CB8AC3E}">
+        <p14:creationId xmlns:p14="http://schemas.microsoft.com/office/powerpoint/2010/main" val="855004464"/>
+      </p:ext>
+    </p:extLst>
+  </p:cSld>
+  <p:clrMapOvr>
+    <a:masterClrMapping/>
+  </p:clrMapOvr>
+</p:sld>
+</file>
+
+<file path=ppt/slides/slide3.xml><?xml version="1.0" encoding="utf-8"?>
+<p:sld xmlns:a="http://schemas.openxmlformats.org/drawingml/2006/main" xmlns:r="http://schemas.openxmlformats.org/officeDocument/2006/relationships" xmlns:p="http://schemas.openxmlformats.org/presentationml/2006/main">
+  <p:cSld>
+    <p:spTree>
+      <p:nvGrpSpPr>
+        <p:cNvPr id="1" name=""/>
+        <p:cNvGrpSpPr/>
+        <p:nvPr/>
+      </p:nvGrpSpPr>
+      <p:grpSpPr>
+        <a:xfrm>
+          <a:off x="0" y="0"/>
+          <a:ext cx="0" cy="0"/>
+          <a:chOff x="0" y="0"/>
+          <a:chExt cx="0" cy="0"/>
+        </a:xfrm>
+      </p:grpSpPr>
+      <p:sp>
+        <p:nvSpPr>
+          <p:cNvPr id="2" name="Title 1"/>
+          <p:cNvSpPr>
+            <a:spLocks noGrp="1"/>
+          </p:cNvSpPr>
+          <p:nvPr>
+            <p:ph type="title"/>
+          </p:nvPr>
+        </p:nvSpPr>
+        <p:spPr/>
+        <p:txBody>
+          <a:bodyPr/>
+          <a:lstStyle/>
+          <a:p>
+            <a:r>
+              <a:rPr lang="en-US" dirty="0"/>
+              <a:t>Concepts overview</a:t>
+            </a:r>
+          </a:p>
+        </p:txBody>
+      </p:sp>
+      <p:sp>
+        <p:nvSpPr>
+          <p:cNvPr id="3" name="Content Placeholder 2"/>
+          <p:cNvSpPr>
+            <a:spLocks noGrp="1"/>
+          </p:cNvSpPr>
+          <p:nvPr>
+            <p:ph idx="1"/>
+          </p:nvPr>
+        </p:nvSpPr>
+        <p:spPr/>
+        <p:txBody>
+          <a:bodyPr>
+            <a:normAutofit fontScale="92500" lnSpcReduction="20000"/>
+          </a:bodyPr>
+          <a:lstStyle/>
+          <a:p>
+            <a:r>
+              <a:rPr lang="en-US" dirty="0"/>
+              <a:t>Characters</a:t>
+            </a:r>
+          </a:p>
+          <a:p>
+            <a:pPr lvl="1"/>
+            <a:r>
+              <a:rPr lang="en-US" dirty="0"/>
+              <a:t>A String is a sequence of characters</a:t>
+            </a:r>
+          </a:p>
+          <a:p>
+            <a:pPr lvl="1"/>
+            <a:r>
+              <a:rPr lang="en-US" dirty="0"/>
+              <a:t>Characters are of type char and can have one of maximum 2</a:t>
+            </a:r>
+            <a:r>
+              <a:rPr lang="en-US" baseline="30000" dirty="0"/>
+              <a:t>16</a:t>
+            </a:r>
+            <a:r>
+              <a:rPr lang="en-US" dirty="0"/>
+              <a:t> possible values (may be 7-bit ASCII, 8-bit extended ASCII or 16-bit Unicode)</a:t>
+            </a:r>
+          </a:p>
+          <a:p>
+            <a:r>
+              <a:rPr lang="en-US" dirty="0"/>
+              <a:t>Immutability</a:t>
+            </a:r>
+          </a:p>
+          <a:p>
+            <a:pPr lvl="1"/>
+            <a:r>
+              <a:rPr lang="en-US" dirty="0"/>
+              <a:t>String objects are immutable </a:t>
+            </a:r>
+          </a:p>
+          <a:p>
+            <a:pPr lvl="1"/>
+            <a:r>
+              <a:rPr lang="en-US" dirty="0"/>
+              <a:t>It means they can be used in assignment statements, return values from methods and their values will not change</a:t>
+            </a:r>
+          </a:p>
+          <a:p>
+            <a:r>
+              <a:rPr lang="en-US" dirty="0"/>
+              <a:t>Indexing</a:t>
+            </a:r>
+          </a:p>
+          <a:p>
+            <a:pPr lvl="1"/>
+            <a:r>
+              <a:rPr lang="en-US" dirty="0"/>
+              <a:t>Can be used to extract specified character from a string</a:t>
+            </a:r>
+          </a:p>
+          <a:p>
+            <a:pPr lvl="1"/>
+            <a:r>
+              <a:rPr lang="en-US" dirty="0" err="1"/>
+              <a:t>charAt</a:t>
+            </a:r>
+            <a:r>
+              <a:rPr lang="en-US" dirty="0"/>
+              <a:t>() method is Java’s String method used for this</a:t>
+            </a:r>
+          </a:p>
+          <a:p>
+            <a:pPr lvl="1"/>
+            <a:endParaRPr lang="en-US" dirty="0"/>
+          </a:p>
+        </p:txBody>
+      </p:sp>
+    </p:spTree>
+    <p:extLst>
+      <p:ext uri="{BB962C8B-B14F-4D97-AF65-F5344CB8AC3E}">
+        <p14:creationId xmlns:p14="http://schemas.microsoft.com/office/powerpoint/2010/main" val="4115632178"/>
+      </p:ext>
+    </p:extLst>
+  </p:cSld>
+  <p:clrMapOvr>
+    <a:masterClrMapping/>
+  </p:clrMapOvr>
+</p:sld>
+</file>
+
+<file path=ppt/slides/slide30.xml><?xml version="1.0" encoding="utf-8"?>
+<p:sld xmlns:a="http://schemas.openxmlformats.org/drawingml/2006/main" xmlns:r="http://schemas.openxmlformats.org/officeDocument/2006/relationships" xmlns:p="http://schemas.openxmlformats.org/presentationml/2006/main">
+  <p:cSld>
+    <p:spTree>
+      <p:nvGrpSpPr>
+        <p:cNvPr id="1" name=""/>
+        <p:cNvGrpSpPr/>
+        <p:nvPr/>
+      </p:nvGrpSpPr>
+      <p:grpSpPr>
+        <a:xfrm>
+          <a:off x="0" y="0"/>
+          <a:ext cx="0" cy="0"/>
+          <a:chOff x="0" y="0"/>
+          <a:chExt cx="0" cy="0"/>
+        </a:xfrm>
+      </p:grpSpPr>
+      <p:sp>
+        <p:nvSpPr>
+          <p:cNvPr id="2" name="Title 1"/>
+          <p:cNvSpPr>
+            <a:spLocks noGrp="1"/>
+          </p:cNvSpPr>
+          <p:nvPr>
+            <p:ph type="title"/>
+          </p:nvPr>
+        </p:nvSpPr>
+        <p:spPr/>
+        <p:txBody>
+          <a:bodyPr/>
+          <a:lstStyle/>
+          <a:p>
+            <a:r>
+              <a:rPr lang="en-US" dirty="0"/>
+              <a:t>String sorts – two main approaches</a:t>
+            </a:r>
+          </a:p>
+        </p:txBody>
+      </p:sp>
+      <p:sp>
+        <p:nvSpPr>
+          <p:cNvPr id="3" name="Content Placeholder 2"/>
+          <p:cNvSpPr>
+            <a:spLocks noGrp="1"/>
+          </p:cNvSpPr>
+          <p:nvPr>
+            <p:ph idx="1"/>
+          </p:nvPr>
+        </p:nvSpPr>
+        <p:spPr/>
+        <p:txBody>
+          <a:bodyPr>
+            <a:normAutofit fontScale="92500"/>
+          </a:bodyPr>
+          <a:lstStyle/>
+          <a:p>
+            <a:r>
+              <a:rPr lang="en-US" dirty="0"/>
+              <a:t>First, examine characters in the keys in right-to-left order</a:t>
+            </a:r>
+          </a:p>
+          <a:p>
+            <a:pPr lvl="1"/>
+            <a:r>
+              <a:rPr lang="en-US" dirty="0"/>
+              <a:t>Least-significant-digit (LSD) string sorts</a:t>
+            </a:r>
+          </a:p>
+          <a:p>
+            <a:pPr lvl="1"/>
+            <a:r>
+              <a:rPr lang="en-US" dirty="0"/>
+              <a:t>Thinking of a string as a base-256 number, considering characters from right to left, the least significant digits first</a:t>
+            </a:r>
+          </a:p>
+          <a:p>
+            <a:pPr lvl="1"/>
+            <a:r>
+              <a:rPr lang="en-US" dirty="0"/>
+              <a:t>This method is used when all keys are of the same length</a:t>
+            </a:r>
+          </a:p>
+          <a:p>
+            <a:r>
+              <a:rPr lang="en-US" dirty="0"/>
+              <a:t>Second, examines the characters in the keys in a left-to-right order</a:t>
+            </a:r>
+          </a:p>
+          <a:p>
+            <a:pPr lvl="1"/>
+            <a:r>
+              <a:rPr lang="en-US" dirty="0"/>
+              <a:t>Most-significant-digit first (MSD)</a:t>
+            </a:r>
+          </a:p>
+          <a:p>
+            <a:pPr lvl="1"/>
+            <a:r>
+              <a:rPr lang="en-US" dirty="0"/>
+              <a:t>We can get the sorts done without having to check all of the input characters</a:t>
+            </a:r>
+          </a:p>
+        </p:txBody>
+      </p:sp>
+    </p:spTree>
+    <p:extLst>
+      <p:ext uri="{BB962C8B-B14F-4D97-AF65-F5344CB8AC3E}">
+        <p14:creationId xmlns:p14="http://schemas.microsoft.com/office/powerpoint/2010/main" val="561129507"/>
+      </p:ext>
+    </p:extLst>
+  </p:cSld>
+  <p:clrMapOvr>
+    <a:masterClrMapping/>
+  </p:clrMapOvr>
+</p:sld>
+</file>
+
+<file path=ppt/slides/slide31.xml><?xml version="1.0" encoding="utf-8"?>
+<p:sld xmlns:a="http://schemas.openxmlformats.org/drawingml/2006/main" xmlns:r="http://schemas.openxmlformats.org/officeDocument/2006/relationships" xmlns:p="http://schemas.openxmlformats.org/presentationml/2006/main">
+  <p:cSld>
+    <p:spTree>
+      <p:nvGrpSpPr>
+        <p:cNvPr id="1" name=""/>
+        <p:cNvGrpSpPr/>
+        <p:nvPr/>
+      </p:nvGrpSpPr>
+      <p:grpSpPr>
+        <a:xfrm>
+          <a:off x="0" y="0"/>
+          <a:ext cx="0" cy="0"/>
+          <a:chOff x="0" y="0"/>
+          <a:chExt cx="0" cy="0"/>
+        </a:xfrm>
+      </p:grpSpPr>
+      <p:sp>
+        <p:nvSpPr>
+          <p:cNvPr id="2" name="Title 1"/>
+          <p:cNvSpPr>
+            <a:spLocks noGrp="1"/>
+          </p:cNvSpPr>
+          <p:nvPr>
+            <p:ph type="title"/>
+          </p:nvPr>
+        </p:nvSpPr>
+        <p:spPr/>
+        <p:txBody>
+          <a:bodyPr/>
+          <a:lstStyle/>
+          <a:p>
+            <a:r>
+              <a:rPr lang="en-US" dirty="0"/>
+              <a:t>Key-indexed counting</a:t>
+            </a:r>
+          </a:p>
+        </p:txBody>
+      </p:sp>
+      <p:sp>
+        <p:nvSpPr>
+          <p:cNvPr id="3" name="Content Placeholder 2"/>
+          <p:cNvSpPr>
+            <a:spLocks noGrp="1"/>
+          </p:cNvSpPr>
+          <p:nvPr>
+            <p:ph idx="1"/>
+          </p:nvPr>
+        </p:nvSpPr>
+        <p:spPr>
+          <a:xfrm>
+            <a:off x="76200" y="1066800"/>
+            <a:ext cx="5867400" cy="5181600"/>
+          </a:xfrm>
+        </p:spPr>
+        <p:txBody>
+          <a:bodyPr>
+            <a:normAutofit fontScale="85000" lnSpcReduction="20000"/>
+          </a:bodyPr>
+          <a:lstStyle/>
+          <a:p>
+            <a:r>
+              <a:rPr lang="en-US" dirty="0"/>
+              <a:t>Simple method for sorting, effective whenever the keys are small integers</a:t>
+            </a:r>
+          </a:p>
+          <a:p>
+            <a:r>
+              <a:rPr lang="en-US" dirty="0"/>
+              <a:t>It is basis for two of the string sorts that we will study</a:t>
+            </a:r>
+          </a:p>
+          <a:p>
+            <a:r>
+              <a:rPr lang="en-US" dirty="0"/>
+              <a:t>Scenario</a:t>
+            </a:r>
+          </a:p>
+          <a:p>
+            <a:pPr lvl="1"/>
+            <a:r>
+              <a:rPr lang="en-US" dirty="0"/>
+              <a:t>Maintaining grades for a class with students assigned to sections (1, 2, 3, …)</a:t>
+            </a:r>
+          </a:p>
+          <a:p>
+            <a:pPr lvl="1"/>
+            <a:r>
+              <a:rPr lang="en-US" dirty="0"/>
+              <a:t>List class by section</a:t>
+            </a:r>
+          </a:p>
+          <a:p>
+            <a:pPr lvl="1"/>
+            <a:r>
+              <a:rPr lang="en-US" dirty="0"/>
+              <a:t>Assume data is kept in array a[] of items </a:t>
+            </a:r>
+          </a:p>
+          <a:p>
+            <a:pPr lvl="1"/>
+            <a:r>
+              <a:rPr lang="en-US" dirty="0"/>
+              <a:t>Each item contains name, section number</a:t>
+            </a:r>
+          </a:p>
+          <a:p>
+            <a:pPr lvl="1"/>
+            <a:r>
+              <a:rPr lang="en-US" dirty="0"/>
+              <a:t>Code a[</a:t>
+            </a:r>
+            <a:r>
+              <a:rPr lang="en-US" dirty="0" err="1"/>
+              <a:t>i</a:t>
+            </a:r>
+            <a:r>
+              <a:rPr lang="en-US" dirty="0"/>
+              <a:t>].key() returns the section number</a:t>
+            </a:r>
+          </a:p>
+        </p:txBody>
+      </p:sp>
+      <p:pic>
+        <p:nvPicPr>
+          <p:cNvPr id="4" name="Picture 3"/>
+          <p:cNvPicPr>
+            <a:picLocks noChangeAspect="1"/>
+          </p:cNvPicPr>
+          <p:nvPr/>
+        </p:nvPicPr>
+        <p:blipFill>
+          <a:blip r:embed="rId2"/>
+          <a:stretch>
+            <a:fillRect/>
+          </a:stretch>
+        </p:blipFill>
+        <p:spPr>
+          <a:xfrm>
+            <a:off x="5943600" y="546100"/>
+            <a:ext cx="3111500" cy="5765800"/>
+          </a:xfrm>
+          <a:prstGeom prst="rect">
+            <a:avLst/>
+          </a:prstGeom>
+        </p:spPr>
+      </p:pic>
+    </p:spTree>
+    <p:extLst>
+      <p:ext uri="{BB962C8B-B14F-4D97-AF65-F5344CB8AC3E}">
+        <p14:creationId xmlns:p14="http://schemas.microsoft.com/office/powerpoint/2010/main" val="2584365042"/>
+      </p:ext>
+    </p:extLst>
+  </p:cSld>
+  <p:clrMapOvr>
+    <a:masterClrMapping/>
+  </p:clrMapOvr>
+</p:sld>
+</file>
+
+<file path=ppt/slides/slide32.xml><?xml version="1.0" encoding="utf-8"?>
+<p:sld xmlns:a="http://schemas.openxmlformats.org/drawingml/2006/main" xmlns:r="http://schemas.openxmlformats.org/officeDocument/2006/relationships" xmlns:p="http://schemas.openxmlformats.org/presentationml/2006/main">
+  <p:cSld>
+    <p:spTree>
+      <p:nvGrpSpPr>
+        <p:cNvPr id="1" name=""/>
+        <p:cNvGrpSpPr/>
+        <p:nvPr/>
+      </p:nvGrpSpPr>
+      <p:grpSpPr>
+        <a:xfrm>
+          <a:off x="0" y="0"/>
+          <a:ext cx="0" cy="0"/>
+          <a:chOff x="0" y="0"/>
+          <a:chExt cx="0" cy="0"/>
+        </a:xfrm>
+      </p:grpSpPr>
+      <p:sp>
+        <p:nvSpPr>
+          <p:cNvPr id="2" name="Title 1"/>
+          <p:cNvSpPr>
+            <a:spLocks noGrp="1"/>
+          </p:cNvSpPr>
+          <p:nvPr>
+            <p:ph type="title"/>
+          </p:nvPr>
+        </p:nvSpPr>
         <p:spPr>
           <a:xfrm>
             <a:off x="76200" y="76200"/>
@@ -4108,10 +7085,9 @@
           <a:lstStyle/>
           <a:p>
             <a:r>
-              <a:rPr lang="en-US" dirty="0" smtClean="0"/>
+              <a:rPr lang="en-US" dirty="0"/>
               <a:t>Key-indexed counting steps</a:t>
             </a:r>
-            <a:endParaRPr lang="en-US" dirty="0"/>
           </a:p>
         </p:txBody>
       </p:sp>
@@ -4139,42 +7115,42 @@
               <a:buNone/>
             </a:pPr>
             <a:r>
-              <a:rPr lang="en-US" dirty="0" smtClean="0"/>
+              <a:rPr lang="en-US" dirty="0"/>
               <a:t>1. Compute frequency counts</a:t>
             </a:r>
           </a:p>
           <a:p>
             <a:pPr lvl="1"/>
             <a:r>
-              <a:rPr lang="en-US" dirty="0" smtClean="0"/>
+              <a:rPr lang="en-US" dirty="0"/>
               <a:t>Count frequency each key value using an </a:t>
             </a:r>
             <a:r>
-              <a:rPr lang="en-US" dirty="0" err="1" smtClean="0"/>
+              <a:rPr lang="en-US" dirty="0" err="1"/>
               <a:t>int</a:t>
             </a:r>
             <a:r>
-              <a:rPr lang="en-US" dirty="0" smtClean="0"/>
+              <a:rPr lang="en-US" dirty="0"/>
               <a:t> array count[]</a:t>
             </a:r>
           </a:p>
           <a:p>
             <a:pPr lvl="1"/>
             <a:r>
-              <a:rPr lang="en-US" dirty="0" smtClean="0"/>
+              <a:rPr lang="en-US" dirty="0"/>
               <a:t>For reach item, we use the key to access an entry in count[] and increment that entry</a:t>
             </a:r>
           </a:p>
           <a:p>
             <a:pPr lvl="1"/>
             <a:r>
-              <a:rPr lang="en-US" dirty="0" smtClean="0"/>
+              <a:rPr lang="en-US" dirty="0"/>
               <a:t>If the key value is r, we increment count[r+1] (why +1 is explained in the next step)</a:t>
             </a:r>
           </a:p>
           <a:p>
             <a:pPr lvl="1"/>
-            <a:endParaRPr lang="en-US" dirty="0" smtClean="0"/>
+            <a:endParaRPr lang="en-US" dirty="0"/>
           </a:p>
         </p:txBody>
       </p:sp>
@@ -4215,7 +7191,7 @@
 </p:sld>
 </file>
 
-<file path=ppt/slides/slide11.xml><?xml version="1.0" encoding="utf-8"?>
+<file path=ppt/slides/slide33.xml><?xml version="1.0" encoding="utf-8"?>
 <p:sld xmlns:a="http://schemas.openxmlformats.org/drawingml/2006/main" xmlns:r="http://schemas.openxmlformats.org/officeDocument/2006/relationships" xmlns:p="http://schemas.openxmlformats.org/presentationml/2006/main">
   <p:cSld>
     <p:spTree>
@@ -4255,10 +7231,9 @@
           <a:lstStyle/>
           <a:p>
             <a:r>
-              <a:rPr lang="en-US" dirty="0" smtClean="0"/>
+              <a:rPr lang="en-US" dirty="0"/>
               <a:t>Key-indexed counting steps</a:t>
             </a:r>
-            <a:endParaRPr lang="en-US" dirty="0"/>
           </a:p>
         </p:txBody>
       </p:sp>
@@ -4288,79 +7263,45 @@
               <a:buNone/>
             </a:pPr>
             <a:r>
-              <a:rPr lang="en-US" dirty="0" smtClean="0"/>
+              <a:rPr lang="en-US" dirty="0"/>
               <a:t>2. Transform counts to indices</a:t>
             </a:r>
           </a:p>
           <a:p>
             <a:pPr lvl="1"/>
             <a:r>
-              <a:rPr lang="en-US" dirty="0" smtClean="0"/>
+              <a:rPr lang="en-US" dirty="0"/>
               <a:t>For each key value, compute the starting index positions in the sorted order of items with that key</a:t>
             </a:r>
           </a:p>
           <a:p>
             <a:pPr lvl="1"/>
             <a:r>
-              <a:rPr lang="en-US" dirty="0" smtClean="0"/>
-              <a:t>E.g., three items with key 1 </a:t>
-            </a:r>
-            <a:r>
-              <a:rPr lang="en-US" dirty="0" smtClean="0"/>
-              <a:t>and five </a:t>
-            </a:r>
-            <a:r>
-              <a:rPr lang="en-US" dirty="0" smtClean="0"/>
-              <a:t>items with key 2, then the items with key 3 start at position 8 in the sorted array</a:t>
+              <a:rPr lang="en-US" dirty="0"/>
+              <a:t>E.g., three items with key 1 and five items with key 2, then the items with key 3 start at position 8 in the sorted array</a:t>
             </a:r>
           </a:p>
           <a:p>
             <a:pPr lvl="1"/>
             <a:r>
-              <a:rPr lang="en-US" dirty="0" smtClean="0"/>
-              <a:t>To get starting index for items with any given key value we sum the frequency counts of smaller </a:t>
-            </a:r>
-            <a:r>
-              <a:rPr lang="en-US" dirty="0" smtClean="0"/>
-              <a:t>values (including itself) . </a:t>
-            </a:r>
-            <a:r>
-              <a:rPr lang="en-US" dirty="0" smtClean="0">
+              <a:rPr lang="en-US" dirty="0"/>
+              <a:t>To get starting index for items with any given key value we sum the frequency counts of smaller values (including itself) . </a:t>
+            </a:r>
+            <a:r>
+              <a:rPr lang="en-US" dirty="0">
                 <a:solidFill>
                   <a:srgbClr val="FF0000"/>
                 </a:solidFill>
               </a:rPr>
-              <a:t>This is th</a:t>
-            </a:r>
-            <a:r>
-              <a:rPr lang="en-US" dirty="0" smtClean="0">
-                <a:solidFill>
-                  <a:srgbClr val="FF0000"/>
-                </a:solidFill>
-              </a:rPr>
-              <a:t>e reason in step 1 we increment count[r+1] for each value r found</a:t>
-            </a:r>
-            <a:endParaRPr lang="en-US" dirty="0" smtClean="0">
-              <a:solidFill>
-                <a:srgbClr val="FF0000"/>
-              </a:solidFill>
-            </a:endParaRPr>
+              <a:t>This is the reason in step 1 we increment count[r+1] for each value r found</a:t>
+            </a:r>
           </a:p>
           <a:p>
             <a:pPr lvl="1"/>
             <a:r>
-              <a:rPr lang="en-US" dirty="0" smtClean="0"/>
-              <a:t>For </a:t>
-            </a:r>
-            <a:r>
-              <a:rPr lang="en-US" dirty="0" smtClean="0"/>
-              <a:t>each key value r, the sum of the counts for key values less than r+1 is </a:t>
-            </a:r>
-            <a:r>
-              <a:rPr lang="en-US" dirty="0" smtClean="0"/>
-              <a:t>the start index of items with key r</a:t>
-            </a:r>
-            <a:endParaRPr lang="en-US" dirty="0" smtClean="0"/>
+              <a:rPr lang="en-US" dirty="0"/>
+              <a:t>For each key value r, the sum of the counts for key values less than r+1 is the start index of items with key r</a:t>
+            </a:r>
           </a:p>
         </p:txBody>
       </p:sp>
@@ -4388,6 +7329,57 @@
           </a:prstGeom>
         </p:spPr>
       </p:pic>
+      <p:sp>
+        <p:nvSpPr>
+          <p:cNvPr id="4" name="Speech Bubble: Rectangle with Corners Rounded 3"/>
+          <p:cNvSpPr/>
+          <p:nvPr/>
+        </p:nvSpPr>
+        <p:spPr>
+          <a:xfrm>
+            <a:off x="5791200" y="5075238"/>
+            <a:ext cx="2743200" cy="1295400"/>
+          </a:xfrm>
+          <a:prstGeom prst="wedgeRoundRectCallout">
+            <a:avLst/>
+          </a:prstGeom>
+        </p:spPr>
+        <p:style>
+          <a:lnRef idx="2">
+            <a:schemeClr val="accent1">
+              <a:shade val="50000"/>
+            </a:schemeClr>
+          </a:lnRef>
+          <a:fillRef idx="1">
+            <a:schemeClr val="accent1"/>
+          </a:fillRef>
+          <a:effectRef idx="0">
+            <a:schemeClr val="accent1"/>
+          </a:effectRef>
+          <a:fontRef idx="minor">
+            <a:schemeClr val="lt1"/>
+          </a:fontRef>
+        </p:style>
+        <p:txBody>
+          <a:bodyPr rtlCol="0" anchor="ctr"/>
+          <a:lstStyle/>
+          <a:p>
+            <a:pPr algn="ctr"/>
+            <a:r>
+              <a:rPr lang="en-US" dirty="0"/>
+              <a:t>Keeping the [A, B] </a:t>
+            </a:r>
+            <a:r>
+              <a:rPr lang="en-US" dirty="0" err="1"/>
+              <a:t>inteverals</a:t>
+            </a:r>
+            <a:r>
+              <a:rPr lang="en-US" dirty="0"/>
+              <a:t> for each index</a:t>
+            </a:r>
+          </a:p>
+        </p:txBody>
+      </p:sp>
     </p:spTree>
     <p:extLst>
       <p:ext uri="{BB962C8B-B14F-4D97-AF65-F5344CB8AC3E}">
@@ -4401,7 +7393,7 @@
 </p:sld>
 </file>
 
-<file path=ppt/slides/slide12.xml><?xml version="1.0" encoding="utf-8"?>
+<file path=ppt/slides/slide34.xml><?xml version="1.0" encoding="utf-8"?>
 <p:sld xmlns:a="http://schemas.openxmlformats.org/drawingml/2006/main" xmlns:r="http://schemas.openxmlformats.org/officeDocument/2006/relationships" xmlns:p="http://schemas.openxmlformats.org/presentationml/2006/main">
   <p:cSld>
     <p:spTree>
@@ -4428,115 +7420,72 @@
             <p:ph type="title"/>
           </p:nvPr>
         </p:nvSpPr>
-        <p:spPr>
-          <a:xfrm>
-            <a:off x="76200" y="76200"/>
-            <a:ext cx="6172200" cy="868362"/>
-          </a:xfrm>
-        </p:spPr>
-        <p:txBody>
-          <a:bodyPr>
-            <a:normAutofit fontScale="90000"/>
-          </a:bodyPr>
+        <p:spPr/>
+        <p:txBody>
+          <a:bodyPr/>
           <a:lstStyle/>
           <a:p>
             <a:r>
-              <a:rPr lang="en-US" dirty="0" smtClean="0"/>
-              <a:t>Key-indexed counting steps</a:t>
-            </a:r>
+              <a:rPr lang="en-US" dirty="0"/>
+              <a:t>Henry: we can have the start/stop</a:t>
+            </a:r>
+          </a:p>
+        </p:txBody>
+      </p:sp>
+      <p:sp>
+        <p:nvSpPr>
+          <p:cNvPr id="3" name="Content Placeholder 2"/>
+          <p:cNvSpPr>
+            <a:spLocks noGrp="1"/>
+          </p:cNvSpPr>
+          <p:nvPr>
+            <p:ph idx="1"/>
+          </p:nvPr>
+        </p:nvSpPr>
+        <p:spPr/>
+        <p:txBody>
+          <a:bodyPr/>
+          <a:lstStyle/>
+          <a:p>
+            <a:r>
+              <a:rPr lang="en-US" dirty="0"/>
+              <a:t>C[j] = the count of key j</a:t>
+            </a:r>
+          </a:p>
+          <a:p>
+            <a:r>
+              <a:rPr lang="en-US" dirty="0"/>
+              <a:t>S[j] = the starting point of key j</a:t>
+            </a:r>
+          </a:p>
+          <a:p>
+            <a:pPr lvl="1"/>
+            <a:r>
+              <a:rPr lang="en-US" dirty="0"/>
+              <a:t>We can compute S[j] = (j==0 ? 0 : S[j-1] + C[j])</a:t>
+            </a:r>
+          </a:p>
+          <a:p>
+            <a:r>
+              <a:rPr lang="en-US" dirty="0"/>
+              <a:t>We use C[j] and S[j] to transform</a:t>
+            </a:r>
+          </a:p>
+          <a:p>
+            <a:r>
+              <a:rPr lang="en-US" dirty="0"/>
+              <a:t>We wants to say that: the key j having C[j] items and occupying the space from S[j] to S[j]+C[j] inside the array</a:t>
+            </a:r>
+          </a:p>
+          <a:p>
             <a:endParaRPr lang="en-US" dirty="0"/>
-          </a:p>
-        </p:txBody>
-      </p:sp>
-      <p:sp>
-        <p:nvSpPr>
-          <p:cNvPr id="3" name="Content Placeholder 2"/>
-          <p:cNvSpPr>
-            <a:spLocks noGrp="1"/>
-          </p:cNvSpPr>
-          <p:nvPr>
-            <p:ph idx="1"/>
-          </p:nvPr>
-        </p:nvSpPr>
-        <p:spPr>
-          <a:xfrm>
-            <a:off x="76200" y="1066800"/>
-            <a:ext cx="8915400" cy="5562600"/>
-          </a:xfrm>
-        </p:spPr>
-        <p:txBody>
-          <a:bodyPr>
-            <a:normAutofit fontScale="92500" lnSpcReduction="10000"/>
-          </a:bodyPr>
-          <a:lstStyle/>
-          <a:p>
-            <a:pPr marL="0" indent="0">
-              <a:buNone/>
-            </a:pPr>
-            <a:r>
-              <a:rPr lang="en-US" dirty="0" smtClean="0"/>
-              <a:t>3. Distribute the data</a:t>
-            </a:r>
-          </a:p>
-          <a:p>
-            <a:pPr lvl="1"/>
-            <a:r>
-              <a:rPr lang="en-US" dirty="0" smtClean="0"/>
-              <a:t>Move the items to an auxiliary array aux[]</a:t>
-            </a:r>
-          </a:p>
-          <a:p>
-            <a:pPr lvl="1"/>
-            <a:r>
-              <a:rPr lang="en-US" dirty="0" smtClean="0"/>
-              <a:t>We move each item to the position in aux[] indicated by the count[] entry corresponding to its </a:t>
-            </a:r>
-            <a:r>
-              <a:rPr lang="en-US" dirty="0" smtClean="0"/>
-              <a:t>key from step 2</a:t>
-            </a:r>
-            <a:endParaRPr lang="en-US" dirty="0" smtClean="0"/>
-          </a:p>
-          <a:p>
-            <a:pPr lvl="1"/>
-            <a:r>
-              <a:rPr lang="en-US" dirty="0" smtClean="0"/>
-              <a:t>Then increment that entry to maintain the following invariant for count[]: for each key value r, count[r] is the index of the position in aux[] where the next item with key value r (if any) should be placed</a:t>
-            </a:r>
-          </a:p>
-          <a:p>
-            <a:pPr lvl="1"/>
-            <a:r>
-              <a:rPr lang="en-US" dirty="0" smtClean="0"/>
-              <a:t>This process produces a sorted result with one pass through the data</a:t>
-            </a:r>
-          </a:p>
-          <a:p>
-            <a:pPr lvl="1"/>
-            <a:r>
-              <a:rPr lang="en-US" dirty="0" smtClean="0"/>
-              <a:t>Note: in one of our applications, the fact that this implementation is </a:t>
-            </a:r>
-            <a:r>
-              <a:rPr lang="en-US" dirty="0" smtClean="0"/>
-              <a:t>stable </a:t>
-            </a:r>
-            <a:r>
-              <a:rPr lang="en-US" dirty="0" smtClean="0"/>
-              <a:t>is critical: items with equal keys are brought together but kept in the same relative </a:t>
-            </a:r>
-            <a:r>
-              <a:rPr lang="en-US" dirty="0" smtClean="0"/>
-              <a:t>order (before the sorting)</a:t>
-            </a:r>
-            <a:endParaRPr lang="en-US" dirty="0" smtClean="0"/>
           </a:p>
         </p:txBody>
       </p:sp>
     </p:spTree>
     <p:extLst>
       <p:ext uri="{BB962C8B-B14F-4D97-AF65-F5344CB8AC3E}">
-        <p14:creationId xmlns:p14="http://schemas.microsoft.com/office/powerpoint/2010/main" val="3748238635"/>
+        <p14:creationId xmlns:p14="http://schemas.microsoft.com/office/powerpoint/2010/main" val="1449519762"/>
       </p:ext>
     </p:extLst>
   </p:cSld>
@@ -4546,7 +7495,7 @@
 </p:sld>
 </file>
 
-<file path=ppt/slides/slide13.xml><?xml version="1.0" encoding="utf-8"?>
+<file path=ppt/slides/slide35.xml><?xml version="1.0" encoding="utf-8"?>
 <p:sld xmlns:a="http://schemas.openxmlformats.org/drawingml/2006/main" xmlns:r="http://schemas.openxmlformats.org/officeDocument/2006/relationships" xmlns:p="http://schemas.openxmlformats.org/presentationml/2006/main">
   <p:cSld>
     <p:spTree>
@@ -4573,16 +7522,141 @@
             <p:ph type="title"/>
           </p:nvPr>
         </p:nvSpPr>
+        <p:spPr>
+          <a:xfrm>
+            <a:off x="76200" y="76200"/>
+            <a:ext cx="6172200" cy="868362"/>
+          </a:xfrm>
+        </p:spPr>
+        <p:txBody>
+          <a:bodyPr>
+            <a:normAutofit fontScale="90000"/>
+          </a:bodyPr>
+          <a:lstStyle/>
+          <a:p>
+            <a:r>
+              <a:rPr lang="en-US" dirty="0"/>
+              <a:t>Key-indexed counting steps</a:t>
+            </a:r>
+          </a:p>
+        </p:txBody>
+      </p:sp>
+      <p:sp>
+        <p:nvSpPr>
+          <p:cNvPr id="3" name="Content Placeholder 2"/>
+          <p:cNvSpPr>
+            <a:spLocks noGrp="1"/>
+          </p:cNvSpPr>
+          <p:nvPr>
+            <p:ph idx="1"/>
+          </p:nvPr>
+        </p:nvSpPr>
+        <p:spPr>
+          <a:xfrm>
+            <a:off x="76200" y="1066800"/>
+            <a:ext cx="8915400" cy="5562600"/>
+          </a:xfrm>
+        </p:spPr>
+        <p:txBody>
+          <a:bodyPr>
+            <a:normAutofit fontScale="92500" lnSpcReduction="10000"/>
+          </a:bodyPr>
+          <a:lstStyle/>
+          <a:p>
+            <a:pPr marL="0" indent="0">
+              <a:buNone/>
+            </a:pPr>
+            <a:r>
+              <a:rPr lang="en-US" dirty="0"/>
+              <a:t>3. Distribute the data</a:t>
+            </a:r>
+          </a:p>
+          <a:p>
+            <a:pPr lvl="1"/>
+            <a:r>
+              <a:rPr lang="en-US" dirty="0"/>
+              <a:t>Move the items to an auxiliary array aux[]</a:t>
+            </a:r>
+          </a:p>
+          <a:p>
+            <a:pPr lvl="1"/>
+            <a:r>
+              <a:rPr lang="en-US" dirty="0"/>
+              <a:t>We move each item to the position in aux[] indicated by the count[] entry corresponding to its key from step 2</a:t>
+            </a:r>
+          </a:p>
+          <a:p>
+            <a:pPr lvl="1"/>
+            <a:r>
+              <a:rPr lang="en-US" dirty="0"/>
+              <a:t>Then increment that entry to maintain the following invariant for count[]: for each key value r, count[r] is the index of the position in aux[] where the next item with key value r (if any) should be placed</a:t>
+            </a:r>
+          </a:p>
+          <a:p>
+            <a:pPr lvl="1"/>
+            <a:r>
+              <a:rPr lang="en-US" dirty="0"/>
+              <a:t>This process produces a sorted result with one pass through the data</a:t>
+            </a:r>
+          </a:p>
+          <a:p>
+            <a:pPr lvl="1"/>
+            <a:r>
+              <a:rPr lang="en-US" dirty="0"/>
+              <a:t>Note: in one of our applications, the fact that this implementation is stable is critical: items with equal keys are brought together but kept in the same relative order (before the sorting)</a:t>
+            </a:r>
+          </a:p>
+        </p:txBody>
+      </p:sp>
+    </p:spTree>
+    <p:extLst>
+      <p:ext uri="{BB962C8B-B14F-4D97-AF65-F5344CB8AC3E}">
+        <p14:creationId xmlns:p14="http://schemas.microsoft.com/office/powerpoint/2010/main" val="3748238635"/>
+      </p:ext>
+    </p:extLst>
+  </p:cSld>
+  <p:clrMapOvr>
+    <a:masterClrMapping/>
+  </p:clrMapOvr>
+</p:sld>
+</file>
+
+<file path=ppt/slides/slide36.xml><?xml version="1.0" encoding="utf-8"?>
+<p:sld xmlns:a="http://schemas.openxmlformats.org/drawingml/2006/main" xmlns:r="http://schemas.openxmlformats.org/officeDocument/2006/relationships" xmlns:p="http://schemas.openxmlformats.org/presentationml/2006/main">
+  <p:cSld>
+    <p:spTree>
+      <p:nvGrpSpPr>
+        <p:cNvPr id="1" name=""/>
+        <p:cNvGrpSpPr/>
+        <p:nvPr/>
+      </p:nvGrpSpPr>
+      <p:grpSpPr>
+        <a:xfrm>
+          <a:off x="0" y="0"/>
+          <a:ext cx="0" cy="0"/>
+          <a:chOff x="0" y="0"/>
+          <a:chExt cx="0" cy="0"/>
+        </a:xfrm>
+      </p:grpSpPr>
+      <p:sp>
+        <p:nvSpPr>
+          <p:cNvPr id="2" name="Title 1"/>
+          <p:cNvSpPr>
+            <a:spLocks noGrp="1"/>
+          </p:cNvSpPr>
+          <p:nvPr>
+            <p:ph type="title"/>
+          </p:nvPr>
+        </p:nvSpPr>
         <p:spPr/>
         <p:txBody>
           <a:bodyPr/>
           <a:lstStyle/>
           <a:p>
             <a:r>
-              <a:rPr lang="en-US" dirty="0" smtClean="0"/>
+              <a:rPr lang="en-US" dirty="0"/>
               <a:t>Distribution phase</a:t>
             </a:r>
-            <a:endParaRPr lang="en-US" dirty="0"/>
           </a:p>
         </p:txBody>
       </p:sp>
@@ -4623,7 +7697,7 @@
 </p:sld>
 </file>
 
-<file path=ppt/slides/slide14.xml><?xml version="1.0" encoding="utf-8"?>
+<file path=ppt/slides/slide37.xml><?xml version="1.0" encoding="utf-8"?>
 <p:sld xmlns:a="http://schemas.openxmlformats.org/drawingml/2006/main" xmlns:r="http://schemas.openxmlformats.org/officeDocument/2006/relationships" xmlns:p="http://schemas.openxmlformats.org/presentationml/2006/main">
   <p:cSld>
     <p:spTree>
@@ -4656,10 +7730,9 @@
           <a:lstStyle/>
           <a:p>
             <a:r>
-              <a:rPr lang="en-US" dirty="0" smtClean="0"/>
+              <a:rPr lang="en-US" dirty="0"/>
               <a:t>Distribution phase</a:t>
             </a:r>
-            <a:endParaRPr lang="en-US" dirty="0"/>
           </a:p>
         </p:txBody>
       </p:sp>
@@ -4700,7 +7773,7 @@
 </p:sld>
 </file>
 
-<file path=ppt/slides/slide15.xml><?xml version="1.0" encoding="utf-8"?>
+<file path=ppt/slides/slide38.xml><?xml version="1.0" encoding="utf-8"?>
 <p:sld xmlns:a="http://schemas.openxmlformats.org/drawingml/2006/main" xmlns:r="http://schemas.openxmlformats.org/officeDocument/2006/relationships" xmlns:p="http://schemas.openxmlformats.org/presentationml/2006/main">
   <p:cSld>
     <p:spTree>
@@ -4758,22 +7831,21 @@
               <a:buNone/>
             </a:pPr>
             <a:r>
-              <a:rPr lang="en-US" dirty="0" smtClean="0"/>
+              <a:rPr lang="en-US" dirty="0"/>
               <a:t>4. </a:t>
             </a:r>
             <a:r>
-              <a:rPr lang="en-US" dirty="0" err="1" smtClean="0"/>
+              <a:rPr lang="en-US" dirty="0" err="1"/>
               <a:t>Copyback</a:t>
             </a:r>
-            <a:endParaRPr lang="en-US" dirty="0" smtClean="0"/>
+            <a:endParaRPr lang="en-US" dirty="0"/>
           </a:p>
           <a:p>
             <a:pPr lvl="1"/>
             <a:r>
-              <a:rPr lang="en-US" dirty="0" smtClean="0"/>
+              <a:rPr lang="en-US" dirty="0"/>
               <a:t>Since we accomplished the sort by moving the items to an auxiliary array, the last step is to copy the sorted result back to the original array</a:t>
             </a:r>
-            <a:endParaRPr lang="en-US" dirty="0"/>
           </a:p>
         </p:txBody>
       </p:sp>
@@ -4790,7 +7862,7 @@
 </p:sld>
 </file>
 
-<file path=ppt/slides/slide16.xml><?xml version="1.0" encoding="utf-8"?>
+<file path=ppt/slides/slide39.xml><?xml version="1.0" encoding="utf-8"?>
 <p:sld xmlns:a="http://schemas.openxmlformats.org/drawingml/2006/main" xmlns:r="http://schemas.openxmlformats.org/officeDocument/2006/relationships" xmlns:p="http://schemas.openxmlformats.org/presentationml/2006/main">
   <p:cSld>
     <p:spTree>
@@ -4825,10 +7897,9 @@
           <a:lstStyle/>
           <a:p>
             <a:r>
-              <a:rPr lang="en-US" dirty="0" smtClean="0"/>
+              <a:rPr lang="en-US" dirty="0"/>
               <a:t>Key-indexed counting Demo</a:t>
             </a:r>
-            <a:endParaRPr lang="en-US" dirty="0"/>
           </a:p>
         </p:txBody>
       </p:sp>
@@ -4869,7 +7940,137 @@
 </p:sld>
 </file>
 
-<file path=ppt/slides/slide17.xml><?xml version="1.0" encoding="utf-8"?>
+<file path=ppt/slides/slide4.xml><?xml version="1.0" encoding="utf-8"?>
+<p:sld xmlns:a="http://schemas.openxmlformats.org/drawingml/2006/main" xmlns:r="http://schemas.openxmlformats.org/officeDocument/2006/relationships" xmlns:p="http://schemas.openxmlformats.org/presentationml/2006/main">
+  <p:cSld>
+    <p:spTree>
+      <p:nvGrpSpPr>
+        <p:cNvPr id="1" name=""/>
+        <p:cNvGrpSpPr/>
+        <p:nvPr/>
+      </p:nvGrpSpPr>
+      <p:grpSpPr>
+        <a:xfrm>
+          <a:off x="0" y="0"/>
+          <a:ext cx="0" cy="0"/>
+          <a:chOff x="0" y="0"/>
+          <a:chExt cx="0" cy="0"/>
+        </a:xfrm>
+      </p:grpSpPr>
+      <p:sp>
+        <p:nvSpPr>
+          <p:cNvPr id="2" name="Title 1"/>
+          <p:cNvSpPr>
+            <a:spLocks noGrp="1"/>
+          </p:cNvSpPr>
+          <p:nvPr>
+            <p:ph type="title"/>
+          </p:nvPr>
+        </p:nvSpPr>
+        <p:spPr/>
+        <p:txBody>
+          <a:bodyPr/>
+          <a:lstStyle/>
+          <a:p>
+            <a:r>
+              <a:rPr lang="en-US" dirty="0"/>
+              <a:t>Concepts overview</a:t>
+            </a:r>
+          </a:p>
+        </p:txBody>
+      </p:sp>
+      <p:sp>
+        <p:nvSpPr>
+          <p:cNvPr id="3" name="Content Placeholder 2"/>
+          <p:cNvSpPr>
+            <a:spLocks noGrp="1"/>
+          </p:cNvSpPr>
+          <p:nvPr>
+            <p:ph idx="1"/>
+          </p:nvPr>
+        </p:nvSpPr>
+        <p:spPr/>
+        <p:txBody>
+          <a:bodyPr>
+            <a:normAutofit lnSpcReduction="10000"/>
+          </a:bodyPr>
+          <a:lstStyle/>
+          <a:p>
+            <a:r>
+              <a:rPr lang="en-US" dirty="0"/>
+              <a:t>Length</a:t>
+            </a:r>
+          </a:p>
+          <a:p>
+            <a:pPr lvl="1"/>
+            <a:r>
+              <a:rPr lang="en-US" dirty="0"/>
+              <a:t>Used to find the length of a string</a:t>
+            </a:r>
+          </a:p>
+          <a:p>
+            <a:pPr lvl="1"/>
+            <a:r>
+              <a:rPr lang="en-US" dirty="0"/>
+              <a:t>It’s implemented in length() method in String class</a:t>
+            </a:r>
+          </a:p>
+          <a:p>
+            <a:r>
+              <a:rPr lang="en-US" dirty="0"/>
+              <a:t>Substring</a:t>
+            </a:r>
+          </a:p>
+          <a:p>
+            <a:pPr lvl="1"/>
+            <a:r>
+              <a:rPr lang="en-US" dirty="0"/>
+              <a:t>Implements the extract a specified substring operation</a:t>
+            </a:r>
+          </a:p>
+          <a:p>
+            <a:pPr lvl="1"/>
+            <a:r>
+              <a:rPr lang="en-US" dirty="0"/>
+              <a:t>It’s implemented in substring() method in String class</a:t>
+            </a:r>
+          </a:p>
+          <a:p>
+            <a:r>
+              <a:rPr lang="en-US" dirty="0"/>
+              <a:t>Concatenation</a:t>
+            </a:r>
+          </a:p>
+          <a:p>
+            <a:pPr lvl="1"/>
+            <a:r>
+              <a:rPr lang="en-US" dirty="0"/>
+              <a:t>Creates new string formed by appending one string to another string</a:t>
+            </a:r>
+          </a:p>
+          <a:p>
+            <a:pPr lvl="1"/>
+            <a:r>
+              <a:rPr lang="en-US" dirty="0"/>
+              <a:t>It’s built-in operation (+ operator)</a:t>
+            </a:r>
+          </a:p>
+        </p:txBody>
+      </p:sp>
+    </p:spTree>
+    <p:extLst>
+      <p:ext uri="{BB962C8B-B14F-4D97-AF65-F5344CB8AC3E}">
+        <p14:creationId xmlns:p14="http://schemas.microsoft.com/office/powerpoint/2010/main" val="4210489314"/>
+      </p:ext>
+    </p:extLst>
+  </p:cSld>
+  <p:clrMapOvr>
+    <a:masterClrMapping/>
+  </p:clrMapOvr>
+</p:sld>
+</file>
+
+<file path=ppt/slides/slide40.xml><?xml version="1.0" encoding="utf-8"?>
 <p:sld xmlns:a="http://schemas.openxmlformats.org/drawingml/2006/main" xmlns:r="http://schemas.openxmlformats.org/officeDocument/2006/relationships" xmlns:p="http://schemas.openxmlformats.org/presentationml/2006/main">
   <p:cSld>
     <p:spTree>
@@ -4945,7 +8146,7 @@
 </p:sld>
 </file>
 
-<file path=ppt/slides/slide18.xml><?xml version="1.0" encoding="utf-8"?>
+<file path=ppt/slides/slide41.xml><?xml version="1.0" encoding="utf-8"?>
 <p:sld xmlns:a="http://schemas.openxmlformats.org/drawingml/2006/main" xmlns:r="http://schemas.openxmlformats.org/officeDocument/2006/relationships" xmlns:p="http://schemas.openxmlformats.org/presentationml/2006/main">
   <p:cSld>
     <p:spTree>
@@ -5021,7 +8222,7 @@
 </p:sld>
 </file>
 
-<file path=ppt/slides/slide19.xml><?xml version="1.0" encoding="utf-8"?>
+<file path=ppt/slides/slide42.xml><?xml version="1.0" encoding="utf-8"?>
 <p:sld xmlns:a="http://schemas.openxmlformats.org/drawingml/2006/main" xmlns:r="http://schemas.openxmlformats.org/officeDocument/2006/relationships" xmlns:p="http://schemas.openxmlformats.org/presentationml/2006/main">
   <p:cSld>
     <p:spTree>
@@ -5040,43 +8241,71 @@
       </p:grpSpPr>
       <p:sp>
         <p:nvSpPr>
-          <p:cNvPr id="2" name="Title 1"/>
-          <p:cNvSpPr>
-            <a:spLocks noGrp="1"/>
-          </p:cNvSpPr>
-          <p:nvPr>
-            <p:ph type="title"/>
-          </p:nvPr>
-        </p:nvSpPr>
-        <p:spPr/>
-        <p:txBody>
-          <a:bodyPr/>
+          <p:cNvPr id="5" name="Rectangle 4"/>
+          <p:cNvSpPr/>
+          <p:nvPr/>
+        </p:nvSpPr>
+        <p:spPr>
+          <a:xfrm rot="19831809">
+            <a:off x="2450885" y="3081278"/>
+            <a:ext cx="4108818" cy="923330"/>
+          </a:xfrm>
+          <a:prstGeom prst="rect">
+            <a:avLst/>
+          </a:prstGeom>
+          <a:noFill/>
+        </p:spPr>
+        <p:txBody>
+          <a:bodyPr wrap="none" lIns="91440" tIns="45720" rIns="91440" bIns="45720">
+            <a:spAutoFit/>
+          </a:bodyPr>
           <a:lstStyle/>
           <a:p>
-            <a:r>
-              <a:rPr lang="en-US" dirty="0" smtClean="0"/>
-              <a:t>LSD String Sorts</a:t>
-            </a:r>
-            <a:endParaRPr lang="en-US" dirty="0"/>
-          </a:p>
-        </p:txBody>
-      </p:sp>
-      <p:sp>
-        <p:nvSpPr>
-          <p:cNvPr id="4" name="Text Placeholder 3"/>
-          <p:cNvSpPr>
-            <a:spLocks noGrp="1"/>
-          </p:cNvSpPr>
-          <p:nvPr>
-            <p:ph type="body" idx="1"/>
-          </p:nvPr>
-        </p:nvSpPr>
-        <p:spPr/>
-        <p:txBody>
-          <a:bodyPr/>
-          <a:lstStyle/>
-          <a:p>
-            <a:endParaRPr lang="en-US"/>
+            <a:pPr algn="ctr"/>
+            <a:r>
+              <a:rPr lang="en-US" sz="5400" b="1" dirty="0">
+                <a:ln w="9525">
+                  <a:solidFill>
+                    <a:schemeClr val="bg1"/>
+                  </a:solidFill>
+                  <a:prstDash val="solid"/>
+                </a:ln>
+                <a:solidFill>
+                  <a:schemeClr val="accent5"/>
+                </a:solidFill>
+                <a:effectLst>
+                  <a:outerShdw blurRad="12700" dist="38100" dir="2700000" algn="tl" rotWithShape="0">
+                    <a:schemeClr val="accent5">
+                      <a:lumMod val="60000"/>
+                      <a:lumOff val="40000"/>
+                    </a:schemeClr>
+                  </a:outerShdw>
+                </a:effectLst>
+              </a:rPr>
+              <a:t>L</a:t>
+            </a:r>
+            <a:r>
+              <a:rPr lang="en-US" sz="5400" b="1" cap="none" spc="0" dirty="0">
+                <a:ln w="9525">
+                  <a:solidFill>
+                    <a:schemeClr val="bg1"/>
+                  </a:solidFill>
+                  <a:prstDash val="solid"/>
+                </a:ln>
+                <a:solidFill>
+                  <a:schemeClr val="accent5"/>
+                </a:solidFill>
+                <a:effectLst>
+                  <a:outerShdw blurRad="12700" dist="38100" dir="2700000" algn="tl" rotWithShape="0">
+                    <a:schemeClr val="accent5">
+                      <a:lumMod val="60000"/>
+                      <a:lumOff val="40000"/>
+                    </a:schemeClr>
+                  </a:outerShdw>
+                </a:effectLst>
+              </a:rPr>
+              <a:t>SD sorting</a:t>
+            </a:r>
           </a:p>
         </p:txBody>
       </p:sp>
@@ -5093,7 +8322,7 @@
 </p:sld>
 </file>
 
-<file path=ppt/slides/slide2.xml><?xml version="1.0" encoding="utf-8"?>
+<file path=ppt/slides/slide43.xml><?xml version="1.0" encoding="utf-8"?>
 <p:sld xmlns:a="http://schemas.openxmlformats.org/drawingml/2006/main" xmlns:r="http://schemas.openxmlformats.org/officeDocument/2006/relationships" xmlns:p="http://schemas.openxmlformats.org/presentationml/2006/main">
   <p:cSld>
     <p:spTree>
@@ -5126,151 +8355,9 @@
           <a:lstStyle/>
           <a:p>
             <a:r>
-              <a:rPr lang="en-US" dirty="0" smtClean="0"/>
-              <a:t>Objectives</a:t>
-            </a:r>
-            <a:endParaRPr lang="en-US" dirty="0"/>
-          </a:p>
-        </p:txBody>
-      </p:sp>
-      <p:sp>
-        <p:nvSpPr>
-          <p:cNvPr id="3" name="Content Placeholder 2"/>
-          <p:cNvSpPr>
-            <a:spLocks noGrp="1"/>
-          </p:cNvSpPr>
-          <p:nvPr>
-            <p:ph idx="1"/>
-          </p:nvPr>
-        </p:nvSpPr>
-        <p:spPr/>
-        <p:txBody>
-          <a:bodyPr/>
-          <a:lstStyle/>
-          <a:p>
-            <a:r>
-              <a:rPr lang="en-US" dirty="0" smtClean="0"/>
-              <a:t>Concepts overview</a:t>
-            </a:r>
-          </a:p>
-          <a:p>
-            <a:pPr lvl="1"/>
-            <a:r>
-              <a:rPr lang="en-US" dirty="0" smtClean="0"/>
-              <a:t>String representation and String manipulation</a:t>
-            </a:r>
-          </a:p>
-          <a:p>
-            <a:r>
-              <a:rPr lang="en-US" dirty="0" smtClean="0"/>
-              <a:t>String sorts</a:t>
-            </a:r>
-          </a:p>
-          <a:p>
-            <a:pPr lvl="1"/>
-            <a:r>
-              <a:rPr lang="en-US" dirty="0" smtClean="0"/>
-              <a:t>Key-indexed counting</a:t>
-            </a:r>
-          </a:p>
-          <a:p>
-            <a:pPr lvl="1"/>
-            <a:r>
-              <a:rPr lang="en-US" dirty="0" smtClean="0"/>
-              <a:t>LSD string sorts</a:t>
-            </a:r>
-          </a:p>
-          <a:p>
-            <a:pPr lvl="1"/>
-            <a:r>
-              <a:rPr lang="en-US" dirty="0" smtClean="0"/>
-              <a:t>MSD string sorts</a:t>
-            </a:r>
-          </a:p>
-          <a:p>
-            <a:r>
-              <a:rPr lang="en-US" dirty="0" smtClean="0"/>
-              <a:t>String search</a:t>
-            </a:r>
-          </a:p>
-          <a:p>
-            <a:pPr lvl="1"/>
-            <a:r>
-              <a:rPr lang="en-US" dirty="0" smtClean="0"/>
-              <a:t>Tries</a:t>
-            </a:r>
-          </a:p>
-          <a:p>
-            <a:pPr lvl="1"/>
-            <a:r>
-              <a:rPr lang="en-US" dirty="0" err="1" smtClean="0"/>
-              <a:t>TrieST</a:t>
-            </a:r>
-            <a:r>
-              <a:rPr lang="en-US" dirty="0" smtClean="0"/>
-              <a:t> API</a:t>
-            </a:r>
-            <a:endParaRPr lang="en-US" dirty="0"/>
-          </a:p>
-        </p:txBody>
-      </p:sp>
-    </p:spTree>
-    <p:extLst>
-      <p:ext uri="{BB962C8B-B14F-4D97-AF65-F5344CB8AC3E}">
-        <p14:creationId xmlns:p14="http://schemas.microsoft.com/office/powerpoint/2010/main" val="3733164021"/>
-      </p:ext>
-    </p:extLst>
-  </p:cSld>
-  <p:clrMapOvr>
-    <a:masterClrMapping/>
-  </p:clrMapOvr>
-  <p:timing>
-    <p:tnLst>
-      <p:par>
-        <p:cTn xmlns:p14="http://schemas.microsoft.com/office/powerpoint/2010/main" id="1" dur="indefinite" restart="never" nodeType="tmRoot"/>
-      </p:par>
-    </p:tnLst>
-  </p:timing>
-</p:sld>
-</file>
-
-<file path=ppt/slides/slide20.xml><?xml version="1.0" encoding="utf-8"?>
-<p:sld xmlns:a="http://schemas.openxmlformats.org/drawingml/2006/main" xmlns:r="http://schemas.openxmlformats.org/officeDocument/2006/relationships" xmlns:p="http://schemas.openxmlformats.org/presentationml/2006/main">
-  <p:cSld>
-    <p:spTree>
-      <p:nvGrpSpPr>
-        <p:cNvPr id="1" name=""/>
-        <p:cNvGrpSpPr/>
-        <p:nvPr/>
-      </p:nvGrpSpPr>
-      <p:grpSpPr>
-        <a:xfrm>
-          <a:off x="0" y="0"/>
-          <a:ext cx="0" cy="0"/>
-          <a:chOff x="0" y="0"/>
-          <a:chExt cx="0" cy="0"/>
-        </a:xfrm>
-      </p:grpSpPr>
-      <p:sp>
-        <p:nvSpPr>
-          <p:cNvPr id="2" name="Title 1"/>
-          <p:cNvSpPr>
-            <a:spLocks noGrp="1"/>
-          </p:cNvSpPr>
-          <p:nvPr>
-            <p:ph type="title"/>
-          </p:nvPr>
-        </p:nvSpPr>
-        <p:spPr/>
-        <p:txBody>
-          <a:bodyPr/>
-          <a:lstStyle/>
-          <a:p>
-            <a:r>
-              <a:rPr lang="en-US" dirty="0" smtClean="0"/>
+              <a:rPr lang="en-US" dirty="0"/>
               <a:t>LSD String Sorts</a:t>
             </a:r>
-            <a:endParaRPr lang="en-US" dirty="0"/>
           </a:p>
         </p:txBody>
       </p:sp>
@@ -5297,56 +8384,40 @@
           <a:lstStyle/>
           <a:p>
             <a:r>
-              <a:rPr lang="en-US" dirty="0" smtClean="0"/>
+              <a:rPr lang="en-US" dirty="0"/>
               <a:t>Scenario:</a:t>
             </a:r>
           </a:p>
           <a:p>
             <a:pPr lvl="1"/>
             <a:r>
-              <a:rPr lang="en-US" dirty="0" smtClean="0"/>
-              <a:t>Highway engineer sets up a device that records the license plate numbers of all vehicles </a:t>
-            </a:r>
-            <a:r>
-              <a:rPr lang="en-US" dirty="0" smtClean="0"/>
-              <a:t>for  </a:t>
-            </a:r>
-            <a:r>
-              <a:rPr lang="en-US" dirty="0" smtClean="0"/>
-              <a:t>given period of time and </a:t>
-            </a:r>
-            <a:r>
-              <a:rPr lang="en-US" dirty="0" smtClean="0"/>
-              <a:t>to </a:t>
-            </a:r>
-            <a:r>
-              <a:rPr lang="en-US" dirty="0" smtClean="0"/>
-              <a:t>know the number of different vehicles that used the highway</a:t>
-            </a:r>
-          </a:p>
-          <a:p>
-            <a:r>
-              <a:rPr lang="en-US" dirty="0" smtClean="0"/>
+              <a:rPr lang="en-US" dirty="0"/>
+              <a:t>Highway engineer sets up a device that records the license plate numbers of all vehicles for  given period of time and to know the number of different vehicles that used the highway</a:t>
+            </a:r>
+          </a:p>
+          <a:p>
+            <a:r>
+              <a:rPr lang="en-US" dirty="0"/>
               <a:t>One way is to sort the numbers then count the different values</a:t>
             </a:r>
           </a:p>
           <a:p>
             <a:r>
-              <a:rPr lang="en-US" dirty="0" smtClean="0"/>
+              <a:rPr lang="en-US" dirty="0"/>
               <a:t>License plates are mixture of letters and numbers so it’s reasonable to represent them as strings</a:t>
             </a:r>
           </a:p>
           <a:p>
             <a:r>
-              <a:rPr lang="en-US" dirty="0" smtClean="0"/>
+              <a:rPr lang="en-US" dirty="0"/>
               <a:t>Just to make it simple all license plates have the same number of characters (other cases as well like IP, bank-account numbers, </a:t>
             </a:r>
             <a:r>
-              <a:rPr lang="en-US" dirty="0" err="1" smtClean="0"/>
+              <a:rPr lang="en-US" dirty="0" err="1"/>
               <a:t>etc</a:t>
             </a:r>
             <a:r>
-              <a:rPr lang="en-US" dirty="0" smtClean="0"/>
+              <a:rPr lang="en-US" dirty="0"/>
               <a:t>)</a:t>
             </a:r>
           </a:p>
@@ -5389,7 +8460,7 @@
 </p:sld>
 </file>
 
-<file path=ppt/slides/slide21.xml><?xml version="1.0" encoding="utf-8"?>
+<file path=ppt/slides/slide44.xml><?xml version="1.0" encoding="utf-8"?>
 <p:sld xmlns:a="http://schemas.openxmlformats.org/drawingml/2006/main" xmlns:r="http://schemas.openxmlformats.org/officeDocument/2006/relationships" xmlns:p="http://schemas.openxmlformats.org/presentationml/2006/main">
   <p:cSld>
     <p:spTree>
@@ -5446,67 +8517,35 @@
           <a:lstStyle/>
           <a:p>
             <a:r>
-              <a:rPr lang="en-US" dirty="0" smtClean="0"/>
+              <a:rPr lang="en-US" dirty="0"/>
               <a:t>Sorting such strings can be done with key-indexed counting</a:t>
             </a:r>
           </a:p>
           <a:p>
             <a:pPr lvl="1"/>
             <a:r>
-              <a:rPr lang="en-US" dirty="0" smtClean="0"/>
-              <a:t>If the strings are each of length W, we sort the strings W times with key-indexed </a:t>
-            </a:r>
-            <a:r>
-              <a:rPr lang="en-US" dirty="0" smtClean="0"/>
-              <a:t>counting</a:t>
+              <a:rPr lang="en-US" dirty="0"/>
+              <a:t>If the strings are each of length W, we sort the strings W times with key-indexed counting</a:t>
             </a:r>
           </a:p>
           <a:p>
             <a:pPr lvl="1"/>
             <a:r>
-              <a:rPr lang="en-US" dirty="0" smtClean="0"/>
-              <a:t>Use </a:t>
-            </a:r>
-            <a:r>
-              <a:rPr lang="en-US" dirty="0" smtClean="0"/>
-              <a:t>each of the positions as the key and the character value as the value of the </a:t>
-            </a:r>
-            <a:r>
-              <a:rPr lang="en-US" dirty="0" smtClean="0"/>
-              <a:t>key</a:t>
+              <a:rPr lang="en-US" dirty="0"/>
+              <a:t>Use each of the positions as the key and the character value as the value of the key</a:t>
             </a:r>
           </a:p>
           <a:p>
             <a:pPr lvl="1"/>
             <a:r>
-              <a:rPr lang="en-US" dirty="0" smtClean="0"/>
-              <a:t>Proceed </a:t>
-            </a:r>
-            <a:r>
-              <a:rPr lang="en-US" dirty="0" smtClean="0"/>
-              <a:t>from right to left</a:t>
-            </a:r>
-          </a:p>
-          <a:p>
-            <a:r>
-              <a:rPr lang="en-US" dirty="0" smtClean="0"/>
-              <a:t>This works since</a:t>
-            </a:r>
-            <a:r>
-              <a:rPr lang="en-US" dirty="0" smtClean="0"/>
-              <a:t> </a:t>
-            </a:r>
-            <a:r>
-              <a:rPr lang="en-US" dirty="0" smtClean="0"/>
-              <a:t>the key-indexed </a:t>
-            </a:r>
-            <a:r>
-              <a:rPr lang="en-US" dirty="0" smtClean="0"/>
-              <a:t>counting </a:t>
-            </a:r>
-            <a:r>
-              <a:rPr lang="en-US" dirty="0" smtClean="0"/>
-              <a:t>implementation is stable</a:t>
+              <a:rPr lang="en-US" dirty="0"/>
+              <a:t>Proceed from right to left</a:t>
+            </a:r>
+          </a:p>
+          <a:p>
+            <a:r>
+              <a:rPr lang="en-US" dirty="0"/>
+              <a:t>This works since the key-indexed counting implementation is stable</a:t>
             </a:r>
           </a:p>
           <a:p>
@@ -5527,7 +8566,7 @@
 </p:sld>
 </file>
 
-<file path=ppt/slides/slide22.xml><?xml version="1.0" encoding="utf-8"?>
+<file path=ppt/slides/slide45.xml><?xml version="1.0" encoding="utf-8"?>
 <p:sld xmlns:a="http://schemas.openxmlformats.org/drawingml/2006/main" xmlns:r="http://schemas.openxmlformats.org/officeDocument/2006/relationships" xmlns:p="http://schemas.openxmlformats.org/presentationml/2006/main">
   <p:cSld>
     <p:spTree>
@@ -5560,10 +8599,9 @@
           <a:lstStyle/>
           <a:p>
             <a:r>
-              <a:rPr lang="en-US" dirty="0" smtClean="0"/>
+              <a:rPr lang="en-US" dirty="0"/>
               <a:t>LSD String Sort Demo</a:t>
             </a:r>
-            <a:endParaRPr lang="en-US" dirty="0"/>
           </a:p>
         </p:txBody>
       </p:sp>
@@ -5628,7 +8666,7 @@
 </p:sld>
 </file>
 
-<file path=ppt/slides/slide23.xml><?xml version="1.0" encoding="utf-8"?>
+<file path=ppt/slides/slide46.xml><?xml version="1.0" encoding="utf-8"?>
 <p:sld xmlns:a="http://schemas.openxmlformats.org/drawingml/2006/main" xmlns:r="http://schemas.openxmlformats.org/officeDocument/2006/relationships" xmlns:p="http://schemas.openxmlformats.org/presentationml/2006/main">
   <p:cSld>
     <p:spTree>
@@ -5661,10 +8699,9 @@
           <a:lstStyle/>
           <a:p>
             <a:r>
-              <a:rPr lang="en-US" dirty="0" smtClean="0"/>
+              <a:rPr lang="en-US" dirty="0"/>
               <a:t>LSD String Sort Demo</a:t>
             </a:r>
-            <a:endParaRPr lang="en-US" dirty="0"/>
           </a:p>
         </p:txBody>
       </p:sp>
@@ -5705,7 +8742,7 @@
 </p:sld>
 </file>
 
-<file path=ppt/slides/slide24.xml><?xml version="1.0" encoding="utf-8"?>
+<file path=ppt/slides/slide47.xml><?xml version="1.0" encoding="utf-8"?>
 <p:sld xmlns:a="http://schemas.openxmlformats.org/drawingml/2006/main" xmlns:r="http://schemas.openxmlformats.org/officeDocument/2006/relationships" xmlns:p="http://schemas.openxmlformats.org/presentationml/2006/main">
   <p:cSld>
     <p:spTree>
@@ -5738,10 +8775,9 @@
           <a:lstStyle/>
           <a:p>
             <a:r>
-              <a:rPr lang="en-US" dirty="0" smtClean="0"/>
+              <a:rPr lang="en-US" dirty="0"/>
               <a:t>Trace of the program</a:t>
             </a:r>
-            <a:endParaRPr lang="en-US" dirty="0"/>
           </a:p>
         </p:txBody>
       </p:sp>
@@ -5782,7 +8818,7 @@
 </p:sld>
 </file>
 
-<file path=ppt/slides/slide25.xml><?xml version="1.0" encoding="utf-8"?>
+<file path=ppt/slides/slide48.xml><?xml version="1.0" encoding="utf-8"?>
 <p:sld xmlns:a="http://schemas.openxmlformats.org/drawingml/2006/main" xmlns:r="http://schemas.openxmlformats.org/officeDocument/2006/relationships" xmlns:p="http://schemas.openxmlformats.org/presentationml/2006/main">
   <p:cSld>
     <p:spTree>
@@ -5801,43 +8837,49 @@
       </p:grpSpPr>
       <p:sp>
         <p:nvSpPr>
-          <p:cNvPr id="4" name="Title 3"/>
-          <p:cNvSpPr>
-            <a:spLocks noGrp="1"/>
-          </p:cNvSpPr>
-          <p:nvPr>
-            <p:ph type="title"/>
-          </p:nvPr>
-        </p:nvSpPr>
-        <p:spPr/>
-        <p:txBody>
-          <a:bodyPr/>
+          <p:cNvPr id="6" name="Rectangle 5"/>
+          <p:cNvSpPr/>
+          <p:nvPr/>
+        </p:nvSpPr>
+        <p:spPr>
+          <a:xfrm rot="19831809">
+            <a:off x="2373942" y="3081278"/>
+            <a:ext cx="4262705" cy="923330"/>
+          </a:xfrm>
+          <a:prstGeom prst="rect">
+            <a:avLst/>
+          </a:prstGeom>
+          <a:noFill/>
+        </p:spPr>
+        <p:txBody>
+          <a:bodyPr wrap="none" lIns="91440" tIns="45720" rIns="91440" bIns="45720">
+            <a:spAutoFit/>
+          </a:bodyPr>
           <a:lstStyle/>
           <a:p>
-            <a:r>
-              <a:rPr lang="en-US" dirty="0" smtClean="0"/>
-              <a:t>MSD String SORT</a:t>
-            </a:r>
-            <a:endParaRPr lang="en-US" dirty="0"/>
-          </a:p>
-        </p:txBody>
-      </p:sp>
-      <p:sp>
-        <p:nvSpPr>
-          <p:cNvPr id="5" name="Text Placeholder 4"/>
-          <p:cNvSpPr>
-            <a:spLocks noGrp="1"/>
-          </p:cNvSpPr>
-          <p:nvPr>
-            <p:ph type="body" idx="1"/>
-          </p:nvPr>
-        </p:nvSpPr>
-        <p:spPr/>
-        <p:txBody>
-          <a:bodyPr/>
-          <a:lstStyle/>
-          <a:p>
-            <a:endParaRPr lang="en-US" dirty="0"/>
+            <a:pPr algn="ctr"/>
+            <a:r>
+              <a:rPr lang="en-US" sz="5400" b="1" cap="none" spc="0" dirty="0">
+                <a:ln w="9525">
+                  <a:solidFill>
+                    <a:schemeClr val="bg1"/>
+                  </a:solidFill>
+                  <a:prstDash val="solid"/>
+                </a:ln>
+                <a:solidFill>
+                  <a:schemeClr val="accent5"/>
+                </a:solidFill>
+                <a:effectLst>
+                  <a:outerShdw blurRad="12700" dist="38100" dir="2700000" algn="tl" rotWithShape="0">
+                    <a:schemeClr val="accent5">
+                      <a:lumMod val="60000"/>
+                      <a:lumOff val="40000"/>
+                    </a:schemeClr>
+                  </a:outerShdw>
+                </a:effectLst>
+              </a:rPr>
+              <a:t>MSD sorting</a:t>
+            </a:r>
           </a:p>
         </p:txBody>
       </p:sp>
@@ -5854,7 +8896,7 @@
 </p:sld>
 </file>
 
-<file path=ppt/slides/slide26.xml><?xml version="1.0" encoding="utf-8"?>
+<file path=ppt/slides/slide49.xml><?xml version="1.0" encoding="utf-8"?>
 <p:sld xmlns:a="http://schemas.openxmlformats.org/drawingml/2006/main" xmlns:r="http://schemas.openxmlformats.org/officeDocument/2006/relationships" xmlns:p="http://schemas.openxmlformats.org/presentationml/2006/main">
   <p:cSld>
     <p:spTree>
@@ -5887,10 +8929,9 @@
           <a:lstStyle/>
           <a:p>
             <a:r>
-              <a:rPr lang="en-US" dirty="0" smtClean="0"/>
+              <a:rPr lang="en-US" dirty="0"/>
               <a:t>MSD String Sort</a:t>
             </a:r>
-            <a:endParaRPr lang="en-US" dirty="0"/>
           </a:p>
         </p:txBody>
       </p:sp>
@@ -5917,80 +8958,59 @@
           <a:lstStyle/>
           <a:p>
             <a:r>
-              <a:rPr lang="en-US" dirty="0" smtClean="0"/>
+              <a:rPr lang="en-US" dirty="0"/>
               <a:t>It’s recursive method known as most-significant-digit-first (MSD) </a:t>
             </a:r>
           </a:p>
           <a:p>
             <a:pPr lvl="1"/>
             <a:r>
-              <a:rPr lang="en-US" dirty="0" smtClean="0"/>
-              <a:t>Use </a:t>
-            </a:r>
-            <a:r>
-              <a:rPr lang="en-US" dirty="0" smtClean="0"/>
-              <a:t>key-indexed counting to sort the strings </a:t>
-            </a:r>
-            <a:r>
-              <a:rPr lang="en-US" dirty="0" smtClean="0"/>
-              <a:t>based on their </a:t>
-            </a:r>
-            <a:r>
-              <a:rPr lang="en-US" dirty="0" smtClean="0"/>
-              <a:t>first character</a:t>
+              <a:rPr lang="en-US" dirty="0"/>
+              <a:t>Use key-indexed counting to sort the strings based on their first character</a:t>
             </a:r>
           </a:p>
           <a:p>
             <a:pPr lvl="1"/>
             <a:r>
-              <a:rPr lang="en-US" dirty="0" smtClean="0"/>
+              <a:rPr lang="en-US" dirty="0"/>
               <a:t>Then (recursively) sort the </a:t>
             </a:r>
             <a:r>
-              <a:rPr lang="en-US" dirty="0" err="1" smtClean="0"/>
+              <a:rPr lang="en-US" dirty="0" err="1"/>
               <a:t>subarrays</a:t>
             </a:r>
             <a:r>
-              <a:rPr lang="en-US" dirty="0" smtClean="0"/>
+              <a:rPr lang="en-US" dirty="0"/>
               <a:t> corresponding to each character</a:t>
             </a:r>
           </a:p>
           <a:p>
             <a:r>
-              <a:rPr lang="en-US" dirty="0" smtClean="0"/>
+              <a:rPr lang="en-US" dirty="0"/>
               <a:t>Like quicksort, this partitions array into </a:t>
             </a:r>
             <a:r>
-              <a:rPr lang="en-US" dirty="0" err="1" smtClean="0"/>
+              <a:rPr lang="en-US" dirty="0" err="1"/>
               <a:t>subarrays</a:t>
             </a:r>
             <a:r>
-              <a:rPr lang="en-US" dirty="0" smtClean="0"/>
+              <a:rPr lang="en-US" dirty="0"/>
               <a:t> that can be sorted independently to complete the job</a:t>
             </a:r>
           </a:p>
           <a:p>
             <a:pPr lvl="1"/>
             <a:r>
-              <a:rPr lang="en-US" dirty="0" smtClean="0"/>
-              <a:t>But it partitions </a:t>
-            </a:r>
-            <a:r>
-              <a:rPr lang="en-US" dirty="0" smtClean="0"/>
-              <a:t>based on </a:t>
-            </a:r>
-            <a:r>
-              <a:rPr lang="en-US" dirty="0" smtClean="0"/>
-              <a:t>each possible value of the first character</a:t>
+              <a:rPr lang="en-US" dirty="0"/>
+              <a:t>But it partitions based on each possible value of the first character</a:t>
             </a:r>
           </a:p>
           <a:p>
             <a:pPr lvl="1"/>
             <a:r>
-              <a:rPr lang="en-US" dirty="0" smtClean="0"/>
+              <a:rPr lang="en-US" dirty="0"/>
               <a:t>Instead of the two or three partitions in quicksort</a:t>
             </a:r>
-            <a:endParaRPr lang="en-US" dirty="0"/>
           </a:p>
         </p:txBody>
       </p:sp>
@@ -6031,7 +9051,7 @@
 </p:sld>
 </file>
 
-<file path=ppt/slides/slide27.xml><?xml version="1.0" encoding="utf-8"?>
+<file path=ppt/slides/slide5.xml><?xml version="1.0" encoding="utf-8"?>
 <p:sld xmlns:a="http://schemas.openxmlformats.org/drawingml/2006/main" xmlns:r="http://schemas.openxmlformats.org/officeDocument/2006/relationships" xmlns:p="http://schemas.openxmlformats.org/presentationml/2006/main">
   <p:cSld>
     <p:spTree>
@@ -6064,10 +9084,9 @@
           <a:lstStyle/>
           <a:p>
             <a:r>
-              <a:rPr lang="en-US" dirty="0" smtClean="0"/>
-              <a:t>End-of-string convention</a:t>
-            </a:r>
-            <a:endParaRPr lang="en-US" dirty="0"/>
+              <a:rPr lang="en-US" dirty="0"/>
+              <a:t>Henry: examples</a:t>
+            </a:r>
           </a:p>
         </p:txBody>
       </p:sp>
@@ -6083,95 +9102,56 @@
         </p:nvSpPr>
         <p:spPr/>
         <p:txBody>
-          <a:bodyPr>
-            <a:normAutofit fontScale="77500" lnSpcReduction="20000"/>
-          </a:bodyPr>
+          <a:bodyPr/>
           <a:lstStyle/>
           <a:p>
             <a:r>
-              <a:rPr lang="en-US" dirty="0" smtClean="0"/>
-              <a:t>For a proper sort, we need the subarray for strings whose characters have all been examined to appear as the first subarray, and we do not want to recursively sort this subarray</a:t>
-            </a:r>
-          </a:p>
-          <a:p>
-            <a:r>
-              <a:rPr lang="en-US" dirty="0" smtClean="0"/>
-              <a:t>To facilitate this we need </a:t>
-            </a:r>
-            <a:r>
-              <a:rPr lang="en-US" dirty="0" smtClean="0"/>
-              <a:t>a method </a:t>
-            </a:r>
-            <a:r>
-              <a:rPr lang="en-US" dirty="0" smtClean="0"/>
-              <a:t>that returns – 1 if the specified </a:t>
-            </a:r>
-            <a:r>
-              <a:rPr lang="en-US" dirty="0" smtClean="0"/>
-              <a:t>position </a:t>
-            </a:r>
-            <a:r>
-              <a:rPr lang="en-US" dirty="0" smtClean="0"/>
-              <a:t>is past the end of the string</a:t>
-            </a:r>
-          </a:p>
-          <a:p>
-            <a:r>
-              <a:rPr lang="en-US" dirty="0" smtClean="0"/>
-              <a:t> Then we will just add 1 to each return value, to get a nonnegative </a:t>
-            </a:r>
-            <a:r>
-              <a:rPr lang="en-US" dirty="0" err="1" smtClean="0"/>
-              <a:t>int</a:t>
-            </a:r>
-            <a:r>
-              <a:rPr lang="en-US" dirty="0" smtClean="0"/>
-              <a:t> that we can use to index count[]</a:t>
-            </a:r>
-          </a:p>
-          <a:p>
-            <a:r>
-              <a:rPr lang="en-US" dirty="0" smtClean="0"/>
-              <a:t>This convention means that we have R+1 different possible character values at each string position: 0 to signify end of string, 1 for the first alphabet character, 2 for the second alphabet character, and so forth</a:t>
-            </a:r>
-            <a:r>
-              <a:rPr lang="en-US" dirty="0" smtClean="0"/>
-              <a:t>.</a:t>
-            </a:r>
-          </a:p>
-          <a:p>
-            <a:r>
-              <a:rPr lang="en-US" dirty="0"/>
-              <a:t>Since key-indexed counting already needs one extra position, we use the code </a:t>
-            </a:r>
-            <a:r>
-              <a:rPr lang="en-US" dirty="0" err="1"/>
-              <a:t>int</a:t>
-            </a:r>
-            <a:r>
-              <a:rPr lang="en-US" dirty="0"/>
-              <a:t> count[] = new </a:t>
-            </a:r>
-            <a:r>
-              <a:rPr lang="en-US" dirty="0" err="1"/>
-              <a:t>int</a:t>
-            </a:r>
-            <a:r>
-              <a:rPr lang="en-US" dirty="0"/>
-              <a:t>[R+2]; to create the array of frequency </a:t>
-            </a:r>
-            <a:r>
-              <a:rPr lang="en-US" dirty="0" smtClean="0"/>
-              <a:t>counts</a:t>
-            </a:r>
-            <a:endParaRPr lang="en-US" dirty="0"/>
+              <a:rPr lang="en-US" dirty="0"/>
+              <a:t>File name</a:t>
+            </a:r>
+          </a:p>
+          <a:p>
+            <a:r>
+              <a:rPr lang="en-US" dirty="0"/>
+              <a:t>File extension</a:t>
+            </a:r>
+          </a:p>
+          <a:p>
+            <a:r>
+              <a:rPr lang="en-US" dirty="0"/>
+              <a:t>Path before name</a:t>
+            </a:r>
+          </a:p>
+          <a:p>
+            <a:r>
+              <a:rPr lang="en-US" dirty="0"/>
+              <a:t>Arguments after command</a:t>
+            </a:r>
+          </a:p>
+          <a:p>
+            <a:r>
+              <a:rPr lang="en-US" dirty="0"/>
+              <a:t>Numbers from string</a:t>
+            </a:r>
+          </a:p>
+          <a:p>
+            <a:r>
+              <a:rPr lang="en-US" dirty="0"/>
+              <a:t>Replace all non-digit with space</a:t>
+            </a:r>
+          </a:p>
+          <a:p>
+            <a:r>
+              <a:rPr lang="en-US" dirty="0"/>
+              <a:t>Get fields</a:t>
+            </a:r>
           </a:p>
         </p:txBody>
       </p:sp>
     </p:spTree>
     <p:extLst>
       <p:ext uri="{BB962C8B-B14F-4D97-AF65-F5344CB8AC3E}">
-        <p14:creationId xmlns:p14="http://schemas.microsoft.com/office/powerpoint/2010/main" val="2773729548"/>
+        <p14:creationId xmlns:p14="http://schemas.microsoft.com/office/powerpoint/2010/main" val="56849273"/>
       </p:ext>
     </p:extLst>
   </p:cSld>
@@ -6181,7 +9161,7 @@
 </p:sld>
 </file>
 
-<file path=ppt/slides/slide28.xml><?xml version="1.0" encoding="utf-8"?>
+<file path=ppt/slides/slide50.xml><?xml version="1.0" encoding="utf-8"?>
 <p:sld xmlns:a="http://schemas.openxmlformats.org/drawingml/2006/main" xmlns:r="http://schemas.openxmlformats.org/officeDocument/2006/relationships" xmlns:p="http://schemas.openxmlformats.org/presentationml/2006/main">
   <p:cSld>
     <p:spTree>
@@ -6214,14 +9194,9 @@
           <a:lstStyle/>
           <a:p>
             <a:r>
-              <a:rPr lang="en-US" dirty="0" smtClean="0"/>
-              <a:t>Small </a:t>
-            </a:r>
-            <a:r>
-              <a:rPr lang="en-US" dirty="0" err="1" smtClean="0"/>
-              <a:t>subarrays</a:t>
-            </a:r>
-            <a:endParaRPr lang="en-US" dirty="0"/>
+              <a:rPr lang="en-US" dirty="0"/>
+              <a:t>End-of-string convention</a:t>
+            </a:r>
           </a:p>
         </p:txBody>
       </p:sp>
@@ -6244,178 +9219,63 @@
           <a:p>
             <a:r>
               <a:rPr lang="en-US" dirty="0"/>
-              <a:t>We add a test to cutoff to insertion sort for small </a:t>
-            </a:r>
-            <a:endParaRPr lang="en-US" dirty="0" smtClean="0"/>
-          </a:p>
-          <a:p>
-            <a:r>
-              <a:rPr lang="en-US" dirty="0" smtClean="0"/>
-              <a:t>Normally, strings are sorted </a:t>
-            </a:r>
-            <a:r>
-              <a:rPr lang="en-US" dirty="0" smtClean="0"/>
-              <a:t>after examining only a few characters in the </a:t>
-            </a:r>
-            <a:r>
-              <a:rPr lang="en-US" dirty="0" smtClean="0"/>
-              <a:t>key, means </a:t>
-            </a:r>
-            <a:r>
-              <a:rPr lang="en-US" dirty="0" smtClean="0"/>
-              <a:t>the method quickly divides the array to be sorted into small </a:t>
-            </a:r>
-            <a:r>
-              <a:rPr lang="en-US" dirty="0" err="1" smtClean="0"/>
-              <a:t>subarrays</a:t>
-            </a:r>
-            <a:endParaRPr lang="en-US" dirty="0" smtClean="0"/>
-          </a:p>
-          <a:p>
-            <a:r>
-              <a:rPr lang="en-US" dirty="0" smtClean="0"/>
-              <a:t>So we need </a:t>
-            </a:r>
-            <a:r>
-              <a:rPr lang="en-US" dirty="0" smtClean="0"/>
-              <a:t>to handle huge numbers of tiny </a:t>
-            </a:r>
-            <a:r>
-              <a:rPr lang="en-US" dirty="0" err="1" smtClean="0"/>
-              <a:t>subarrays</a:t>
-            </a:r>
-            <a:r>
-              <a:rPr lang="en-US" dirty="0" smtClean="0"/>
-              <a:t>, </a:t>
-            </a:r>
-            <a:r>
-              <a:rPr lang="en-US" dirty="0" smtClean="0"/>
-              <a:t>therefore, </a:t>
-            </a:r>
-            <a:r>
-              <a:rPr lang="en-US" dirty="0" smtClean="0"/>
-              <a:t>we </a:t>
-            </a:r>
-            <a:r>
-              <a:rPr lang="en-US" dirty="0" smtClean="0"/>
-              <a:t>need to </a:t>
-            </a:r>
-            <a:r>
-              <a:rPr lang="en-US" dirty="0" smtClean="0"/>
-              <a:t>handle </a:t>
-            </a:r>
-            <a:r>
-              <a:rPr lang="en-US" dirty="0" smtClean="0"/>
-              <a:t>them efficiently</a:t>
-            </a:r>
-          </a:p>
-          <a:p>
-            <a:r>
-              <a:rPr lang="en-US" dirty="0" smtClean="0"/>
-              <a:t>E.g., </a:t>
-            </a:r>
-            <a:r>
-              <a:rPr lang="en-US" dirty="0" smtClean="0"/>
-              <a:t>suppose that you are sorting millions of ASCII strings (R=256) that are all different, with no cutoff for small </a:t>
-            </a:r>
-            <a:r>
-              <a:rPr lang="en-US" dirty="0" err="1" smtClean="0"/>
-              <a:t>subarrays</a:t>
-            </a:r>
-            <a:endParaRPr lang="en-US" dirty="0"/>
-          </a:p>
-          <a:p>
-            <a:pPr lvl="1"/>
-            <a:r>
-              <a:rPr lang="en-US" dirty="0" smtClean="0"/>
-              <a:t>Each string eventually finds its way to its own </a:t>
-            </a:r>
-            <a:r>
-              <a:rPr lang="en-US" dirty="0" smtClean="0"/>
-              <a:t>subarray</a:t>
-            </a:r>
-          </a:p>
-          <a:p>
-            <a:pPr lvl="1"/>
-            <a:r>
-              <a:rPr lang="en-US" dirty="0" smtClean="0"/>
-              <a:t>So </a:t>
-            </a:r>
-            <a:r>
-              <a:rPr lang="en-US" dirty="0" smtClean="0"/>
-              <a:t>you will sort millions of </a:t>
-            </a:r>
-            <a:r>
-              <a:rPr lang="en-US" dirty="0" err="1" smtClean="0"/>
-              <a:t>subarrays</a:t>
-            </a:r>
-            <a:r>
-              <a:rPr lang="en-US" dirty="0" smtClean="0"/>
-              <a:t> of size 1</a:t>
-            </a:r>
-          </a:p>
-          <a:p>
-            <a:pPr lvl="1"/>
-            <a:r>
-              <a:rPr lang="en-US" dirty="0" smtClean="0"/>
-              <a:t>Each sort </a:t>
-            </a:r>
-            <a:r>
-              <a:rPr lang="en-US" dirty="0" smtClean="0"/>
-              <a:t>involves initializing 258 entries of the count[</a:t>
-            </a:r>
-            <a:r>
-              <a:rPr lang="en-US" dirty="0" smtClean="0"/>
-              <a:t>]</a:t>
-            </a:r>
-            <a:endParaRPr lang="en-US" dirty="0" smtClean="0"/>
-          </a:p>
-          <a:p>
-            <a:r>
-              <a:rPr lang="en-US" dirty="0" smtClean="0"/>
-              <a:t>This cost is likely to dominate the rest of the </a:t>
-            </a:r>
-            <a:r>
-              <a:rPr lang="en-US" dirty="0" smtClean="0"/>
-              <a:t>sort. With </a:t>
-            </a:r>
-            <a:r>
-              <a:rPr lang="en-US" dirty="0" smtClean="0"/>
-              <a:t>Unicode (R=65536) the sort might be thousands of times slower.</a:t>
-            </a:r>
-          </a:p>
-          <a:p>
-            <a:r>
-              <a:rPr lang="en-US" dirty="0" smtClean="0"/>
-              <a:t>So switching </a:t>
-            </a:r>
-            <a:r>
-              <a:rPr lang="en-US" dirty="0" smtClean="0"/>
-              <a:t>to insertion sort for small </a:t>
-            </a:r>
-            <a:r>
-              <a:rPr lang="en-US" dirty="0" err="1" smtClean="0"/>
-              <a:t>subarrays</a:t>
-            </a:r>
-            <a:r>
-              <a:rPr lang="en-US" dirty="0" smtClean="0"/>
-              <a:t> is a must for MSD string </a:t>
-            </a:r>
-            <a:r>
-              <a:rPr lang="en-US" dirty="0" smtClean="0"/>
-              <a:t>sort</a:t>
-            </a:r>
-            <a:endParaRPr lang="en-US" dirty="0" smtClean="0"/>
-          </a:p>
-          <a:p>
-            <a:endParaRPr lang="en-US" dirty="0"/>
+              <a:t>For a proper sort, we need the subarray for strings whose characters have all been examined to appear as the first subarray, and we do not want to recursively sort this subarray</a:t>
+            </a:r>
+          </a:p>
+          <a:p>
+            <a:r>
+              <a:rPr lang="en-US" dirty="0"/>
+              <a:t>To facilitate this we need a method that returns – 1 if the specified position is past the end of the string</a:t>
+            </a:r>
+          </a:p>
+          <a:p>
+            <a:r>
+              <a:rPr lang="en-US" dirty="0"/>
+              <a:t> Then we will just add 1 to each return value, to get a nonnegative </a:t>
+            </a:r>
+            <a:r>
+              <a:rPr lang="en-US" dirty="0" err="1"/>
+              <a:t>int</a:t>
+            </a:r>
+            <a:r>
+              <a:rPr lang="en-US" dirty="0"/>
+              <a:t> that we can use to index count[]</a:t>
+            </a:r>
+          </a:p>
+          <a:p>
+            <a:r>
+              <a:rPr lang="en-US" dirty="0"/>
+              <a:t>This convention means that we have R+1 different possible character values at each string position: 0 to signify end of string, 1 for the first alphabet character, 2 for the second alphabet character, and so forth.</a:t>
+            </a:r>
+          </a:p>
+          <a:p>
+            <a:r>
+              <a:rPr lang="en-US" dirty="0"/>
+              <a:t>Since key-indexed counting already needs one extra position, we use the code </a:t>
+            </a:r>
+            <a:r>
+              <a:rPr lang="en-US" dirty="0" err="1"/>
+              <a:t>int</a:t>
+            </a:r>
+            <a:r>
+              <a:rPr lang="en-US" dirty="0"/>
+              <a:t> count[] = new </a:t>
+            </a:r>
+            <a:r>
+              <a:rPr lang="en-US" dirty="0" err="1"/>
+              <a:t>int</a:t>
+            </a:r>
+            <a:r>
+              <a:rPr lang="en-US" dirty="0"/>
+              <a:t>[R+2]; to create the array of frequency counts</a:t>
+            </a:r>
           </a:p>
         </p:txBody>
       </p:sp>
     </p:spTree>
     <p:extLst>
       <p:ext uri="{BB962C8B-B14F-4D97-AF65-F5344CB8AC3E}">
-        <p14:creationId xmlns:p14="http://schemas.microsoft.com/office/powerpoint/2010/main" val="285947517"/>
+        <p14:creationId xmlns:p14="http://schemas.microsoft.com/office/powerpoint/2010/main" val="2773729548"/>
       </p:ext>
     </p:extLst>
   </p:cSld>
@@ -6425,7 +9285,7 @@
 </p:sld>
 </file>
 
-<file path=ppt/slides/slide29.xml><?xml version="1.0" encoding="utf-8"?>
+<file path=ppt/slides/slide51.xml><?xml version="1.0" encoding="utf-8"?>
 <p:sld xmlns:a="http://schemas.openxmlformats.org/drawingml/2006/main" xmlns:r="http://schemas.openxmlformats.org/officeDocument/2006/relationships" xmlns:p="http://schemas.openxmlformats.org/presentationml/2006/main">
   <p:cSld>
     <p:spTree>
@@ -6458,10 +9318,178 @@
           <a:lstStyle/>
           <a:p>
             <a:r>
-              <a:rPr lang="en-US" dirty="0" smtClean="0"/>
+              <a:rPr lang="en-US" dirty="0"/>
+              <a:t>Small </a:t>
+            </a:r>
+            <a:r>
+              <a:rPr lang="en-US" dirty="0" err="1"/>
+              <a:t>subarrays</a:t>
+            </a:r>
+            <a:endParaRPr lang="en-US" dirty="0"/>
+          </a:p>
+        </p:txBody>
+      </p:sp>
+      <p:sp>
+        <p:nvSpPr>
+          <p:cNvPr id="3" name="Content Placeholder 2"/>
+          <p:cNvSpPr>
+            <a:spLocks noGrp="1"/>
+          </p:cNvSpPr>
+          <p:nvPr>
+            <p:ph idx="1"/>
+          </p:nvPr>
+        </p:nvSpPr>
+        <p:spPr/>
+        <p:txBody>
+          <a:bodyPr>
+            <a:normAutofit fontScale="77500" lnSpcReduction="20000"/>
+          </a:bodyPr>
+          <a:lstStyle/>
+          <a:p>
+            <a:r>
+              <a:rPr lang="en-US" dirty="0"/>
+              <a:t>We add a test to cutoff to insertion sort for small </a:t>
+            </a:r>
+          </a:p>
+          <a:p>
+            <a:r>
+              <a:rPr lang="en-US" dirty="0"/>
+              <a:t>Normally, strings are sorted after examining only a few characters in the key, means the method quickly divides the array to be sorted into small </a:t>
+            </a:r>
+            <a:r>
+              <a:rPr lang="en-US" dirty="0" err="1"/>
+              <a:t>subarrays</a:t>
+            </a:r>
+            <a:endParaRPr lang="en-US" dirty="0"/>
+          </a:p>
+          <a:p>
+            <a:r>
+              <a:rPr lang="en-US" dirty="0"/>
+              <a:t>So we need to handle huge numbers of tiny </a:t>
+            </a:r>
+            <a:r>
+              <a:rPr lang="en-US" dirty="0" err="1"/>
+              <a:t>subarrays</a:t>
+            </a:r>
+            <a:r>
+              <a:rPr lang="en-US" dirty="0"/>
+              <a:t>, therefore, we need to handle them efficiently</a:t>
+            </a:r>
+          </a:p>
+          <a:p>
+            <a:r>
+              <a:rPr lang="en-US" dirty="0"/>
+              <a:t>E.g., suppose that you are sorting millions of ASCII strings (R=256) that are all different, with no cutoff for small </a:t>
+            </a:r>
+            <a:r>
+              <a:rPr lang="en-US" dirty="0" err="1"/>
+              <a:t>subarrays</a:t>
+            </a:r>
+            <a:endParaRPr lang="en-US" dirty="0"/>
+          </a:p>
+          <a:p>
+            <a:pPr lvl="1"/>
+            <a:r>
+              <a:rPr lang="en-US" dirty="0"/>
+              <a:t>Each string eventually finds its way to its own subarray</a:t>
+            </a:r>
+          </a:p>
+          <a:p>
+            <a:pPr lvl="1"/>
+            <a:r>
+              <a:rPr lang="en-US" dirty="0"/>
+              <a:t>So you will sort millions of </a:t>
+            </a:r>
+            <a:r>
+              <a:rPr lang="en-US" dirty="0" err="1"/>
+              <a:t>subarrays</a:t>
+            </a:r>
+            <a:r>
+              <a:rPr lang="en-US" dirty="0"/>
+              <a:t> of size 1</a:t>
+            </a:r>
+          </a:p>
+          <a:p>
+            <a:pPr lvl="1"/>
+            <a:r>
+              <a:rPr lang="en-US" dirty="0"/>
+              <a:t>Each sort involves initializing 258 entries of the count[]</a:t>
+            </a:r>
+          </a:p>
+          <a:p>
+            <a:r>
+              <a:rPr lang="en-US" dirty="0"/>
+              <a:t>This cost is likely to dominate the rest of the sort. With Unicode (R=65536) the sort might be thousands of times slower.</a:t>
+            </a:r>
+          </a:p>
+          <a:p>
+            <a:r>
+              <a:rPr lang="en-US" dirty="0"/>
+              <a:t>So switching to insertion sort for small </a:t>
+            </a:r>
+            <a:r>
+              <a:rPr lang="en-US" dirty="0" err="1"/>
+              <a:t>subarrays</a:t>
+            </a:r>
+            <a:r>
+              <a:rPr lang="en-US" dirty="0"/>
+              <a:t> is a must for MSD string sort</a:t>
+            </a:r>
+          </a:p>
+          <a:p>
+            <a:endParaRPr lang="en-US" dirty="0"/>
+          </a:p>
+        </p:txBody>
+      </p:sp>
+    </p:spTree>
+    <p:extLst>
+      <p:ext uri="{BB962C8B-B14F-4D97-AF65-F5344CB8AC3E}">
+        <p14:creationId xmlns:p14="http://schemas.microsoft.com/office/powerpoint/2010/main" val="285947517"/>
+      </p:ext>
+    </p:extLst>
+  </p:cSld>
+  <p:clrMapOvr>
+    <a:masterClrMapping/>
+  </p:clrMapOvr>
+</p:sld>
+</file>
+
+<file path=ppt/slides/slide52.xml><?xml version="1.0" encoding="utf-8"?>
+<p:sld xmlns:a="http://schemas.openxmlformats.org/drawingml/2006/main" xmlns:r="http://schemas.openxmlformats.org/officeDocument/2006/relationships" xmlns:p="http://schemas.openxmlformats.org/presentationml/2006/main">
+  <p:cSld>
+    <p:spTree>
+      <p:nvGrpSpPr>
+        <p:cNvPr id="1" name=""/>
+        <p:cNvGrpSpPr/>
+        <p:nvPr/>
+      </p:nvGrpSpPr>
+      <p:grpSpPr>
+        <a:xfrm>
+          <a:off x="0" y="0"/>
+          <a:ext cx="0" cy="0"/>
+          <a:chOff x="0" y="0"/>
+          <a:chExt cx="0" cy="0"/>
+        </a:xfrm>
+      </p:grpSpPr>
+      <p:sp>
+        <p:nvSpPr>
+          <p:cNvPr id="2" name="Title 1"/>
+          <p:cNvSpPr>
+            <a:spLocks noGrp="1"/>
+          </p:cNvSpPr>
+          <p:nvPr>
+            <p:ph type="title"/>
+          </p:nvPr>
+        </p:nvSpPr>
+        <p:spPr/>
+        <p:txBody>
+          <a:bodyPr/>
+          <a:lstStyle/>
+          <a:p>
+            <a:r>
+              <a:rPr lang="en-US" dirty="0"/>
               <a:t>MSD String Sort Demo</a:t>
             </a:r>
-            <a:endParaRPr lang="en-US" dirty="0"/>
           </a:p>
         </p:txBody>
       </p:sp>
@@ -6512,18 +9540,13 @@
           <a:lstStyle/>
           <a:p>
             <a:r>
-              <a:rPr lang="en-US" dirty="0" smtClean="0">
+              <a:rPr lang="en-US" dirty="0">
                 <a:solidFill>
                   <a:srgbClr val="FF0000"/>
                 </a:solidFill>
               </a:rPr>
               <a:t>To be used later on</a:t>
             </a:r>
-            <a:endParaRPr lang="en-US" dirty="0">
-              <a:solidFill>
-                <a:srgbClr val="FF0000"/>
-              </a:solidFill>
-            </a:endParaRPr>
           </a:p>
         </p:txBody>
       </p:sp>
@@ -6561,41 +9584,8 @@
                 </a:solidFill>
                 <a:latin typeface="Calibri"/>
               </a:rPr>
-              <a:t>To avoid the cost of reexamining characters that we know to be equal, we use the </a:t>
-            </a:r>
-            <a:r>
-              <a:rPr lang="en-US" sz="2000" dirty="0" smtClean="0">
-                <a:solidFill>
-                  <a:prstClr val="black"/>
-                </a:solidFill>
-                <a:latin typeface="Calibri"/>
-              </a:rPr>
-              <a:t>insertion sort, </a:t>
-            </a:r>
-            <a:r>
-              <a:rPr lang="en-US" sz="2000" dirty="0">
-                <a:solidFill>
-                  <a:prstClr val="black"/>
-                </a:solidFill>
-                <a:latin typeface="Calibri"/>
-              </a:rPr>
-              <a:t>which takes an extra argument d and assumes that the first d characters of all the strings to be sorted are </a:t>
-            </a:r>
-            <a:r>
-              <a:rPr lang="en-US" sz="2000" dirty="0" smtClean="0">
-                <a:solidFill>
-                  <a:prstClr val="black"/>
-                </a:solidFill>
-                <a:latin typeface="Calibri"/>
-              </a:rPr>
-              <a:t>equal</a:t>
-            </a:r>
-            <a:endParaRPr lang="en-US" sz="2000" dirty="0">
-              <a:solidFill>
-                <a:prstClr val="black"/>
-              </a:solidFill>
-              <a:latin typeface="Calibri"/>
-            </a:endParaRPr>
+              <a:t>To avoid the cost of reexamining characters that we know to be equal, we use the insertion sort, which takes an extra argument d and assumes that the first d characters of all the strings to be sorted are equal</a:t>
+            </a:r>
           </a:p>
         </p:txBody>
       </p:sp>
@@ -6612,7 +9602,7 @@
 </p:sld>
 </file>
 
-<file path=ppt/slides/slide3.xml><?xml version="1.0" encoding="utf-8"?>
+<file path=ppt/slides/slide53.xml><?xml version="1.0" encoding="utf-8"?>
 <p:sld xmlns:a="http://schemas.openxmlformats.org/drawingml/2006/main" xmlns:r="http://schemas.openxmlformats.org/officeDocument/2006/relationships" xmlns:p="http://schemas.openxmlformats.org/presentationml/2006/main">
   <p:cSld>
     <p:spTree>
@@ -6645,188 +9635,9 @@
           <a:lstStyle/>
           <a:p>
             <a:r>
-              <a:rPr lang="en-US" dirty="0" smtClean="0"/>
-              <a:t>Concepts overview</a:t>
-            </a:r>
-            <a:endParaRPr lang="en-US" dirty="0"/>
-          </a:p>
-        </p:txBody>
-      </p:sp>
-      <p:sp>
-        <p:nvSpPr>
-          <p:cNvPr id="3" name="Content Placeholder 2"/>
-          <p:cNvSpPr>
-            <a:spLocks noGrp="1"/>
-          </p:cNvSpPr>
-          <p:nvPr>
-            <p:ph idx="1"/>
-          </p:nvPr>
-        </p:nvSpPr>
-        <p:spPr/>
-        <p:txBody>
-          <a:bodyPr>
-            <a:normAutofit fontScale="92500" lnSpcReduction="20000"/>
-          </a:bodyPr>
-          <a:lstStyle/>
-          <a:p>
-            <a:r>
-              <a:rPr lang="en-US" dirty="0" smtClean="0"/>
-              <a:t>Characters</a:t>
-            </a:r>
-          </a:p>
-          <a:p>
-            <a:pPr lvl="1"/>
-            <a:r>
-              <a:rPr lang="en-US" dirty="0" smtClean="0"/>
-              <a:t>A String is a sequence of characters</a:t>
-            </a:r>
-          </a:p>
-          <a:p>
-            <a:pPr lvl="1"/>
-            <a:r>
-              <a:rPr lang="en-US" dirty="0" smtClean="0"/>
-              <a:t>Characters are of type char and can have one </a:t>
-            </a:r>
-            <a:r>
-              <a:rPr lang="en-US" dirty="0" smtClean="0"/>
-              <a:t>of maximum </a:t>
-            </a:r>
-            <a:r>
-              <a:rPr lang="en-US" dirty="0" smtClean="0"/>
-              <a:t>2</a:t>
-            </a:r>
-            <a:r>
-              <a:rPr lang="en-US" baseline="30000" dirty="0" smtClean="0"/>
-              <a:t>16</a:t>
-            </a:r>
-            <a:r>
-              <a:rPr lang="en-US" dirty="0" smtClean="0"/>
-              <a:t> possible values (may be 7-bit ASCII, 8-bit extended ASCII or 16-bit Unicode)</a:t>
-            </a:r>
-          </a:p>
-          <a:p>
-            <a:r>
-              <a:rPr lang="en-US" dirty="0" smtClean="0"/>
-              <a:t>Immutability</a:t>
-            </a:r>
-          </a:p>
-          <a:p>
-            <a:pPr lvl="1"/>
-            <a:r>
-              <a:rPr lang="en-US" dirty="0" smtClean="0"/>
-              <a:t>String objects are immutable </a:t>
-            </a:r>
-          </a:p>
-          <a:p>
-            <a:pPr lvl="1"/>
-            <a:r>
-              <a:rPr lang="en-US" dirty="0" smtClean="0"/>
-              <a:t>It means they can be used in assignment </a:t>
-            </a:r>
-            <a:r>
-              <a:rPr lang="en-US" dirty="0" smtClean="0"/>
-              <a:t>statements, return </a:t>
-            </a:r>
-            <a:r>
-              <a:rPr lang="en-US" dirty="0" smtClean="0"/>
-              <a:t>values from methods </a:t>
-            </a:r>
-            <a:r>
-              <a:rPr lang="en-US" dirty="0" smtClean="0"/>
-              <a:t>and </a:t>
-            </a:r>
-            <a:r>
-              <a:rPr lang="en-US" dirty="0" smtClean="0"/>
-              <a:t>their values will not change</a:t>
-            </a:r>
-          </a:p>
-          <a:p>
-            <a:r>
-              <a:rPr lang="en-US" dirty="0" smtClean="0"/>
-              <a:t>Indexing</a:t>
-            </a:r>
-          </a:p>
-          <a:p>
-            <a:pPr lvl="1"/>
-            <a:r>
-              <a:rPr lang="en-US" dirty="0" smtClean="0"/>
-              <a:t>Can be used to extract specified character from a string</a:t>
-            </a:r>
-          </a:p>
-          <a:p>
-            <a:pPr lvl="1"/>
-            <a:r>
-              <a:rPr lang="en-US" dirty="0" err="1" smtClean="0"/>
-              <a:t>charArt</a:t>
-            </a:r>
-            <a:r>
-              <a:rPr lang="en-US" dirty="0" smtClean="0"/>
-              <a:t>() method is Java’s String method used for this</a:t>
-            </a:r>
-          </a:p>
-          <a:p>
-            <a:pPr lvl="1"/>
-            <a:endParaRPr lang="en-US" dirty="0"/>
-          </a:p>
-        </p:txBody>
-      </p:sp>
-    </p:spTree>
-    <p:extLst>
-      <p:ext uri="{BB962C8B-B14F-4D97-AF65-F5344CB8AC3E}">
-        <p14:creationId xmlns:p14="http://schemas.microsoft.com/office/powerpoint/2010/main" val="4115632178"/>
-      </p:ext>
-    </p:extLst>
-  </p:cSld>
-  <p:clrMapOvr>
-    <a:masterClrMapping/>
-  </p:clrMapOvr>
-  <p:timing>
-    <p:tnLst>
-      <p:par>
-        <p:cTn xmlns:p14="http://schemas.microsoft.com/office/powerpoint/2010/main" id="1" dur="indefinite" restart="never" nodeType="tmRoot"/>
-      </p:par>
-    </p:tnLst>
-  </p:timing>
-</p:sld>
-</file>
-
-<file path=ppt/slides/slide30.xml><?xml version="1.0" encoding="utf-8"?>
-<p:sld xmlns:a="http://schemas.openxmlformats.org/drawingml/2006/main" xmlns:r="http://schemas.openxmlformats.org/officeDocument/2006/relationships" xmlns:p="http://schemas.openxmlformats.org/presentationml/2006/main">
-  <p:cSld>
-    <p:spTree>
-      <p:nvGrpSpPr>
-        <p:cNvPr id="1" name=""/>
-        <p:cNvGrpSpPr/>
-        <p:nvPr/>
-      </p:nvGrpSpPr>
-      <p:grpSpPr>
-        <a:xfrm>
-          <a:off x="0" y="0"/>
-          <a:ext cx="0" cy="0"/>
-          <a:chOff x="0" y="0"/>
-          <a:chExt cx="0" cy="0"/>
-        </a:xfrm>
-      </p:grpSpPr>
-      <p:sp>
-        <p:nvSpPr>
-          <p:cNvPr id="2" name="Title 1"/>
-          <p:cNvSpPr>
-            <a:spLocks noGrp="1"/>
-          </p:cNvSpPr>
-          <p:nvPr>
-            <p:ph type="title"/>
-          </p:nvPr>
-        </p:nvSpPr>
-        <p:spPr/>
-        <p:txBody>
-          <a:bodyPr/>
-          <a:lstStyle/>
-          <a:p>
-            <a:r>
-              <a:rPr lang="en-US" dirty="0" smtClean="0"/>
+              <a:rPr lang="en-US" dirty="0"/>
               <a:t>MSD String Sort Demo</a:t>
             </a:r>
-            <a:endParaRPr lang="en-US" dirty="0"/>
           </a:p>
         </p:txBody>
       </p:sp>
@@ -6867,7 +9678,7 @@
 </p:sld>
 </file>
 
-<file path=ppt/slides/slide31.xml><?xml version="1.0" encoding="utf-8"?>
+<file path=ppt/slides/slide54.xml><?xml version="1.0" encoding="utf-8"?>
 <p:sld xmlns:a="http://schemas.openxmlformats.org/drawingml/2006/main" xmlns:r="http://schemas.openxmlformats.org/officeDocument/2006/relationships" xmlns:p="http://schemas.openxmlformats.org/presentationml/2006/main">
   <p:cSld>
     <p:spTree>
@@ -6943,7 +9754,7 @@
 </p:sld>
 </file>
 
-<file path=ppt/slides/slide32.xml><?xml version="1.0" encoding="utf-8"?>
+<file path=ppt/slides/slide55.xml><?xml version="1.0" encoding="utf-8"?>
 <p:sld xmlns:a="http://schemas.openxmlformats.org/drawingml/2006/main" xmlns:r="http://schemas.openxmlformats.org/officeDocument/2006/relationships" xmlns:p="http://schemas.openxmlformats.org/presentationml/2006/main">
   <p:cSld>
     <p:spTree>
@@ -7019,7 +9830,7 @@
 </p:sld>
 </file>
 
-<file path=ppt/slides/slide33.xml><?xml version="1.0" encoding="utf-8"?>
+<file path=ppt/slides/slide56.xml><?xml version="1.0" encoding="utf-8"?>
 <p:sld xmlns:a="http://schemas.openxmlformats.org/drawingml/2006/main" xmlns:r="http://schemas.openxmlformats.org/officeDocument/2006/relationships" xmlns:p="http://schemas.openxmlformats.org/presentationml/2006/main">
   <p:cSld>
     <p:spTree>
@@ -7095,7 +9906,7 @@
 </p:sld>
 </file>
 
-<file path=ppt/slides/slide34.xml><?xml version="1.0" encoding="utf-8"?>
+<file path=ppt/slides/slide57.xml><?xml version="1.0" encoding="utf-8"?>
 <p:sld xmlns:a="http://schemas.openxmlformats.org/drawingml/2006/main" xmlns:r="http://schemas.openxmlformats.org/officeDocument/2006/relationships" xmlns:p="http://schemas.openxmlformats.org/presentationml/2006/main">
   <p:cSld>
     <p:spTree>
@@ -7128,10 +9939,9 @@
           <a:lstStyle/>
           <a:p>
             <a:r>
-              <a:rPr lang="en-US" dirty="0" smtClean="0"/>
+              <a:rPr lang="en-US" dirty="0"/>
               <a:t>Trace of MSD string sort</a:t>
             </a:r>
-            <a:endParaRPr lang="en-US" dirty="0"/>
           </a:p>
         </p:txBody>
       </p:sp>
@@ -7172,7 +9982,7 @@
 </p:sld>
 </file>
 
-<file path=ppt/slides/slide35.xml><?xml version="1.0" encoding="utf-8"?>
+<file path=ppt/slides/slide58.xml><?xml version="1.0" encoding="utf-8"?>
 <p:sld xmlns:a="http://schemas.openxmlformats.org/drawingml/2006/main" xmlns:r="http://schemas.openxmlformats.org/officeDocument/2006/relationships" xmlns:p="http://schemas.openxmlformats.org/presentationml/2006/main">
   <p:cSld>
     <p:spTree>
@@ -7205,10 +10015,9 @@
           <a:lstStyle/>
           <a:p>
             <a:r>
-              <a:rPr lang="en-US" dirty="0" smtClean="0"/>
+              <a:rPr lang="en-US" dirty="0"/>
               <a:t>Three-way string quicksort*</a:t>
             </a:r>
-            <a:endParaRPr lang="en-US" dirty="0"/>
           </a:p>
         </p:txBody>
       </p:sp>
@@ -7235,25 +10044,25 @@
           <a:lstStyle/>
           <a:p>
             <a:r>
-              <a:rPr lang="en-US" dirty="0" smtClean="0"/>
+              <a:rPr lang="en-US" dirty="0"/>
               <a:t>We can also adapt quicksort to MSD string sorting by using 3-way partitioning on the leading character of the keys</a:t>
             </a:r>
           </a:p>
           <a:p>
             <a:r>
-              <a:rPr lang="en-US" dirty="0" smtClean="0"/>
+              <a:rPr lang="en-US" dirty="0"/>
               <a:t>Moving to the next character on only the middle subarray (keys with leading character equal to the partitioning character)</a:t>
             </a:r>
           </a:p>
           <a:p>
             <a:r>
-              <a:rPr lang="en-US" dirty="0" smtClean="0"/>
+              <a:rPr lang="en-US" dirty="0"/>
               <a:t>We just add an argument to the recursive method to keep track of the current character, and appropriately modify the recursive calls</a:t>
             </a:r>
           </a:p>
           <a:p>
             <a:r>
-              <a:rPr lang="en-US" dirty="0" smtClean="0"/>
+              <a:rPr lang="en-US" dirty="0"/>
               <a:t>*: This is optional for this course, please read the reference book for further details if you are interested</a:t>
             </a:r>
           </a:p>
@@ -7296,7 +10105,7 @@
 </p:sld>
 </file>
 
-<file path=ppt/slides/slide36.xml><?xml version="1.0" encoding="utf-8"?>
+<file path=ppt/slides/slide59.xml><?xml version="1.0" encoding="utf-8"?>
 <p:sld xmlns:a="http://schemas.openxmlformats.org/drawingml/2006/main" xmlns:r="http://schemas.openxmlformats.org/officeDocument/2006/relationships" xmlns:p="http://schemas.openxmlformats.org/presentationml/2006/main">
   <p:cSld>
     <p:spTree>
@@ -7329,10 +10138,263 @@
           <a:lstStyle/>
           <a:p>
             <a:r>
-              <a:rPr lang="en-US" dirty="0" smtClean="0"/>
+              <a:rPr lang="en-US" dirty="0"/>
+              <a:t>Henry: in-place and out-of-space</a:t>
+            </a:r>
+          </a:p>
+        </p:txBody>
+      </p:sp>
+      <p:sp>
+        <p:nvSpPr>
+          <p:cNvPr id="3" name="Content Placeholder 2"/>
+          <p:cNvSpPr>
+            <a:spLocks noGrp="1"/>
+          </p:cNvSpPr>
+          <p:nvPr>
+            <p:ph idx="1"/>
+          </p:nvPr>
+        </p:nvSpPr>
+        <p:spPr/>
+        <p:txBody>
+          <a:bodyPr/>
+          <a:lstStyle/>
+          <a:p>
+            <a:r>
+              <a:rPr lang="en-US" dirty="0"/>
+              <a:t>We want in-place sorting because</a:t>
+            </a:r>
+          </a:p>
+          <a:p>
+            <a:pPr lvl="1"/>
+            <a:r>
+              <a:rPr lang="en-US" dirty="0"/>
+              <a:t>We don’t want to waste storage</a:t>
+            </a:r>
+          </a:p>
+          <a:p>
+            <a:pPr lvl="1"/>
+            <a:r>
+              <a:rPr lang="en-US" dirty="0"/>
+              <a:t>We don't want </a:t>
+            </a:r>
+            <a:r>
+              <a:rPr lang="en-US" dirty="0" err="1"/>
+              <a:t>alloc</a:t>
+            </a:r>
+            <a:r>
+              <a:rPr lang="en-US" dirty="0"/>
+              <a:t> / </a:t>
+            </a:r>
+            <a:r>
+              <a:rPr lang="en-US" dirty="0" err="1"/>
+              <a:t>dealloc</a:t>
+            </a:r>
+            <a:r>
+              <a:rPr lang="en-US" dirty="0"/>
+              <a:t> to be called all the time</a:t>
+            </a:r>
+          </a:p>
+          <a:p>
+            <a:r>
+              <a:rPr lang="en-US" dirty="0"/>
+              <a:t>We cannot avoid out-of-space sorting if</a:t>
+            </a:r>
+          </a:p>
+          <a:p>
+            <a:pPr lvl="1"/>
+            <a:r>
+              <a:rPr lang="en-US" dirty="0"/>
+              <a:t>We need many machines (map-reduce)</a:t>
+            </a:r>
+          </a:p>
+          <a:p>
+            <a:pPr lvl="1"/>
+            <a:r>
+              <a:rPr lang="en-US" dirty="0"/>
+              <a:t>We need temporary storage (merge sort)</a:t>
+            </a:r>
+          </a:p>
+          <a:p>
+            <a:pPr lvl="1"/>
+            <a:r>
+              <a:rPr lang="en-US" dirty="0"/>
+              <a:t>We need to simplify the code (reusing may cause more exchanging operations)</a:t>
+            </a:r>
+          </a:p>
+          <a:p>
+            <a:pPr lvl="1"/>
+            <a:r>
+              <a:rPr lang="en-US" dirty="0"/>
+              <a:t>We don’t have enough memory to sort (large files do not fit the RAM)</a:t>
+            </a:r>
+          </a:p>
+        </p:txBody>
+      </p:sp>
+    </p:spTree>
+    <p:extLst>
+      <p:ext uri="{BB962C8B-B14F-4D97-AF65-F5344CB8AC3E}">
+        <p14:creationId xmlns:p14="http://schemas.microsoft.com/office/powerpoint/2010/main" val="2147117384"/>
+      </p:ext>
+    </p:extLst>
+  </p:cSld>
+  <p:clrMapOvr>
+    <a:masterClrMapping/>
+  </p:clrMapOvr>
+</p:sld>
+</file>
+
+<file path=ppt/slides/slide6.xml><?xml version="1.0" encoding="utf-8"?>
+<p:sld xmlns:a="http://schemas.openxmlformats.org/drawingml/2006/main" xmlns:r="http://schemas.openxmlformats.org/officeDocument/2006/relationships" xmlns:p="http://schemas.openxmlformats.org/presentationml/2006/main">
+  <p:cSld>
+    <p:spTree>
+      <p:nvGrpSpPr>
+        <p:cNvPr id="1" name=""/>
+        <p:cNvGrpSpPr/>
+        <p:nvPr/>
+      </p:nvGrpSpPr>
+      <p:grpSpPr>
+        <a:xfrm>
+          <a:off x="0" y="0"/>
+          <a:ext cx="0" cy="0"/>
+          <a:chOff x="0" y="0"/>
+          <a:chExt cx="0" cy="0"/>
+        </a:xfrm>
+      </p:grpSpPr>
+      <p:sp>
+        <p:nvSpPr>
+          <p:cNvPr id="2" name="Title 1"/>
+          <p:cNvSpPr>
+            <a:spLocks noGrp="1"/>
+          </p:cNvSpPr>
+          <p:nvPr>
+            <p:ph type="title"/>
+          </p:nvPr>
+        </p:nvSpPr>
+        <p:spPr/>
+        <p:txBody>
+          <a:bodyPr/>
+          <a:lstStyle/>
+          <a:p>
+            <a:r>
+              <a:rPr lang="en-US" dirty="0"/>
+              <a:t>Concepts overview</a:t>
+            </a:r>
+          </a:p>
+        </p:txBody>
+      </p:sp>
+      <p:sp>
+        <p:nvSpPr>
+          <p:cNvPr id="3" name="Content Placeholder 2"/>
+          <p:cNvSpPr>
+            <a:spLocks noGrp="1"/>
+          </p:cNvSpPr>
+          <p:nvPr>
+            <p:ph idx="1"/>
+          </p:nvPr>
+        </p:nvSpPr>
+        <p:spPr/>
+        <p:txBody>
+          <a:bodyPr/>
+          <a:lstStyle/>
+          <a:p>
+            <a:r>
+              <a:rPr lang="en-US" dirty="0"/>
+              <a:t>Character arrays</a:t>
+            </a:r>
+          </a:p>
+          <a:p>
+            <a:pPr lvl="1"/>
+            <a:r>
+              <a:rPr lang="en-US" dirty="0"/>
+              <a:t>Java String class is not primitive type, but it’s a class with operations to support client use</a:t>
+            </a:r>
+          </a:p>
+          <a:p>
+            <a:pPr lvl="1"/>
+            <a:r>
+              <a:rPr lang="en-US" dirty="0"/>
+              <a:t>Many algorithms can work with String as low-level representation (array of char values)</a:t>
+            </a:r>
+          </a:p>
+          <a:p>
+            <a:pPr lvl="1"/>
+            <a:endParaRPr lang="en-US" dirty="0"/>
+          </a:p>
+        </p:txBody>
+      </p:sp>
+      <p:pic>
+        <p:nvPicPr>
+          <p:cNvPr id="4" name="Picture 3"/>
+          <p:cNvPicPr>
+            <a:picLocks noChangeAspect="1"/>
+          </p:cNvPicPr>
+          <p:nvPr/>
+        </p:nvPicPr>
+        <p:blipFill>
+          <a:blip r:embed="rId2"/>
+          <a:stretch>
+            <a:fillRect/>
+          </a:stretch>
+        </p:blipFill>
+        <p:spPr>
+          <a:xfrm>
+            <a:off x="0" y="3652684"/>
+            <a:ext cx="9144000" cy="2900516"/>
+          </a:xfrm>
+          <a:prstGeom prst="rect">
+            <a:avLst/>
+          </a:prstGeom>
+        </p:spPr>
+      </p:pic>
+    </p:spTree>
+    <p:extLst>
+      <p:ext uri="{BB962C8B-B14F-4D97-AF65-F5344CB8AC3E}">
+        <p14:creationId xmlns:p14="http://schemas.microsoft.com/office/powerpoint/2010/main" val="2862154070"/>
+      </p:ext>
+    </p:extLst>
+  </p:cSld>
+  <p:clrMapOvr>
+    <a:masterClrMapping/>
+  </p:clrMapOvr>
+</p:sld>
+</file>
+
+<file path=ppt/slides/slide60.xml><?xml version="1.0" encoding="utf-8"?>
+<p:sld xmlns:a="http://schemas.openxmlformats.org/drawingml/2006/main" xmlns:r="http://schemas.openxmlformats.org/officeDocument/2006/relationships" xmlns:p="http://schemas.openxmlformats.org/presentationml/2006/main">
+  <p:cSld>
+    <p:spTree>
+      <p:nvGrpSpPr>
+        <p:cNvPr id="1" name=""/>
+        <p:cNvGrpSpPr/>
+        <p:nvPr/>
+      </p:nvGrpSpPr>
+      <p:grpSpPr>
+        <a:xfrm>
+          <a:off x="0" y="0"/>
+          <a:ext cx="0" cy="0"/>
+          <a:chOff x="0" y="0"/>
+          <a:chExt cx="0" cy="0"/>
+        </a:xfrm>
+      </p:grpSpPr>
+      <p:sp>
+        <p:nvSpPr>
+          <p:cNvPr id="2" name="Title 1"/>
+          <p:cNvSpPr>
+            <a:spLocks noGrp="1"/>
+          </p:cNvSpPr>
+          <p:nvPr>
+            <p:ph type="title"/>
+          </p:nvPr>
+        </p:nvSpPr>
+        <p:spPr/>
+        <p:txBody>
+          <a:bodyPr/>
+          <a:lstStyle/>
+          <a:p>
+            <a:r>
+              <a:rPr lang="en-US" dirty="0"/>
               <a:t>What algorithm should I use?</a:t>
             </a:r>
-            <a:endParaRPr lang="en-US" dirty="0"/>
           </a:p>
         </p:txBody>
       </p:sp>
@@ -7373,7 +10435,7 @@
 </p:sld>
 </file>
 
-<file path=ppt/slides/slide37.xml><?xml version="1.0" encoding="utf-8"?>
+<file path=ppt/slides/slide61.xml><?xml version="1.0" encoding="utf-8"?>
 <p:sld xmlns:a="http://schemas.openxmlformats.org/drawingml/2006/main" xmlns:r="http://schemas.openxmlformats.org/officeDocument/2006/relationships" xmlns:p="http://schemas.openxmlformats.org/presentationml/2006/main">
   <p:cSld>
     <p:spTree>
@@ -7392,7 +10454,7 @@
       </p:grpSpPr>
       <p:sp>
         <p:nvSpPr>
-          <p:cNvPr id="4" name="Title 3"/>
+          <p:cNvPr id="2" name="Title 1"/>
           <p:cNvSpPr>
             <a:spLocks noGrp="1"/>
           </p:cNvSpPr>
@@ -7406,21 +10468,20 @@
           <a:lstStyle/>
           <a:p>
             <a:r>
-              <a:rPr lang="en-US" dirty="0" smtClean="0"/>
-              <a:t>tries</a:t>
-            </a:r>
-            <a:endParaRPr lang="en-US" dirty="0"/>
-          </a:p>
-        </p:txBody>
-      </p:sp>
-      <p:sp>
-        <p:nvSpPr>
-          <p:cNvPr id="5" name="Text Placeholder 4"/>
-          <p:cNvSpPr>
-            <a:spLocks noGrp="1"/>
-          </p:cNvSpPr>
-          <p:nvPr>
-            <p:ph type="body" idx="1"/>
+              <a:rPr lang="en-US" dirty="0"/>
+              <a:t>Summaries</a:t>
+            </a:r>
+          </a:p>
+        </p:txBody>
+      </p:sp>
+      <p:sp>
+        <p:nvSpPr>
+          <p:cNvPr id="3" name="Content Placeholder 2"/>
+          <p:cNvSpPr>
+            <a:spLocks noGrp="1"/>
+          </p:cNvSpPr>
+          <p:nvPr>
+            <p:ph idx="1"/>
           </p:nvPr>
         </p:nvSpPr>
         <p:spPr/>
@@ -7428,14 +10489,75 @@
           <a:bodyPr/>
           <a:lstStyle/>
           <a:p>
-            <a:endParaRPr lang="en-US"/>
+            <a:r>
+              <a:rPr lang="en-US" dirty="0"/>
+              <a:t>Concepts overview</a:t>
+            </a:r>
+          </a:p>
+          <a:p>
+            <a:pPr lvl="1"/>
+            <a:r>
+              <a:rPr lang="en-US" dirty="0"/>
+              <a:t>String representation and String manipulation</a:t>
+            </a:r>
+          </a:p>
+          <a:p>
+            <a:r>
+              <a:rPr lang="en-US" dirty="0"/>
+              <a:t>String sorts</a:t>
+            </a:r>
+          </a:p>
+          <a:p>
+            <a:pPr lvl="1"/>
+            <a:r>
+              <a:rPr lang="en-US" dirty="0"/>
+              <a:t>Key-indexed counting</a:t>
+            </a:r>
+          </a:p>
+          <a:p>
+            <a:pPr lvl="1"/>
+            <a:r>
+              <a:rPr lang="en-US" dirty="0"/>
+              <a:t>LSD string sorts</a:t>
+            </a:r>
+          </a:p>
+          <a:p>
+            <a:pPr lvl="1"/>
+            <a:r>
+              <a:rPr lang="en-US" dirty="0"/>
+              <a:t>MSD string sorts</a:t>
+            </a:r>
+          </a:p>
+          <a:p>
+            <a:r>
+              <a:rPr lang="en-US" dirty="0"/>
+              <a:t>String search</a:t>
+            </a:r>
+          </a:p>
+          <a:p>
+            <a:pPr lvl="1"/>
+            <a:r>
+              <a:rPr lang="en-US" dirty="0"/>
+              <a:t>Tries</a:t>
+            </a:r>
+          </a:p>
+          <a:p>
+            <a:pPr lvl="1"/>
+            <a:r>
+              <a:rPr lang="en-US" dirty="0" err="1"/>
+              <a:t>TrieST</a:t>
+            </a:r>
+            <a:r>
+              <a:rPr lang="en-US" dirty="0"/>
+              <a:t> API</a:t>
+            </a:r>
           </a:p>
         </p:txBody>
       </p:sp>
     </p:spTree>
     <p:extLst>
       <p:ext uri="{BB962C8B-B14F-4D97-AF65-F5344CB8AC3E}">
-        <p14:creationId xmlns:p14="http://schemas.microsoft.com/office/powerpoint/2010/main" val="4219583122"/>
+        <p14:creationId xmlns:p14="http://schemas.microsoft.com/office/powerpoint/2010/main" val="579784365"/>
       </p:ext>
     </p:extLst>
   </p:cSld>
@@ -7445,7 +10567,7 @@
 </p:sld>
 </file>
 
-<file path=ppt/slides/slide38.xml><?xml version="1.0" encoding="utf-8"?>
+<file path=ppt/slides/slide7.xml><?xml version="1.0" encoding="utf-8"?>
 <p:sld xmlns:a="http://schemas.openxmlformats.org/drawingml/2006/main" xmlns:r="http://schemas.openxmlformats.org/officeDocument/2006/relationships" xmlns:p="http://schemas.openxmlformats.org/presentationml/2006/main">
   <p:cSld>
     <p:spTree>
@@ -7464,85 +10586,95 @@
       </p:grpSpPr>
       <p:sp>
         <p:nvSpPr>
-          <p:cNvPr id="2" name="Title 1"/>
-          <p:cNvSpPr>
-            <a:spLocks noGrp="1"/>
-          </p:cNvSpPr>
-          <p:nvPr>
-            <p:ph type="title"/>
-          </p:nvPr>
-        </p:nvSpPr>
-        <p:spPr/>
-        <p:txBody>
-          <a:bodyPr/>
+          <p:cNvPr id="2" name="Rectangle 1"/>
+          <p:cNvSpPr/>
+          <p:nvPr/>
+        </p:nvSpPr>
+        <p:spPr>
+          <a:xfrm rot="19831809">
+            <a:off x="1489081" y="2513380"/>
+            <a:ext cx="6032421" cy="1754326"/>
+          </a:xfrm>
+          <a:prstGeom prst="rect">
+            <a:avLst/>
+          </a:prstGeom>
+          <a:noFill/>
+        </p:spPr>
+        <p:txBody>
+          <a:bodyPr wrap="none" lIns="91440" tIns="45720" rIns="91440" bIns="45720">
+            <a:spAutoFit/>
+          </a:bodyPr>
           <a:lstStyle/>
           <a:p>
-            <a:r>
-              <a:rPr lang="en-US" dirty="0" smtClean="0"/>
-              <a:t>General purpose search </a:t>
-            </a:r>
-            <a:r>
-              <a:rPr lang="en-US" dirty="0" err="1" smtClean="0"/>
-              <a:t>vs</a:t>
-            </a:r>
-            <a:r>
-              <a:rPr lang="en-US" dirty="0" smtClean="0"/>
-              <a:t> </a:t>
-            </a:r>
-            <a:r>
-              <a:rPr lang="en-US" dirty="0" err="1" smtClean="0"/>
-              <a:t>Trie</a:t>
-            </a:r>
-            <a:endParaRPr lang="en-US" dirty="0"/>
-          </a:p>
-        </p:txBody>
-      </p:sp>
-      <p:sp>
-        <p:nvSpPr>
-          <p:cNvPr id="3" name="Content Placeholder 2"/>
-          <p:cNvSpPr>
-            <a:spLocks noGrp="1"/>
-          </p:cNvSpPr>
-          <p:nvPr>
-            <p:ph idx="1"/>
-          </p:nvPr>
-        </p:nvSpPr>
-        <p:spPr/>
-        <p:txBody>
-          <a:bodyPr/>
-          <a:lstStyle/>
-          <a:p>
-            <a:r>
-              <a:rPr lang="en-US" dirty="0" smtClean="0"/>
-              <a:t>We can make use of String properties in order to develop search method </a:t>
-            </a:r>
-            <a:r>
-              <a:rPr lang="en-US" dirty="0" smtClean="0"/>
-              <a:t>which is more efficient than </a:t>
-            </a:r>
-            <a:r>
-              <a:rPr lang="en-US" dirty="0" smtClean="0"/>
-              <a:t>general purpose methods, like:</a:t>
-            </a:r>
-          </a:p>
-          <a:p>
-            <a:pPr lvl="1"/>
-            <a:r>
-              <a:rPr lang="en-US" dirty="0" smtClean="0"/>
-              <a:t>Search hits take time proportional to the length of the search key</a:t>
-            </a:r>
-          </a:p>
-          <a:p>
-            <a:pPr lvl="1"/>
-            <a:r>
-              <a:rPr lang="en-US" dirty="0" smtClean="0"/>
-              <a:t>Search misses involve examining only a few characters</a:t>
-            </a:r>
-          </a:p>
-          <a:p>
-            <a:r>
-              <a:rPr lang="en-US" dirty="0" smtClean="0"/>
-              <a:t>We can use symbol-table API with also character-based operation as Data Structure for String search</a:t>
+            <a:pPr algn="ctr"/>
+            <a:r>
+              <a:rPr lang="en-US" sz="5400" b="1" cap="none" spc="0" dirty="0">
+                <a:ln w="9525">
+                  <a:solidFill>
+                    <a:schemeClr val="bg1"/>
+                  </a:solidFill>
+                  <a:prstDash val="solid"/>
+                </a:ln>
+                <a:solidFill>
+                  <a:schemeClr val="accent5"/>
+                </a:solidFill>
+                <a:effectLst>
+                  <a:outerShdw blurRad="12700" dist="38100" dir="2700000" algn="tl" rotWithShape="0">
+                    <a:schemeClr val="accent5">
+                      <a:lumMod val="60000"/>
+                      <a:lumOff val="40000"/>
+                    </a:schemeClr>
+                  </a:outerShdw>
+                </a:effectLst>
+              </a:rPr>
+              <a:t>tries</a:t>
+            </a:r>
+          </a:p>
+          <a:p>
+            <a:pPr algn="ctr"/>
+            <a:r>
+              <a:rPr lang="en-US" sz="5400" b="1" dirty="0">
+                <a:ln w="9525">
+                  <a:solidFill>
+                    <a:schemeClr val="bg1"/>
+                  </a:solidFill>
+                  <a:prstDash val="solid"/>
+                </a:ln>
+                <a:solidFill>
+                  <a:schemeClr val="accent5"/>
+                </a:solidFill>
+                <a:effectLst>
+                  <a:outerShdw blurRad="12700" dist="38100" dir="2700000" algn="tl" rotWithShape="0">
+                    <a:schemeClr val="accent5">
+                      <a:lumMod val="60000"/>
+                      <a:lumOff val="40000"/>
+                    </a:schemeClr>
+                  </a:outerShdw>
+                </a:effectLst>
+              </a:rPr>
+              <a:t>(</a:t>
+            </a:r>
+            <a:r>
+              <a:rPr lang="en-US" sz="5400" b="1" cap="none" spc="0" dirty="0">
+                <a:ln w="9525">
+                  <a:solidFill>
+                    <a:schemeClr val="bg1"/>
+                  </a:solidFill>
+                  <a:prstDash val="solid"/>
+                </a:ln>
+                <a:solidFill>
+                  <a:schemeClr val="accent5"/>
+                </a:solidFill>
+                <a:effectLst>
+                  <a:outerShdw blurRad="12700" dist="38100" dir="2700000" algn="tl" rotWithShape="0">
+                    <a:schemeClr val="accent5">
+                      <a:lumMod val="60000"/>
+                      <a:lumOff val="40000"/>
+                    </a:schemeClr>
+                  </a:outerShdw>
+                </a:effectLst>
+              </a:rPr>
+              <a:t>string searching)</a:t>
             </a:r>
           </a:p>
         </p:txBody>
@@ -7550,7 +10682,7 @@
     </p:spTree>
     <p:extLst>
       <p:ext uri="{BB962C8B-B14F-4D97-AF65-F5344CB8AC3E}">
-        <p14:creationId xmlns:p14="http://schemas.microsoft.com/office/powerpoint/2010/main" val="166502771"/>
+        <p14:creationId xmlns:p14="http://schemas.microsoft.com/office/powerpoint/2010/main" val="809983291"/>
       </p:ext>
     </p:extLst>
   </p:cSld>
@@ -7560,7 +10692,7 @@
 </p:sld>
 </file>
 
-<file path=ppt/slides/slide39.xml><?xml version="1.0" encoding="utf-8"?>
+<file path=ppt/slides/slide8.xml><?xml version="1.0" encoding="utf-8"?>
 <p:sld xmlns:a="http://schemas.openxmlformats.org/drawingml/2006/main" xmlns:r="http://schemas.openxmlformats.org/officeDocument/2006/relationships" xmlns:p="http://schemas.openxmlformats.org/presentationml/2006/main">
   <p:cSld>
     <p:spTree>
@@ -7589,16 +10721,122 @@
         </p:nvSpPr>
         <p:spPr/>
         <p:txBody>
+          <a:bodyPr/>
+          <a:lstStyle/>
+          <a:p>
+            <a:r>
+              <a:rPr lang="en-US" dirty="0"/>
+              <a:t>General purpose search </a:t>
+            </a:r>
+            <a:r>
+              <a:rPr lang="en-US" dirty="0" err="1"/>
+              <a:t>vs</a:t>
+            </a:r>
+            <a:r>
+              <a:rPr lang="en-US" dirty="0"/>
+              <a:t> </a:t>
+            </a:r>
+            <a:r>
+              <a:rPr lang="en-US" dirty="0" err="1"/>
+              <a:t>Trie</a:t>
+            </a:r>
+            <a:endParaRPr lang="en-US" dirty="0"/>
+          </a:p>
+        </p:txBody>
+      </p:sp>
+      <p:sp>
+        <p:nvSpPr>
+          <p:cNvPr id="3" name="Content Placeholder 2"/>
+          <p:cNvSpPr>
+            <a:spLocks noGrp="1"/>
+          </p:cNvSpPr>
+          <p:nvPr>
+            <p:ph idx="1"/>
+          </p:nvPr>
+        </p:nvSpPr>
+        <p:spPr/>
+        <p:txBody>
+          <a:bodyPr/>
+          <a:lstStyle/>
+          <a:p>
+            <a:r>
+              <a:rPr lang="en-US" dirty="0"/>
+              <a:t>We can make use of String properties in order to develop search method which is more efficient than general purpose methods, like:</a:t>
+            </a:r>
+          </a:p>
+          <a:p>
+            <a:pPr lvl="1"/>
+            <a:r>
+              <a:rPr lang="en-US" dirty="0"/>
+              <a:t>Search hits take time proportional to the length of the search key</a:t>
+            </a:r>
+          </a:p>
+          <a:p>
+            <a:pPr lvl="1"/>
+            <a:r>
+              <a:rPr lang="en-US" dirty="0"/>
+              <a:t>Search misses involve examining only a few characters</a:t>
+            </a:r>
+          </a:p>
+          <a:p>
+            <a:r>
+              <a:rPr lang="en-US" dirty="0"/>
+              <a:t>We can use symbol-table API with also character-based operation as Data Structure for String search</a:t>
+            </a:r>
+          </a:p>
+        </p:txBody>
+      </p:sp>
+    </p:spTree>
+    <p:extLst>
+      <p:ext uri="{BB962C8B-B14F-4D97-AF65-F5344CB8AC3E}">
+        <p14:creationId xmlns:p14="http://schemas.microsoft.com/office/powerpoint/2010/main" val="1114680307"/>
+      </p:ext>
+    </p:extLst>
+  </p:cSld>
+  <p:clrMapOvr>
+    <a:masterClrMapping/>
+  </p:clrMapOvr>
+</p:sld>
+</file>
+
+<file path=ppt/slides/slide9.xml><?xml version="1.0" encoding="utf-8"?>
+<p:sld xmlns:a="http://schemas.openxmlformats.org/drawingml/2006/main" xmlns:r="http://schemas.openxmlformats.org/officeDocument/2006/relationships" xmlns:p="http://schemas.openxmlformats.org/presentationml/2006/main">
+  <p:cSld>
+    <p:spTree>
+      <p:nvGrpSpPr>
+        <p:cNvPr id="1" name=""/>
+        <p:cNvGrpSpPr/>
+        <p:nvPr/>
+      </p:nvGrpSpPr>
+      <p:grpSpPr>
+        <a:xfrm>
+          <a:off x="0" y="0"/>
+          <a:ext cx="0" cy="0"/>
+          <a:chOff x="0" y="0"/>
+          <a:chExt cx="0" cy="0"/>
+        </a:xfrm>
+      </p:grpSpPr>
+      <p:sp>
+        <p:nvSpPr>
+          <p:cNvPr id="2" name="Title 1"/>
+          <p:cNvSpPr>
+            <a:spLocks noGrp="1"/>
+          </p:cNvSpPr>
+          <p:nvPr>
+            <p:ph type="title"/>
+          </p:nvPr>
+        </p:nvSpPr>
+        <p:spPr/>
+        <p:txBody>
           <a:bodyPr>
             <a:normAutofit/>
           </a:bodyPr>
           <a:lstStyle/>
           <a:p>
             <a:r>
-              <a:rPr lang="en-US" dirty="0" smtClean="0"/>
+              <a:rPr lang="en-US" dirty="0"/>
               <a:t>Symbol-table API</a:t>
             </a:r>
-            <a:endParaRPr lang="en-US" dirty="0"/>
           </a:p>
         </p:txBody>
       </p:sp>
@@ -7629,2903 +10867,7 @@
     </p:spTree>
     <p:extLst>
       <p:ext uri="{BB962C8B-B14F-4D97-AF65-F5344CB8AC3E}">
-        <p14:creationId xmlns:p14="http://schemas.microsoft.com/office/powerpoint/2010/main" val="897132475"/>
-      </p:ext>
-    </p:extLst>
-  </p:cSld>
-  <p:clrMapOvr>
-    <a:masterClrMapping/>
-  </p:clrMapOvr>
-</p:sld>
-</file>
-
-<file path=ppt/slides/slide4.xml><?xml version="1.0" encoding="utf-8"?>
-<p:sld xmlns:a="http://schemas.openxmlformats.org/drawingml/2006/main" xmlns:r="http://schemas.openxmlformats.org/officeDocument/2006/relationships" xmlns:p="http://schemas.openxmlformats.org/presentationml/2006/main">
-  <p:cSld>
-    <p:spTree>
-      <p:nvGrpSpPr>
-        <p:cNvPr id="1" name=""/>
-        <p:cNvGrpSpPr/>
-        <p:nvPr/>
-      </p:nvGrpSpPr>
-      <p:grpSpPr>
-        <a:xfrm>
-          <a:off x="0" y="0"/>
-          <a:ext cx="0" cy="0"/>
-          <a:chOff x="0" y="0"/>
-          <a:chExt cx="0" cy="0"/>
-        </a:xfrm>
-      </p:grpSpPr>
-      <p:sp>
-        <p:nvSpPr>
-          <p:cNvPr id="2" name="Title 1"/>
-          <p:cNvSpPr>
-            <a:spLocks noGrp="1"/>
-          </p:cNvSpPr>
-          <p:nvPr>
-            <p:ph type="title"/>
-          </p:nvPr>
-        </p:nvSpPr>
-        <p:spPr/>
-        <p:txBody>
-          <a:bodyPr/>
-          <a:lstStyle/>
-          <a:p>
-            <a:r>
-              <a:rPr lang="en-US" dirty="0" smtClean="0"/>
-              <a:t>Concepts overview</a:t>
-            </a:r>
-            <a:endParaRPr lang="en-US" dirty="0"/>
-          </a:p>
-        </p:txBody>
-      </p:sp>
-      <p:sp>
-        <p:nvSpPr>
-          <p:cNvPr id="3" name="Content Placeholder 2"/>
-          <p:cNvSpPr>
-            <a:spLocks noGrp="1"/>
-          </p:cNvSpPr>
-          <p:nvPr>
-            <p:ph idx="1"/>
-          </p:nvPr>
-        </p:nvSpPr>
-        <p:spPr/>
-        <p:txBody>
-          <a:bodyPr>
-            <a:normAutofit lnSpcReduction="10000"/>
-          </a:bodyPr>
-          <a:lstStyle/>
-          <a:p>
-            <a:r>
-              <a:rPr lang="en-US" dirty="0" smtClean="0"/>
-              <a:t>Length</a:t>
-            </a:r>
-          </a:p>
-          <a:p>
-            <a:pPr lvl="1"/>
-            <a:r>
-              <a:rPr lang="en-US" dirty="0" smtClean="0"/>
-              <a:t>Used to find the length of a </a:t>
-            </a:r>
-            <a:r>
-              <a:rPr lang="en-US" dirty="0" smtClean="0"/>
-              <a:t>string</a:t>
-            </a:r>
-            <a:endParaRPr lang="en-US" dirty="0" smtClean="0"/>
-          </a:p>
-          <a:p>
-            <a:pPr lvl="1"/>
-            <a:r>
-              <a:rPr lang="en-US" dirty="0" smtClean="0"/>
-              <a:t>It’s implemented in length() method in String class</a:t>
-            </a:r>
-          </a:p>
-          <a:p>
-            <a:r>
-              <a:rPr lang="en-US" dirty="0" smtClean="0"/>
-              <a:t>Substring</a:t>
-            </a:r>
-          </a:p>
-          <a:p>
-            <a:pPr lvl="1"/>
-            <a:r>
-              <a:rPr lang="en-US" dirty="0" smtClean="0"/>
-              <a:t>Implements the extract a specified substring operation</a:t>
-            </a:r>
-          </a:p>
-          <a:p>
-            <a:pPr lvl="1"/>
-            <a:r>
-              <a:rPr lang="en-US" dirty="0" smtClean="0"/>
-              <a:t>It’s implemented in substring() method in String class</a:t>
-            </a:r>
-          </a:p>
-          <a:p>
-            <a:r>
-              <a:rPr lang="en-US" dirty="0" smtClean="0"/>
-              <a:t>Concatenation</a:t>
-            </a:r>
-          </a:p>
-          <a:p>
-            <a:pPr lvl="1"/>
-            <a:r>
-              <a:rPr lang="en-US" dirty="0" smtClean="0"/>
-              <a:t>Creates new string formed by appending one string to another string</a:t>
-            </a:r>
-          </a:p>
-          <a:p>
-            <a:pPr lvl="1"/>
-            <a:r>
-              <a:rPr lang="en-US" dirty="0" smtClean="0"/>
-              <a:t>It’s built-in operation (+ operator)</a:t>
-            </a:r>
-          </a:p>
-        </p:txBody>
-      </p:sp>
-    </p:spTree>
-    <p:extLst>
-      <p:ext uri="{BB962C8B-B14F-4D97-AF65-F5344CB8AC3E}">
-        <p14:creationId xmlns:p14="http://schemas.microsoft.com/office/powerpoint/2010/main" val="4210489314"/>
-      </p:ext>
-    </p:extLst>
-  </p:cSld>
-  <p:clrMapOvr>
-    <a:masterClrMapping/>
-  </p:clrMapOvr>
-  <p:timing>
-    <p:tnLst>
-      <p:par>
-        <p:cTn xmlns:p14="http://schemas.microsoft.com/office/powerpoint/2010/main" id="1" dur="indefinite" restart="never" nodeType="tmRoot"/>
-      </p:par>
-    </p:tnLst>
-  </p:timing>
-</p:sld>
-</file>
-
-<file path=ppt/slides/slide40.xml><?xml version="1.0" encoding="utf-8"?>
-<p:sld xmlns:a="http://schemas.openxmlformats.org/drawingml/2006/main" xmlns:r="http://schemas.openxmlformats.org/officeDocument/2006/relationships" xmlns:p="http://schemas.openxmlformats.org/presentationml/2006/main">
-  <p:cSld>
-    <p:spTree>
-      <p:nvGrpSpPr>
-        <p:cNvPr id="1" name=""/>
-        <p:cNvGrpSpPr/>
-        <p:nvPr/>
-      </p:nvGrpSpPr>
-      <p:grpSpPr>
-        <a:xfrm>
-          <a:off x="0" y="0"/>
-          <a:ext cx="0" cy="0"/>
-          <a:chOff x="0" y="0"/>
-          <a:chExt cx="0" cy="0"/>
-        </a:xfrm>
-      </p:grpSpPr>
-      <p:sp>
-        <p:nvSpPr>
-          <p:cNvPr id="2" name="Title 1"/>
-          <p:cNvSpPr>
-            <a:spLocks noGrp="1"/>
-          </p:cNvSpPr>
-          <p:nvPr>
-            <p:ph type="title"/>
-          </p:nvPr>
-        </p:nvSpPr>
-        <p:spPr/>
-        <p:txBody>
-          <a:bodyPr/>
-          <a:lstStyle/>
-          <a:p>
-            <a:r>
-              <a:rPr lang="en-US" dirty="0" smtClean="0"/>
-              <a:t>Three special methods for String</a:t>
-            </a:r>
-            <a:endParaRPr lang="en-US" dirty="0"/>
-          </a:p>
-        </p:txBody>
-      </p:sp>
-      <p:sp>
-        <p:nvSpPr>
-          <p:cNvPr id="3" name="Content Placeholder 2"/>
-          <p:cNvSpPr>
-            <a:spLocks noGrp="1"/>
-          </p:cNvSpPr>
-          <p:nvPr>
-            <p:ph idx="1"/>
-          </p:nvPr>
-        </p:nvSpPr>
-        <p:spPr/>
-        <p:txBody>
-          <a:bodyPr>
-            <a:normAutofit fontScale="85000" lnSpcReduction="20000"/>
-          </a:bodyPr>
-          <a:lstStyle/>
-          <a:p>
-            <a:r>
-              <a:rPr lang="en-US" dirty="0" smtClean="0"/>
-              <a:t>Following demonstration use this example: “she sells sea shells by the sea shore”</a:t>
-            </a:r>
-          </a:p>
-          <a:p>
-            <a:r>
-              <a:rPr lang="en-US" dirty="0" err="1" smtClean="0"/>
-              <a:t>longestPrefixOf</a:t>
-            </a:r>
-            <a:r>
-              <a:rPr lang="en-US" dirty="0" smtClean="0"/>
-              <a:t>() </a:t>
-            </a:r>
-          </a:p>
-          <a:p>
-            <a:pPr lvl="1"/>
-            <a:r>
-              <a:rPr lang="en-US" dirty="0" smtClean="0"/>
-              <a:t>Input a string and returns longest key that is a prefix of that string</a:t>
-            </a:r>
-          </a:p>
-          <a:p>
-            <a:pPr lvl="1"/>
-            <a:r>
-              <a:rPr lang="en-US" dirty="0" smtClean="0"/>
-              <a:t>E.g., </a:t>
-            </a:r>
-            <a:r>
-              <a:rPr lang="en-US" dirty="0" err="1" smtClean="0"/>
-              <a:t>longestPrefixOf</a:t>
-            </a:r>
-            <a:r>
-              <a:rPr lang="en-US" dirty="0" smtClean="0"/>
-              <a:t>(“shell”) is “she”</a:t>
-            </a:r>
-          </a:p>
-          <a:p>
-            <a:r>
-              <a:rPr lang="en-US" dirty="0" err="1" smtClean="0"/>
-              <a:t>keysWithPrefix</a:t>
-            </a:r>
-            <a:r>
-              <a:rPr lang="en-US" dirty="0" smtClean="0"/>
-              <a:t>()</a:t>
-            </a:r>
-          </a:p>
-          <a:p>
-            <a:pPr lvl="1"/>
-            <a:r>
-              <a:rPr lang="en-US" dirty="0" smtClean="0"/>
-              <a:t>Input a string and returns all the keys having that string as prefix</a:t>
-            </a:r>
-          </a:p>
-          <a:p>
-            <a:pPr lvl="1"/>
-            <a:r>
-              <a:rPr lang="en-US" dirty="0" smtClean="0"/>
-              <a:t>E.g., </a:t>
-            </a:r>
-            <a:r>
-              <a:rPr lang="en-US" dirty="0" err="1" smtClean="0"/>
-              <a:t>keysWithPrefix</a:t>
-            </a:r>
-            <a:r>
-              <a:rPr lang="en-US" dirty="0" smtClean="0"/>
-              <a:t>(“she”) return “she”, “shells”</a:t>
-            </a:r>
-          </a:p>
-          <a:p>
-            <a:r>
-              <a:rPr lang="en-US" dirty="0" err="1" smtClean="0"/>
-              <a:t>keysThatMatch</a:t>
-            </a:r>
-            <a:r>
-              <a:rPr lang="en-US" dirty="0" smtClean="0"/>
-              <a:t>()</a:t>
-            </a:r>
-          </a:p>
-          <a:p>
-            <a:pPr lvl="1"/>
-            <a:r>
-              <a:rPr lang="en-US" dirty="0" smtClean="0"/>
-              <a:t>Input a string and returns all the keys that match that string. (.) operator match any character</a:t>
-            </a:r>
-          </a:p>
-          <a:p>
-            <a:pPr lvl="1"/>
-            <a:r>
-              <a:rPr lang="en-US" dirty="0" smtClean="0"/>
-              <a:t>E.g., </a:t>
-            </a:r>
-            <a:r>
-              <a:rPr lang="en-US" dirty="0" err="1" smtClean="0"/>
-              <a:t>keysThatMatch</a:t>
-            </a:r>
-            <a:r>
-              <a:rPr lang="en-US" dirty="0" smtClean="0"/>
-              <a:t>(“.he”) returns “she”, “the”</a:t>
-            </a:r>
-            <a:endParaRPr lang="en-US" dirty="0"/>
-          </a:p>
-        </p:txBody>
-      </p:sp>
-    </p:spTree>
-    <p:extLst>
-      <p:ext uri="{BB962C8B-B14F-4D97-AF65-F5344CB8AC3E}">
-        <p14:creationId xmlns:p14="http://schemas.microsoft.com/office/powerpoint/2010/main" val="3183414934"/>
-      </p:ext>
-    </p:extLst>
-  </p:cSld>
-  <p:clrMapOvr>
-    <a:masterClrMapping/>
-  </p:clrMapOvr>
-</p:sld>
-</file>
-
-<file path=ppt/slides/slide41.xml><?xml version="1.0" encoding="utf-8"?>
-<p:sld xmlns:a="http://schemas.openxmlformats.org/drawingml/2006/main" xmlns:r="http://schemas.openxmlformats.org/officeDocument/2006/relationships" xmlns:p="http://schemas.openxmlformats.org/presentationml/2006/main">
-  <p:cSld>
-    <p:spTree>
-      <p:nvGrpSpPr>
-        <p:cNvPr id="1" name=""/>
-        <p:cNvGrpSpPr/>
-        <p:nvPr/>
-      </p:nvGrpSpPr>
-      <p:grpSpPr>
-        <a:xfrm>
-          <a:off x="0" y="0"/>
-          <a:ext cx="0" cy="0"/>
-          <a:chOff x="0" y="0"/>
-          <a:chExt cx="0" cy="0"/>
-        </a:xfrm>
-      </p:grpSpPr>
-      <p:sp>
-        <p:nvSpPr>
-          <p:cNvPr id="2" name="Title 1"/>
-          <p:cNvSpPr>
-            <a:spLocks noGrp="1"/>
-          </p:cNvSpPr>
-          <p:nvPr>
-            <p:ph type="title"/>
-          </p:nvPr>
-        </p:nvSpPr>
-        <p:spPr/>
-        <p:txBody>
-          <a:bodyPr/>
-          <a:lstStyle/>
-          <a:p>
-            <a:r>
-              <a:rPr lang="en-US" dirty="0" smtClean="0"/>
-              <a:t>Basic </a:t>
-            </a:r>
-            <a:r>
-              <a:rPr lang="en-US" dirty="0" smtClean="0"/>
-              <a:t>properties of </a:t>
-            </a:r>
-            <a:r>
-              <a:rPr lang="en-US" dirty="0" err="1" smtClean="0"/>
-              <a:t>Trie</a:t>
-            </a:r>
-            <a:endParaRPr lang="en-US" dirty="0"/>
-          </a:p>
-        </p:txBody>
-      </p:sp>
-      <p:sp>
-        <p:nvSpPr>
-          <p:cNvPr id="3" name="Content Placeholder 2"/>
-          <p:cNvSpPr>
-            <a:spLocks noGrp="1"/>
-          </p:cNvSpPr>
-          <p:nvPr>
-            <p:ph idx="1"/>
-          </p:nvPr>
-        </p:nvSpPr>
-        <p:spPr/>
-        <p:txBody>
-          <a:bodyPr>
-            <a:normAutofit fontScale="77500" lnSpcReduction="20000"/>
-          </a:bodyPr>
-          <a:lstStyle/>
-          <a:p>
-            <a:r>
-              <a:rPr lang="en-US" dirty="0" smtClean="0"/>
-              <a:t>Similar to search tree, tries are data structures composed of nodes that contain links that are either null or references to other nodes</a:t>
-            </a:r>
-          </a:p>
-          <a:p>
-            <a:r>
-              <a:rPr lang="en-US" dirty="0" smtClean="0"/>
-              <a:t>Each node is pointed to by just one other node, which is called its parent (except for root)</a:t>
-            </a:r>
-          </a:p>
-          <a:p>
-            <a:r>
-              <a:rPr lang="en-US" dirty="0" smtClean="0"/>
-              <a:t>Each node has R links (R is the alphabet size</a:t>
-            </a:r>
-            <a:r>
-              <a:rPr lang="en-US" dirty="0" smtClean="0"/>
-              <a:t>), some of which could be null</a:t>
-            </a:r>
-            <a:endParaRPr lang="en-US" dirty="0" smtClean="0"/>
-          </a:p>
-          <a:p>
-            <a:r>
-              <a:rPr lang="en-US" dirty="0" smtClean="0"/>
-              <a:t>Each </a:t>
-            </a:r>
-            <a:r>
-              <a:rPr lang="en-US" dirty="0" smtClean="0"/>
-              <a:t>link corresponds to a character value – since each link points to exactly one node, we </a:t>
-            </a:r>
-            <a:r>
-              <a:rPr lang="en-US" b="1" dirty="0" smtClean="0"/>
-              <a:t>label</a:t>
-            </a:r>
-            <a:r>
-              <a:rPr lang="en-US" dirty="0" smtClean="0"/>
-              <a:t> each node with the character value corresponding to the link that points to it (except for the root, which has no link pointing to it)</a:t>
-            </a:r>
-          </a:p>
-          <a:p>
-            <a:r>
-              <a:rPr lang="en-US" dirty="0" smtClean="0"/>
-              <a:t>Each node has corresponding value, which may be null or the value associated with one of the string keys in the symbol table</a:t>
-            </a:r>
-          </a:p>
-          <a:p>
-            <a:r>
-              <a:rPr lang="en-US" dirty="0" smtClean="0"/>
-              <a:t>Specifically, we store the value associated with each key in the node corresponding to its last </a:t>
-            </a:r>
-            <a:r>
-              <a:rPr lang="en-US" dirty="0" smtClean="0"/>
-              <a:t>character</a:t>
-            </a:r>
-            <a:endParaRPr lang="en-US" dirty="0" smtClean="0"/>
-          </a:p>
-        </p:txBody>
-      </p:sp>
-    </p:spTree>
-    <p:extLst>
-      <p:ext uri="{BB962C8B-B14F-4D97-AF65-F5344CB8AC3E}">
-        <p14:creationId xmlns:p14="http://schemas.microsoft.com/office/powerpoint/2010/main" val="1632268388"/>
-      </p:ext>
-    </p:extLst>
-  </p:cSld>
-  <p:clrMapOvr>
-    <a:masterClrMapping/>
-  </p:clrMapOvr>
-  <p:timing>
-    <p:tnLst>
-      <p:par>
-        <p:cTn xmlns:p14="http://schemas.microsoft.com/office/powerpoint/2010/main" id="1" dur="indefinite" restart="never" nodeType="tmRoot"/>
-      </p:par>
-    </p:tnLst>
-  </p:timing>
-</p:sld>
-</file>
-
-<file path=ppt/slides/slide42.xml><?xml version="1.0" encoding="utf-8"?>
-<p:sld xmlns:a="http://schemas.openxmlformats.org/drawingml/2006/main" xmlns:r="http://schemas.openxmlformats.org/officeDocument/2006/relationships" xmlns:p="http://schemas.openxmlformats.org/presentationml/2006/main">
-  <p:cSld>
-    <p:spTree>
-      <p:nvGrpSpPr>
-        <p:cNvPr id="1" name=""/>
-        <p:cNvGrpSpPr/>
-        <p:nvPr/>
-      </p:nvGrpSpPr>
-      <p:grpSpPr>
-        <a:xfrm>
-          <a:off x="0" y="0"/>
-          <a:ext cx="0" cy="0"/>
-          <a:chOff x="0" y="0"/>
-          <a:chExt cx="0" cy="0"/>
-        </a:xfrm>
-      </p:grpSpPr>
-      <p:sp>
-        <p:nvSpPr>
-          <p:cNvPr id="2" name="Title 1"/>
-          <p:cNvSpPr>
-            <a:spLocks noGrp="1"/>
-          </p:cNvSpPr>
-          <p:nvPr>
-            <p:ph type="title"/>
-          </p:nvPr>
-        </p:nvSpPr>
-        <p:spPr/>
-        <p:txBody>
-          <a:bodyPr/>
-          <a:lstStyle/>
-          <a:p>
-            <a:r>
-              <a:rPr lang="en-US" dirty="0" err="1" smtClean="0"/>
-              <a:t>Trie</a:t>
-            </a:r>
-            <a:r>
-              <a:rPr lang="en-US" dirty="0" smtClean="0"/>
-              <a:t> example</a:t>
-            </a:r>
-            <a:endParaRPr lang="en-US" dirty="0"/>
-          </a:p>
-        </p:txBody>
-      </p:sp>
-      <p:pic>
-        <p:nvPicPr>
-          <p:cNvPr id="5" name="Picture 4"/>
-          <p:cNvPicPr>
-            <a:picLocks noChangeAspect="1"/>
-          </p:cNvPicPr>
-          <p:nvPr/>
-        </p:nvPicPr>
-        <p:blipFill>
-          <a:blip r:embed="rId2"/>
-          <a:stretch>
-            <a:fillRect/>
-          </a:stretch>
-        </p:blipFill>
-        <p:spPr>
-          <a:xfrm>
-            <a:off x="1752600" y="838200"/>
-            <a:ext cx="5638799" cy="5749958"/>
-          </a:xfrm>
-          <a:prstGeom prst="rect">
-            <a:avLst/>
-          </a:prstGeom>
-        </p:spPr>
-      </p:pic>
-    </p:spTree>
-    <p:extLst>
-      <p:ext uri="{BB962C8B-B14F-4D97-AF65-F5344CB8AC3E}">
-        <p14:creationId xmlns:p14="http://schemas.microsoft.com/office/powerpoint/2010/main" val="3932382903"/>
-      </p:ext>
-    </p:extLst>
-  </p:cSld>
-  <p:clrMapOvr>
-    <a:masterClrMapping/>
-  </p:clrMapOvr>
-  <p:timing>
-    <p:tnLst>
-      <p:par>
-        <p:cTn xmlns:p14="http://schemas.microsoft.com/office/powerpoint/2010/main" id="1" dur="indefinite" restart="never" nodeType="tmRoot"/>
-      </p:par>
-    </p:tnLst>
-  </p:timing>
-</p:sld>
-</file>
-
-<file path=ppt/slides/slide43.xml><?xml version="1.0" encoding="utf-8"?>
-<p:sld xmlns:a="http://schemas.openxmlformats.org/drawingml/2006/main" xmlns:r="http://schemas.openxmlformats.org/officeDocument/2006/relationships" xmlns:p="http://schemas.openxmlformats.org/presentationml/2006/main">
-  <p:cSld>
-    <p:spTree>
-      <p:nvGrpSpPr>
-        <p:cNvPr id="1" name=""/>
-        <p:cNvGrpSpPr/>
-        <p:nvPr/>
-      </p:nvGrpSpPr>
-      <p:grpSpPr>
-        <a:xfrm>
-          <a:off x="0" y="0"/>
-          <a:ext cx="0" cy="0"/>
-          <a:chOff x="0" y="0"/>
-          <a:chExt cx="0" cy="0"/>
-        </a:xfrm>
-      </p:grpSpPr>
-      <p:sp>
-        <p:nvSpPr>
-          <p:cNvPr id="2" name="Title 1"/>
-          <p:cNvSpPr>
-            <a:spLocks noGrp="1"/>
-          </p:cNvSpPr>
-          <p:nvPr>
-            <p:ph type="title"/>
-          </p:nvPr>
-        </p:nvSpPr>
-        <p:spPr/>
-        <p:txBody>
-          <a:bodyPr/>
-          <a:lstStyle/>
-          <a:p>
-            <a:r>
-              <a:rPr lang="en-US" dirty="0" smtClean="0"/>
-              <a:t>Search in a </a:t>
-            </a:r>
-            <a:r>
-              <a:rPr lang="en-US" dirty="0" err="1" smtClean="0"/>
-              <a:t>trie</a:t>
-            </a:r>
-            <a:endParaRPr lang="en-US" dirty="0"/>
-          </a:p>
-        </p:txBody>
-      </p:sp>
-      <p:sp>
-        <p:nvSpPr>
-          <p:cNvPr id="3" name="Content Placeholder 2"/>
-          <p:cNvSpPr>
-            <a:spLocks noGrp="1"/>
-          </p:cNvSpPr>
-          <p:nvPr>
-            <p:ph idx="1"/>
-          </p:nvPr>
-        </p:nvSpPr>
-        <p:spPr/>
-        <p:txBody>
-          <a:bodyPr>
-            <a:normAutofit fontScale="85000" lnSpcReduction="20000"/>
-          </a:bodyPr>
-          <a:lstStyle/>
-          <a:p>
-            <a:r>
-              <a:rPr lang="en-US" dirty="0" smtClean="0"/>
-              <a:t>Each </a:t>
-            </a:r>
-            <a:r>
-              <a:rPr lang="en-US" dirty="0" smtClean="0"/>
-              <a:t>node in the </a:t>
-            </a:r>
-            <a:r>
-              <a:rPr lang="en-US" dirty="0" err="1" smtClean="0"/>
-              <a:t>trie</a:t>
-            </a:r>
-            <a:r>
-              <a:rPr lang="en-US" dirty="0" smtClean="0"/>
-              <a:t> has a link corresponding to each possible string character</a:t>
-            </a:r>
-          </a:p>
-          <a:p>
-            <a:r>
-              <a:rPr lang="en-US" dirty="0" smtClean="0"/>
-              <a:t>We start at the root, then follow the link associated with the first character in the key</a:t>
-            </a:r>
-          </a:p>
-          <a:p>
-            <a:r>
-              <a:rPr lang="en-US" dirty="0" smtClean="0"/>
-              <a:t>From that node we follow the link associated with the second character, so on and so forth</a:t>
-            </a:r>
-          </a:p>
-          <a:p>
-            <a:r>
-              <a:rPr lang="en-US" dirty="0" smtClean="0"/>
-              <a:t>Until reaching the last character of the key or a null link. At this point, one of the following three conditions holds</a:t>
-            </a:r>
-          </a:p>
-          <a:p>
-            <a:pPr lvl="1"/>
-            <a:r>
-              <a:rPr lang="en-US" dirty="0" smtClean="0"/>
-              <a:t>The value at the node </a:t>
-            </a:r>
-            <a:r>
-              <a:rPr lang="en-US" dirty="0" smtClean="0"/>
-              <a:t>corresponds </a:t>
-            </a:r>
-            <a:r>
-              <a:rPr lang="en-US" dirty="0" smtClean="0"/>
-              <a:t>to the last character in the key is not null. This results is search hit – the value associated with the key is the value in the node </a:t>
-            </a:r>
-            <a:endParaRPr lang="en-US" dirty="0" smtClean="0"/>
-          </a:p>
-          <a:p>
-            <a:pPr lvl="1"/>
-            <a:r>
-              <a:rPr lang="en-US" dirty="0" smtClean="0"/>
-              <a:t>The </a:t>
-            </a:r>
-            <a:r>
-              <a:rPr lang="en-US" dirty="0" smtClean="0"/>
-              <a:t>value in the node corresponding to the last character in the key is null. This results to a miss.</a:t>
-            </a:r>
-          </a:p>
-          <a:p>
-            <a:pPr lvl="1"/>
-            <a:r>
-              <a:rPr lang="en-US" dirty="0" smtClean="0"/>
-              <a:t>The search terminated with a null link. This is also a miss.</a:t>
-            </a:r>
-          </a:p>
-        </p:txBody>
-      </p:sp>
-    </p:spTree>
-    <p:extLst>
-      <p:ext uri="{BB962C8B-B14F-4D97-AF65-F5344CB8AC3E}">
-        <p14:creationId xmlns:p14="http://schemas.microsoft.com/office/powerpoint/2010/main" val="333395471"/>
-      </p:ext>
-    </p:extLst>
-  </p:cSld>
-  <p:clrMapOvr>
-    <a:masterClrMapping/>
-  </p:clrMapOvr>
-</p:sld>
-</file>
-
-<file path=ppt/slides/slide44.xml><?xml version="1.0" encoding="utf-8"?>
-<p:sld xmlns:a="http://schemas.openxmlformats.org/drawingml/2006/main" xmlns:r="http://schemas.openxmlformats.org/officeDocument/2006/relationships" xmlns:p="http://schemas.openxmlformats.org/presentationml/2006/main">
-  <p:cSld>
-    <p:spTree>
-      <p:nvGrpSpPr>
-        <p:cNvPr id="1" name=""/>
-        <p:cNvGrpSpPr/>
-        <p:nvPr/>
-      </p:nvGrpSpPr>
-      <p:grpSpPr>
-        <a:xfrm>
-          <a:off x="0" y="0"/>
-          <a:ext cx="0" cy="0"/>
-          <a:chOff x="0" y="0"/>
-          <a:chExt cx="0" cy="0"/>
-        </a:xfrm>
-      </p:grpSpPr>
-      <p:sp>
-        <p:nvSpPr>
-          <p:cNvPr id="2" name="Title 1"/>
-          <p:cNvSpPr>
-            <a:spLocks noGrp="1"/>
-          </p:cNvSpPr>
-          <p:nvPr>
-            <p:ph type="title"/>
-          </p:nvPr>
-        </p:nvSpPr>
-        <p:spPr/>
-        <p:txBody>
-          <a:bodyPr/>
-          <a:lstStyle/>
-          <a:p>
-            <a:r>
-              <a:rPr lang="en-US" dirty="0"/>
-              <a:t>Search in a </a:t>
-            </a:r>
-            <a:r>
-              <a:rPr lang="en-US" dirty="0" err="1" smtClean="0"/>
-              <a:t>trie</a:t>
-            </a:r>
-            <a:r>
-              <a:rPr lang="en-US" dirty="0" smtClean="0"/>
-              <a:t> examples</a:t>
-            </a:r>
-            <a:endParaRPr lang="en-US" dirty="0"/>
-          </a:p>
-        </p:txBody>
-      </p:sp>
-      <p:pic>
-        <p:nvPicPr>
-          <p:cNvPr id="4" name="Picture 3"/>
-          <p:cNvPicPr>
-            <a:picLocks noChangeAspect="1"/>
-          </p:cNvPicPr>
-          <p:nvPr/>
-        </p:nvPicPr>
-        <p:blipFill>
-          <a:blip r:embed="rId2"/>
-          <a:stretch>
-            <a:fillRect/>
-          </a:stretch>
-        </p:blipFill>
-        <p:spPr>
-          <a:xfrm>
-            <a:off x="304800" y="809161"/>
-            <a:ext cx="8610600" cy="6048839"/>
-          </a:xfrm>
-          <a:prstGeom prst="rect">
-            <a:avLst/>
-          </a:prstGeom>
-        </p:spPr>
-      </p:pic>
-    </p:spTree>
-    <p:extLst>
-      <p:ext uri="{BB962C8B-B14F-4D97-AF65-F5344CB8AC3E}">
-        <p14:creationId xmlns:p14="http://schemas.microsoft.com/office/powerpoint/2010/main" val="2184595731"/>
-      </p:ext>
-    </p:extLst>
-  </p:cSld>
-  <p:clrMapOvr>
-    <a:masterClrMapping/>
-  </p:clrMapOvr>
-</p:sld>
-</file>
-
-<file path=ppt/slides/slide45.xml><?xml version="1.0" encoding="utf-8"?>
-<p:sld xmlns:a="http://schemas.openxmlformats.org/drawingml/2006/main" xmlns:r="http://schemas.openxmlformats.org/officeDocument/2006/relationships" xmlns:p="http://schemas.openxmlformats.org/presentationml/2006/main">
-  <p:cSld>
-    <p:spTree>
-      <p:nvGrpSpPr>
-        <p:cNvPr id="1" name=""/>
-        <p:cNvGrpSpPr/>
-        <p:nvPr/>
-      </p:nvGrpSpPr>
-      <p:grpSpPr>
-        <a:xfrm>
-          <a:off x="0" y="0"/>
-          <a:ext cx="0" cy="0"/>
-          <a:chOff x="0" y="0"/>
-          <a:chExt cx="0" cy="0"/>
-        </a:xfrm>
-      </p:grpSpPr>
-      <p:sp>
-        <p:nvSpPr>
-          <p:cNvPr id="2" name="Title 1"/>
-          <p:cNvSpPr>
-            <a:spLocks noGrp="1"/>
-          </p:cNvSpPr>
-          <p:nvPr>
-            <p:ph type="title"/>
-          </p:nvPr>
-        </p:nvSpPr>
-        <p:spPr/>
-        <p:txBody>
-          <a:bodyPr/>
-          <a:lstStyle/>
-          <a:p>
-            <a:r>
-              <a:rPr lang="en-US" dirty="0" smtClean="0"/>
-              <a:t>Insertion into the </a:t>
-            </a:r>
-            <a:r>
-              <a:rPr lang="en-US" dirty="0" err="1" smtClean="0"/>
-              <a:t>trie</a:t>
-            </a:r>
-            <a:endParaRPr lang="en-US" dirty="0"/>
-          </a:p>
-        </p:txBody>
-      </p:sp>
-      <p:sp>
-        <p:nvSpPr>
-          <p:cNvPr id="3" name="Content Placeholder 2"/>
-          <p:cNvSpPr>
-            <a:spLocks noGrp="1"/>
-          </p:cNvSpPr>
-          <p:nvPr>
-            <p:ph idx="1"/>
-          </p:nvPr>
-        </p:nvSpPr>
-        <p:spPr/>
-        <p:txBody>
-          <a:bodyPr>
-            <a:normAutofit fontScale="92500" lnSpcReduction="20000"/>
-          </a:bodyPr>
-          <a:lstStyle/>
-          <a:p>
-            <a:r>
-              <a:rPr lang="en-US" dirty="0" smtClean="0"/>
-              <a:t>We </a:t>
-            </a:r>
-            <a:r>
-              <a:rPr lang="en-US" dirty="0" smtClean="0"/>
-              <a:t>insert by first doing a </a:t>
-            </a:r>
-            <a:r>
-              <a:rPr lang="en-US" dirty="0" smtClean="0"/>
-              <a:t>search using </a:t>
-            </a:r>
-            <a:r>
-              <a:rPr lang="en-US" dirty="0" smtClean="0"/>
-              <a:t>the characters of the key to guide us down the </a:t>
-            </a:r>
-            <a:r>
-              <a:rPr lang="en-US" dirty="0" err="1" smtClean="0"/>
-              <a:t>trie</a:t>
-            </a:r>
-            <a:r>
-              <a:rPr lang="en-US" dirty="0" smtClean="0"/>
-              <a:t> until reaching the last character of the key or a null link</a:t>
-            </a:r>
-          </a:p>
-          <a:p>
-            <a:r>
-              <a:rPr lang="en-US" dirty="0" smtClean="0"/>
-              <a:t>At this point, one of the following two conditions hold</a:t>
-            </a:r>
-          </a:p>
-          <a:p>
-            <a:pPr lvl="1"/>
-            <a:r>
-              <a:rPr lang="en-US" dirty="0" smtClean="0"/>
-              <a:t>We encountered a null link before reaching the last character of the </a:t>
-            </a:r>
-            <a:r>
-              <a:rPr lang="en-US" dirty="0" smtClean="0"/>
-              <a:t>key then</a:t>
-            </a:r>
-          </a:p>
-          <a:p>
-            <a:pPr lvl="2"/>
-            <a:r>
-              <a:rPr lang="en-US" dirty="0" smtClean="0"/>
-              <a:t>Create node </a:t>
-            </a:r>
-            <a:r>
-              <a:rPr lang="en-US" dirty="0" smtClean="0"/>
-              <a:t>for each of the characters in the key not yet encountered </a:t>
-            </a:r>
-            <a:endParaRPr lang="en-US" dirty="0" smtClean="0"/>
-          </a:p>
-          <a:p>
-            <a:pPr lvl="2"/>
-            <a:r>
-              <a:rPr lang="en-US" dirty="0"/>
-              <a:t>S</a:t>
-            </a:r>
-            <a:r>
-              <a:rPr lang="en-US" dirty="0" smtClean="0"/>
-              <a:t>et </a:t>
-            </a:r>
-            <a:r>
-              <a:rPr lang="en-US" dirty="0" smtClean="0"/>
-              <a:t>the value in the last one to the value to be associated with the key</a:t>
-            </a:r>
-          </a:p>
-          <a:p>
-            <a:pPr lvl="1"/>
-            <a:r>
-              <a:rPr lang="en-US" dirty="0" smtClean="0"/>
-              <a:t>We encountered the last character of the key before reaching a null </a:t>
-            </a:r>
-            <a:r>
-              <a:rPr lang="en-US" dirty="0" smtClean="0"/>
-              <a:t>link then</a:t>
-            </a:r>
-          </a:p>
-          <a:p>
-            <a:pPr lvl="2"/>
-            <a:r>
-              <a:rPr lang="en-US" dirty="0" smtClean="0"/>
-              <a:t>Set </a:t>
-            </a:r>
-            <a:r>
-              <a:rPr lang="en-US" dirty="0" smtClean="0"/>
-              <a:t>that node’s value to the value to be associated with the key (whether or not that value is null), as usual with our associative array convention</a:t>
-            </a:r>
-          </a:p>
-          <a:p>
-            <a:pPr lvl="1"/>
-            <a:endParaRPr lang="en-US" dirty="0"/>
-          </a:p>
-        </p:txBody>
-      </p:sp>
-    </p:spTree>
-    <p:extLst>
-      <p:ext uri="{BB962C8B-B14F-4D97-AF65-F5344CB8AC3E}">
-        <p14:creationId xmlns:p14="http://schemas.microsoft.com/office/powerpoint/2010/main" val="3385133542"/>
-      </p:ext>
-    </p:extLst>
-  </p:cSld>
-  <p:clrMapOvr>
-    <a:masterClrMapping/>
-  </p:clrMapOvr>
-</p:sld>
-</file>
-
-<file path=ppt/slides/slide46.xml><?xml version="1.0" encoding="utf-8"?>
-<p:sld xmlns:a="http://schemas.openxmlformats.org/drawingml/2006/main" xmlns:r="http://schemas.openxmlformats.org/officeDocument/2006/relationships" xmlns:p="http://schemas.openxmlformats.org/presentationml/2006/main">
-  <p:cSld>
-    <p:spTree>
-      <p:nvGrpSpPr>
-        <p:cNvPr id="1" name=""/>
-        <p:cNvGrpSpPr/>
-        <p:nvPr/>
-      </p:nvGrpSpPr>
-      <p:grpSpPr>
-        <a:xfrm>
-          <a:off x="0" y="0"/>
-          <a:ext cx="0" cy="0"/>
-          <a:chOff x="0" y="0"/>
-          <a:chExt cx="0" cy="0"/>
-        </a:xfrm>
-      </p:grpSpPr>
-      <p:sp>
-        <p:nvSpPr>
-          <p:cNvPr id="2" name="Title 1"/>
-          <p:cNvSpPr>
-            <a:spLocks noGrp="1"/>
-          </p:cNvSpPr>
-          <p:nvPr>
-            <p:ph type="title"/>
-          </p:nvPr>
-        </p:nvSpPr>
-        <p:spPr/>
-        <p:txBody>
-          <a:bodyPr/>
-          <a:lstStyle/>
-          <a:p>
-            <a:r>
-              <a:rPr lang="en-US" dirty="0" smtClean="0"/>
-              <a:t>Node representation</a:t>
-            </a:r>
-            <a:endParaRPr lang="en-US" dirty="0"/>
-          </a:p>
-        </p:txBody>
-      </p:sp>
-      <p:sp>
-        <p:nvSpPr>
-          <p:cNvPr id="3" name="Content Placeholder 2"/>
-          <p:cNvSpPr>
-            <a:spLocks noGrp="1"/>
-          </p:cNvSpPr>
-          <p:nvPr>
-            <p:ph idx="1"/>
-          </p:nvPr>
-        </p:nvSpPr>
-        <p:spPr/>
-        <p:txBody>
-          <a:bodyPr/>
-          <a:lstStyle/>
-          <a:p>
-            <a:r>
-              <a:rPr lang="en-US" dirty="0" smtClean="0"/>
-              <a:t>Our </a:t>
-            </a:r>
-            <a:r>
-              <a:rPr lang="en-US" dirty="0" err="1" smtClean="0"/>
-              <a:t>trie</a:t>
-            </a:r>
-            <a:r>
-              <a:rPr lang="en-US" dirty="0" smtClean="0"/>
-              <a:t> diagrams do not quite correspond to the data structures our programs will build, because we do not draw null links</a:t>
-            </a:r>
-          </a:p>
-          <a:p>
-            <a:r>
-              <a:rPr lang="en-US" dirty="0" smtClean="0"/>
-              <a:t>Taking null links into account emphasizes the following important characteristics of tries</a:t>
-            </a:r>
-          </a:p>
-          <a:p>
-            <a:pPr lvl="1"/>
-            <a:r>
-              <a:rPr lang="en-US" dirty="0" smtClean="0"/>
-              <a:t>Every node has R links, one for each possible character</a:t>
-            </a:r>
-          </a:p>
-          <a:p>
-            <a:pPr lvl="1"/>
-            <a:r>
-              <a:rPr lang="en-US" dirty="0" smtClean="0"/>
-              <a:t>Characters and keys are implicitly stored in the data structure</a:t>
-            </a:r>
-            <a:endParaRPr lang="en-US" dirty="0"/>
-          </a:p>
-        </p:txBody>
-      </p:sp>
-    </p:spTree>
-    <p:extLst>
-      <p:ext uri="{BB962C8B-B14F-4D97-AF65-F5344CB8AC3E}">
-        <p14:creationId xmlns:p14="http://schemas.microsoft.com/office/powerpoint/2010/main" val="2196488203"/>
-      </p:ext>
-    </p:extLst>
-  </p:cSld>
-  <p:clrMapOvr>
-    <a:masterClrMapping/>
-  </p:clrMapOvr>
-</p:sld>
-</file>
-
-<file path=ppt/slides/slide47.xml><?xml version="1.0" encoding="utf-8"?>
-<p:sld xmlns:a="http://schemas.openxmlformats.org/drawingml/2006/main" xmlns:r="http://schemas.openxmlformats.org/officeDocument/2006/relationships" xmlns:p="http://schemas.openxmlformats.org/presentationml/2006/main">
-  <p:cSld>
-    <p:spTree>
-      <p:nvGrpSpPr>
-        <p:cNvPr id="1" name=""/>
-        <p:cNvGrpSpPr/>
-        <p:nvPr/>
-      </p:nvGrpSpPr>
-      <p:grpSpPr>
-        <a:xfrm>
-          <a:off x="0" y="0"/>
-          <a:ext cx="0" cy="0"/>
-          <a:chOff x="0" y="0"/>
-          <a:chExt cx="0" cy="0"/>
-        </a:xfrm>
-      </p:grpSpPr>
-      <p:sp>
-        <p:nvSpPr>
-          <p:cNvPr id="2" name="Title 1"/>
-          <p:cNvSpPr>
-            <a:spLocks noGrp="1"/>
-          </p:cNvSpPr>
-          <p:nvPr>
-            <p:ph type="title"/>
-          </p:nvPr>
-        </p:nvSpPr>
-        <p:spPr/>
-        <p:txBody>
-          <a:bodyPr/>
-          <a:lstStyle/>
-          <a:p>
-            <a:r>
-              <a:rPr lang="en-US" dirty="0" smtClean="0"/>
-              <a:t>Node representation</a:t>
-            </a:r>
-            <a:endParaRPr lang="en-US" dirty="0"/>
-          </a:p>
-        </p:txBody>
-      </p:sp>
-      <p:pic>
-        <p:nvPicPr>
-          <p:cNvPr id="4" name="Picture 3"/>
-          <p:cNvPicPr>
-            <a:picLocks noChangeAspect="1"/>
-          </p:cNvPicPr>
-          <p:nvPr/>
-        </p:nvPicPr>
-        <p:blipFill>
-          <a:blip r:embed="rId2"/>
-          <a:stretch>
-            <a:fillRect/>
-          </a:stretch>
-        </p:blipFill>
-        <p:spPr>
-          <a:xfrm>
-            <a:off x="0" y="1358900"/>
-            <a:ext cx="9144000" cy="4130261"/>
-          </a:xfrm>
-          <a:prstGeom prst="rect">
-            <a:avLst/>
-          </a:prstGeom>
-        </p:spPr>
-      </p:pic>
-    </p:spTree>
-    <p:extLst>
-      <p:ext uri="{BB962C8B-B14F-4D97-AF65-F5344CB8AC3E}">
-        <p14:creationId xmlns:p14="http://schemas.microsoft.com/office/powerpoint/2010/main" val="1615936210"/>
-      </p:ext>
-    </p:extLst>
-  </p:cSld>
-  <p:clrMapOvr>
-    <a:masterClrMapping/>
-  </p:clrMapOvr>
-</p:sld>
-</file>
-
-<file path=ppt/slides/slide48.xml><?xml version="1.0" encoding="utf-8"?>
-<p:sld xmlns:a="http://schemas.openxmlformats.org/drawingml/2006/main" xmlns:r="http://schemas.openxmlformats.org/officeDocument/2006/relationships" xmlns:p="http://schemas.openxmlformats.org/presentationml/2006/main">
-  <p:cSld>
-    <p:spTree>
-      <p:nvGrpSpPr>
-        <p:cNvPr id="1" name=""/>
-        <p:cNvGrpSpPr/>
-        <p:nvPr/>
-      </p:nvGrpSpPr>
-      <p:grpSpPr>
-        <a:xfrm>
-          <a:off x="0" y="0"/>
-          <a:ext cx="0" cy="0"/>
-          <a:chOff x="0" y="0"/>
-          <a:chExt cx="0" cy="0"/>
-        </a:xfrm>
-      </p:grpSpPr>
-      <p:sp>
-        <p:nvSpPr>
-          <p:cNvPr id="2" name="Title 1"/>
-          <p:cNvSpPr>
-            <a:spLocks noGrp="1"/>
-          </p:cNvSpPr>
-          <p:nvPr>
-            <p:ph type="title"/>
-          </p:nvPr>
-        </p:nvSpPr>
-        <p:spPr/>
-        <p:txBody>
-          <a:bodyPr/>
-          <a:lstStyle/>
-          <a:p>
-            <a:r>
-              <a:rPr lang="en-US" dirty="0" err="1" smtClean="0"/>
-              <a:t>Trie</a:t>
-            </a:r>
-            <a:r>
-              <a:rPr lang="en-US" dirty="0" smtClean="0"/>
-              <a:t> data structure</a:t>
-            </a:r>
-            <a:endParaRPr lang="en-US" dirty="0"/>
-          </a:p>
-        </p:txBody>
-      </p:sp>
-      <p:sp>
-        <p:nvSpPr>
-          <p:cNvPr id="3" name="Content Placeholder 2"/>
-          <p:cNvSpPr>
-            <a:spLocks noGrp="1"/>
-          </p:cNvSpPr>
-          <p:nvPr>
-            <p:ph idx="1"/>
-          </p:nvPr>
-        </p:nvSpPr>
-        <p:spPr/>
-        <p:txBody>
-          <a:bodyPr>
-            <a:normAutofit fontScale="77500" lnSpcReduction="20000"/>
-          </a:bodyPr>
-          <a:lstStyle/>
-          <a:p>
-            <a:r>
-              <a:rPr lang="en-US" dirty="0" smtClean="0"/>
-              <a:t>Keys in the </a:t>
-            </a:r>
-            <a:r>
-              <a:rPr lang="en-US" dirty="0" err="1" smtClean="0"/>
-              <a:t>trie</a:t>
-            </a:r>
-            <a:r>
-              <a:rPr lang="en-US" dirty="0" smtClean="0"/>
-              <a:t> are implicitly represented by paths from the root that end at nodes with non-null values</a:t>
-            </a:r>
-          </a:p>
-          <a:p>
-            <a:r>
-              <a:rPr lang="en-US" dirty="0" smtClean="0"/>
-              <a:t>E.g., string </a:t>
-            </a:r>
-            <a:r>
-              <a:rPr lang="en-US" dirty="0" smtClean="0"/>
-              <a:t>“sea” </a:t>
-            </a:r>
-            <a:r>
-              <a:rPr lang="en-US" dirty="0" smtClean="0"/>
-              <a:t>is associated with the value 2 in the </a:t>
-            </a:r>
-            <a:r>
-              <a:rPr lang="en-US" dirty="0" err="1" smtClean="0"/>
-              <a:t>trie</a:t>
-            </a:r>
-            <a:r>
-              <a:rPr lang="en-US" dirty="0" smtClean="0"/>
-              <a:t> because the 19</a:t>
-            </a:r>
-            <a:r>
-              <a:rPr lang="en-US" baseline="30000" dirty="0" smtClean="0"/>
-              <a:t>th</a:t>
-            </a:r>
-            <a:r>
-              <a:rPr lang="en-US" dirty="0" smtClean="0"/>
-              <a:t> link in the root (which points to the </a:t>
-            </a:r>
-            <a:r>
-              <a:rPr lang="en-US" dirty="0" err="1" smtClean="0"/>
-              <a:t>trie</a:t>
-            </a:r>
-            <a:r>
-              <a:rPr lang="en-US" dirty="0" smtClean="0"/>
-              <a:t> for all keys that start with s) is not null and the 5</a:t>
-            </a:r>
-            <a:r>
-              <a:rPr lang="en-US" baseline="30000" dirty="0" smtClean="0"/>
-              <a:t>th</a:t>
-            </a:r>
-            <a:r>
-              <a:rPr lang="en-US" dirty="0" smtClean="0"/>
-              <a:t> link in the node that link refers to (which points to the </a:t>
-            </a:r>
-            <a:r>
-              <a:rPr lang="en-US" dirty="0" err="1" smtClean="0"/>
-              <a:t>trie</a:t>
-            </a:r>
-            <a:r>
-              <a:rPr lang="en-US" dirty="0" smtClean="0"/>
-              <a:t> for all keys that start with </a:t>
-            </a:r>
-            <a:r>
-              <a:rPr lang="en-US" dirty="0" smtClean="0"/>
-              <a:t>“se”) </a:t>
-            </a:r>
-            <a:r>
-              <a:rPr lang="en-US" dirty="0" smtClean="0"/>
-              <a:t>is not null and the first  link in the node that link refers to (which points to the </a:t>
-            </a:r>
-            <a:r>
-              <a:rPr lang="en-US" dirty="0" err="1" smtClean="0"/>
-              <a:t>trie</a:t>
-            </a:r>
-            <a:r>
-              <a:rPr lang="en-US" dirty="0" smtClean="0"/>
-              <a:t> for all keys that starts with </a:t>
-            </a:r>
-            <a:r>
-              <a:rPr lang="en-US" dirty="0" smtClean="0"/>
-              <a:t>“sea”) </a:t>
-            </a:r>
-            <a:r>
-              <a:rPr lang="en-US" dirty="0" smtClean="0"/>
-              <a:t>has the value 2</a:t>
-            </a:r>
-          </a:p>
-          <a:p>
-            <a:r>
-              <a:rPr lang="en-US" dirty="0" smtClean="0"/>
-              <a:t>Neither the string </a:t>
-            </a:r>
-            <a:r>
-              <a:rPr lang="en-US" dirty="0" smtClean="0"/>
-              <a:t>“sea” </a:t>
-            </a:r>
-            <a:r>
-              <a:rPr lang="en-US" dirty="0" smtClean="0"/>
-              <a:t>nor the character </a:t>
-            </a:r>
-            <a:r>
-              <a:rPr lang="en-US" dirty="0" smtClean="0"/>
-              <a:t>s</a:t>
-            </a:r>
-            <a:r>
-              <a:rPr lang="en-US" dirty="0" smtClean="0"/>
-              <a:t>, e and a are stored in the data structure. </a:t>
-            </a:r>
-            <a:endParaRPr lang="en-US" dirty="0" smtClean="0"/>
-          </a:p>
-          <a:p>
-            <a:pPr lvl="1"/>
-            <a:r>
-              <a:rPr lang="en-US" dirty="0" smtClean="0"/>
-              <a:t>Indeed</a:t>
-            </a:r>
-            <a:r>
-              <a:rPr lang="en-US" dirty="0" smtClean="0"/>
-              <a:t>, the data structure contains no characters or strings, just links and values. </a:t>
-            </a:r>
-            <a:endParaRPr lang="en-US" dirty="0" smtClean="0"/>
-          </a:p>
-          <a:p>
-            <a:pPr lvl="1"/>
-            <a:r>
-              <a:rPr lang="en-US" dirty="0" smtClean="0"/>
-              <a:t>Since </a:t>
-            </a:r>
-            <a:r>
-              <a:rPr lang="en-US" dirty="0" smtClean="0"/>
-              <a:t>the parameter R plays such a critical role, we refer to a </a:t>
-            </a:r>
-            <a:r>
-              <a:rPr lang="en-US" dirty="0" err="1" smtClean="0"/>
-              <a:t>trie</a:t>
-            </a:r>
-            <a:r>
-              <a:rPr lang="en-US" dirty="0" smtClean="0"/>
-              <a:t> for an R-character alphabet as an R-way </a:t>
-            </a:r>
-            <a:r>
-              <a:rPr lang="en-US" dirty="0" err="1" smtClean="0"/>
-              <a:t>trie</a:t>
-            </a:r>
-            <a:endParaRPr lang="en-US" dirty="0"/>
-          </a:p>
-        </p:txBody>
-      </p:sp>
-    </p:spTree>
-    <p:extLst>
-      <p:ext uri="{BB962C8B-B14F-4D97-AF65-F5344CB8AC3E}">
-        <p14:creationId xmlns:p14="http://schemas.microsoft.com/office/powerpoint/2010/main" val="2560707099"/>
-      </p:ext>
-    </p:extLst>
-  </p:cSld>
-  <p:clrMapOvr>
-    <a:masterClrMapping/>
-  </p:clrMapOvr>
-</p:sld>
-</file>
-
-<file path=ppt/slides/slide49.xml><?xml version="1.0" encoding="utf-8"?>
-<p:sld xmlns:a="http://schemas.openxmlformats.org/drawingml/2006/main" xmlns:r="http://schemas.openxmlformats.org/officeDocument/2006/relationships" xmlns:p="http://schemas.openxmlformats.org/presentationml/2006/main">
-  <p:cSld>
-    <p:spTree>
-      <p:nvGrpSpPr>
-        <p:cNvPr id="1" name=""/>
-        <p:cNvGrpSpPr/>
-        <p:nvPr/>
-      </p:nvGrpSpPr>
-      <p:grpSpPr>
-        <a:xfrm>
-          <a:off x="0" y="0"/>
-          <a:ext cx="0" cy="0"/>
-          <a:chOff x="0" y="0"/>
-          <a:chExt cx="0" cy="0"/>
-        </a:xfrm>
-      </p:grpSpPr>
-      <p:sp>
-        <p:nvSpPr>
-          <p:cNvPr id="2" name="Title 1"/>
-          <p:cNvSpPr>
-            <a:spLocks noGrp="1"/>
-          </p:cNvSpPr>
-          <p:nvPr>
-            <p:ph type="title"/>
-          </p:nvPr>
-        </p:nvSpPr>
-        <p:spPr/>
-        <p:txBody>
-          <a:bodyPr/>
-          <a:lstStyle/>
-          <a:p>
-            <a:r>
-              <a:rPr lang="en-US" dirty="0" smtClean="0"/>
-              <a:t>Size</a:t>
-            </a:r>
-            <a:endParaRPr lang="en-US" dirty="0"/>
-          </a:p>
-        </p:txBody>
-      </p:sp>
-      <p:sp>
-        <p:nvSpPr>
-          <p:cNvPr id="3" name="Content Placeholder 2"/>
-          <p:cNvSpPr>
-            <a:spLocks noGrp="1"/>
-          </p:cNvSpPr>
-          <p:nvPr>
-            <p:ph idx="1"/>
-          </p:nvPr>
-        </p:nvSpPr>
-        <p:spPr/>
-        <p:txBody>
-          <a:bodyPr/>
-          <a:lstStyle/>
-          <a:p>
-            <a:r>
-              <a:rPr lang="en-US" dirty="0" smtClean="0"/>
-              <a:t>As for binary search tree, three straightforward options are available for implementing size()</a:t>
-            </a:r>
-          </a:p>
-          <a:p>
-            <a:pPr lvl="1"/>
-            <a:r>
-              <a:rPr lang="en-US" dirty="0" smtClean="0"/>
-              <a:t>An eager implementation where we maintain the number of keys in an instance variable N</a:t>
-            </a:r>
-          </a:p>
-          <a:p>
-            <a:pPr lvl="1"/>
-            <a:r>
-              <a:rPr lang="en-US" dirty="0" smtClean="0"/>
-              <a:t>A very eager implementation where  we maintain the number of keys in a </a:t>
-            </a:r>
-            <a:r>
-              <a:rPr lang="en-US" dirty="0" err="1" smtClean="0"/>
-              <a:t>subtrie</a:t>
-            </a:r>
-            <a:r>
-              <a:rPr lang="en-US" dirty="0" smtClean="0"/>
-              <a:t> as a node instance variable that we update after the recursive calls in put() and delete()</a:t>
-            </a:r>
-          </a:p>
-          <a:p>
-            <a:pPr lvl="1"/>
-            <a:r>
-              <a:rPr lang="en-US" dirty="0" smtClean="0"/>
-              <a:t>A lazy recursive implementation. It traverses all of the nodes in the </a:t>
-            </a:r>
-            <a:r>
-              <a:rPr lang="en-US" dirty="0" err="1" smtClean="0"/>
-              <a:t>trie</a:t>
-            </a:r>
-            <a:r>
-              <a:rPr lang="en-US" dirty="0" smtClean="0"/>
-              <a:t>, counting the number having a non-null value</a:t>
-            </a:r>
-            <a:endParaRPr lang="en-US" dirty="0"/>
-          </a:p>
-        </p:txBody>
-      </p:sp>
-    </p:spTree>
-    <p:extLst>
-      <p:ext uri="{BB962C8B-B14F-4D97-AF65-F5344CB8AC3E}">
-        <p14:creationId xmlns:p14="http://schemas.microsoft.com/office/powerpoint/2010/main" val="2580533317"/>
-      </p:ext>
-    </p:extLst>
-  </p:cSld>
-  <p:clrMapOvr>
-    <a:masterClrMapping/>
-  </p:clrMapOvr>
-</p:sld>
-</file>
-
-<file path=ppt/slides/slide5.xml><?xml version="1.0" encoding="utf-8"?>
-<p:sld xmlns:a="http://schemas.openxmlformats.org/drawingml/2006/main" xmlns:r="http://schemas.openxmlformats.org/officeDocument/2006/relationships" xmlns:p="http://schemas.openxmlformats.org/presentationml/2006/main">
-  <p:cSld>
-    <p:spTree>
-      <p:nvGrpSpPr>
-        <p:cNvPr id="1" name=""/>
-        <p:cNvGrpSpPr/>
-        <p:nvPr/>
-      </p:nvGrpSpPr>
-      <p:grpSpPr>
-        <a:xfrm>
-          <a:off x="0" y="0"/>
-          <a:ext cx="0" cy="0"/>
-          <a:chOff x="0" y="0"/>
-          <a:chExt cx="0" cy="0"/>
-        </a:xfrm>
-      </p:grpSpPr>
-      <p:sp>
-        <p:nvSpPr>
-          <p:cNvPr id="2" name="Title 1"/>
-          <p:cNvSpPr>
-            <a:spLocks noGrp="1"/>
-          </p:cNvSpPr>
-          <p:nvPr>
-            <p:ph type="title"/>
-          </p:nvPr>
-        </p:nvSpPr>
-        <p:spPr/>
-        <p:txBody>
-          <a:bodyPr/>
-          <a:lstStyle/>
-          <a:p>
-            <a:r>
-              <a:rPr lang="en-US" dirty="0"/>
-              <a:t>Concepts overview</a:t>
-            </a:r>
-          </a:p>
-        </p:txBody>
-      </p:sp>
-      <p:sp>
-        <p:nvSpPr>
-          <p:cNvPr id="3" name="Content Placeholder 2"/>
-          <p:cNvSpPr>
-            <a:spLocks noGrp="1"/>
-          </p:cNvSpPr>
-          <p:nvPr>
-            <p:ph idx="1"/>
-          </p:nvPr>
-        </p:nvSpPr>
-        <p:spPr/>
-        <p:txBody>
-          <a:bodyPr/>
-          <a:lstStyle/>
-          <a:p>
-            <a:r>
-              <a:rPr lang="en-US" dirty="0" smtClean="0"/>
-              <a:t>Character arrays</a:t>
-            </a:r>
-          </a:p>
-          <a:p>
-            <a:pPr lvl="1"/>
-            <a:r>
-              <a:rPr lang="en-US" dirty="0" smtClean="0"/>
-              <a:t>Java String class is not primitive type, but it’s a class with operations to support client use</a:t>
-            </a:r>
-          </a:p>
-          <a:p>
-            <a:pPr lvl="1"/>
-            <a:r>
-              <a:rPr lang="en-US" dirty="0" smtClean="0"/>
-              <a:t>Many algorithms can work with String as low-level representation (array of char values)</a:t>
-            </a:r>
-          </a:p>
-          <a:p>
-            <a:pPr lvl="1"/>
-            <a:endParaRPr lang="en-US" dirty="0"/>
-          </a:p>
-        </p:txBody>
-      </p:sp>
-      <p:pic>
-        <p:nvPicPr>
-          <p:cNvPr id="4" name="Picture 3"/>
-          <p:cNvPicPr>
-            <a:picLocks noChangeAspect="1"/>
-          </p:cNvPicPr>
-          <p:nvPr/>
-        </p:nvPicPr>
-        <p:blipFill>
-          <a:blip r:embed="rId2"/>
-          <a:stretch>
-            <a:fillRect/>
-          </a:stretch>
-        </p:blipFill>
-        <p:spPr>
-          <a:xfrm>
-            <a:off x="0" y="3652684"/>
-            <a:ext cx="9144000" cy="2900516"/>
-          </a:xfrm>
-          <a:prstGeom prst="rect">
-            <a:avLst/>
-          </a:prstGeom>
-        </p:spPr>
-      </p:pic>
-    </p:spTree>
-    <p:extLst>
-      <p:ext uri="{BB962C8B-B14F-4D97-AF65-F5344CB8AC3E}">
-        <p14:creationId xmlns:p14="http://schemas.microsoft.com/office/powerpoint/2010/main" val="2862154070"/>
-      </p:ext>
-    </p:extLst>
-  </p:cSld>
-  <p:clrMapOvr>
-    <a:masterClrMapping/>
-  </p:clrMapOvr>
-  <p:timing>
-    <p:tnLst>
-      <p:par>
-        <p:cTn xmlns:p14="http://schemas.microsoft.com/office/powerpoint/2010/main" id="1" dur="indefinite" restart="never" nodeType="tmRoot"/>
-      </p:par>
-    </p:tnLst>
-  </p:timing>
-</p:sld>
-</file>
-
-<file path=ppt/slides/slide50.xml><?xml version="1.0" encoding="utf-8"?>
-<p:sld xmlns:a="http://schemas.openxmlformats.org/drawingml/2006/main" xmlns:r="http://schemas.openxmlformats.org/officeDocument/2006/relationships" xmlns:p="http://schemas.openxmlformats.org/presentationml/2006/main">
-  <p:cSld>
-    <p:spTree>
-      <p:nvGrpSpPr>
-        <p:cNvPr id="1" name=""/>
-        <p:cNvGrpSpPr/>
-        <p:nvPr/>
-      </p:nvGrpSpPr>
-      <p:grpSpPr>
-        <a:xfrm>
-          <a:off x="0" y="0"/>
-          <a:ext cx="0" cy="0"/>
-          <a:chOff x="0" y="0"/>
-          <a:chExt cx="0" cy="0"/>
-        </a:xfrm>
-      </p:grpSpPr>
-      <p:sp>
-        <p:nvSpPr>
-          <p:cNvPr id="2" name="Title 1"/>
-          <p:cNvSpPr>
-            <a:spLocks noGrp="1"/>
-          </p:cNvSpPr>
-          <p:nvPr>
-            <p:ph type="title"/>
-          </p:nvPr>
-        </p:nvSpPr>
-        <p:spPr/>
-        <p:txBody>
-          <a:bodyPr/>
-          <a:lstStyle/>
-          <a:p>
-            <a:r>
-              <a:rPr lang="en-US" dirty="0" smtClean="0"/>
-              <a:t>put() method</a:t>
-            </a:r>
-            <a:endParaRPr lang="en-US" dirty="0"/>
-          </a:p>
-        </p:txBody>
-      </p:sp>
-      <p:pic>
-        <p:nvPicPr>
-          <p:cNvPr id="4" name="Picture 3"/>
-          <p:cNvPicPr>
-            <a:picLocks noChangeAspect="1"/>
-          </p:cNvPicPr>
-          <p:nvPr/>
-        </p:nvPicPr>
-        <p:blipFill>
-          <a:blip r:embed="rId2"/>
-          <a:stretch>
-            <a:fillRect/>
-          </a:stretch>
-        </p:blipFill>
-        <p:spPr>
-          <a:xfrm>
-            <a:off x="0" y="1062588"/>
-            <a:ext cx="9144000" cy="5109612"/>
-          </a:xfrm>
-          <a:prstGeom prst="rect">
-            <a:avLst/>
-          </a:prstGeom>
-        </p:spPr>
-      </p:pic>
-    </p:spTree>
-    <p:extLst>
-      <p:ext uri="{BB962C8B-B14F-4D97-AF65-F5344CB8AC3E}">
-        <p14:creationId xmlns:p14="http://schemas.microsoft.com/office/powerpoint/2010/main" val="4086913828"/>
-      </p:ext>
-    </p:extLst>
-  </p:cSld>
-  <p:clrMapOvr>
-    <a:masterClrMapping/>
-  </p:clrMapOvr>
-</p:sld>
-</file>
-
-<file path=ppt/slides/slide51.xml><?xml version="1.0" encoding="utf-8"?>
-<p:sld xmlns:a="http://schemas.openxmlformats.org/drawingml/2006/main" xmlns:r="http://schemas.openxmlformats.org/officeDocument/2006/relationships" xmlns:p="http://schemas.openxmlformats.org/presentationml/2006/main">
-  <p:cSld>
-    <p:spTree>
-      <p:nvGrpSpPr>
-        <p:cNvPr id="1" name=""/>
-        <p:cNvGrpSpPr/>
-        <p:nvPr/>
-      </p:nvGrpSpPr>
-      <p:grpSpPr>
-        <a:xfrm>
-          <a:off x="0" y="0"/>
-          <a:ext cx="0" cy="0"/>
-          <a:chOff x="0" y="0"/>
-          <a:chExt cx="0" cy="0"/>
-        </a:xfrm>
-      </p:grpSpPr>
-      <p:sp>
-        <p:nvSpPr>
-          <p:cNvPr id="2" name="Title 1"/>
-          <p:cNvSpPr>
-            <a:spLocks noGrp="1"/>
-          </p:cNvSpPr>
-          <p:nvPr>
-            <p:ph type="title"/>
-          </p:nvPr>
-        </p:nvSpPr>
-        <p:spPr/>
-        <p:txBody>
-          <a:bodyPr/>
-          <a:lstStyle/>
-          <a:p>
-            <a:r>
-              <a:rPr lang="en-US" dirty="0" smtClean="0"/>
-              <a:t>get() method</a:t>
-            </a:r>
-            <a:endParaRPr lang="en-US" dirty="0"/>
-          </a:p>
-        </p:txBody>
-      </p:sp>
-      <p:pic>
-        <p:nvPicPr>
-          <p:cNvPr id="5" name="Picture 4"/>
-          <p:cNvPicPr>
-            <a:picLocks noChangeAspect="1"/>
-          </p:cNvPicPr>
-          <p:nvPr/>
-        </p:nvPicPr>
-        <p:blipFill>
-          <a:blip r:embed="rId2"/>
-          <a:stretch>
-            <a:fillRect/>
-          </a:stretch>
-        </p:blipFill>
-        <p:spPr>
-          <a:xfrm>
-            <a:off x="0" y="990600"/>
-            <a:ext cx="9144000" cy="3627783"/>
-          </a:xfrm>
-          <a:prstGeom prst="rect">
-            <a:avLst/>
-          </a:prstGeom>
-        </p:spPr>
-      </p:pic>
-    </p:spTree>
-    <p:extLst>
-      <p:ext uri="{BB962C8B-B14F-4D97-AF65-F5344CB8AC3E}">
-        <p14:creationId xmlns:p14="http://schemas.microsoft.com/office/powerpoint/2010/main" val="1207878331"/>
-      </p:ext>
-    </p:extLst>
-  </p:cSld>
-  <p:clrMapOvr>
-    <a:masterClrMapping/>
-  </p:clrMapOvr>
-</p:sld>
-</file>
-
-<file path=ppt/slides/slide52.xml><?xml version="1.0" encoding="utf-8"?>
-<p:sld xmlns:a="http://schemas.openxmlformats.org/drawingml/2006/main" xmlns:r="http://schemas.openxmlformats.org/officeDocument/2006/relationships" xmlns:p="http://schemas.openxmlformats.org/presentationml/2006/main">
-  <p:cSld>
-    <p:spTree>
-      <p:nvGrpSpPr>
-        <p:cNvPr id="1" name=""/>
-        <p:cNvGrpSpPr/>
-        <p:nvPr/>
-      </p:nvGrpSpPr>
-      <p:grpSpPr>
-        <a:xfrm>
-          <a:off x="0" y="0"/>
-          <a:ext cx="0" cy="0"/>
-          <a:chOff x="0" y="0"/>
-          <a:chExt cx="0" cy="0"/>
-        </a:xfrm>
-      </p:grpSpPr>
-      <p:sp>
-        <p:nvSpPr>
-          <p:cNvPr id="2" name="Title 1"/>
-          <p:cNvSpPr>
-            <a:spLocks noGrp="1"/>
-          </p:cNvSpPr>
-          <p:nvPr>
-            <p:ph type="title"/>
-          </p:nvPr>
-        </p:nvSpPr>
-        <p:spPr/>
-        <p:txBody>
-          <a:bodyPr/>
-          <a:lstStyle/>
-          <a:p>
-            <a:r>
-              <a:rPr lang="en-US" dirty="0" smtClean="0"/>
-              <a:t>Collecting keys</a:t>
-            </a:r>
-            <a:endParaRPr lang="en-US" dirty="0"/>
-          </a:p>
-        </p:txBody>
-      </p:sp>
-      <p:sp>
-        <p:nvSpPr>
-          <p:cNvPr id="3" name="Content Placeholder 2"/>
-          <p:cNvSpPr>
-            <a:spLocks noGrp="1"/>
-          </p:cNvSpPr>
-          <p:nvPr>
-            <p:ph idx="1"/>
-          </p:nvPr>
-        </p:nvSpPr>
-        <p:spPr/>
-        <p:txBody>
-          <a:bodyPr>
-            <a:normAutofit fontScale="62500" lnSpcReduction="20000"/>
-          </a:bodyPr>
-          <a:lstStyle/>
-          <a:p>
-            <a:r>
-              <a:rPr lang="en-US" dirty="0" smtClean="0"/>
-              <a:t>Because characters and keys are represented implicitly in tries, </a:t>
-            </a:r>
-            <a:r>
-              <a:rPr lang="en-US" dirty="0" smtClean="0"/>
-              <a:t>we need to provide </a:t>
-            </a:r>
-            <a:r>
-              <a:rPr lang="en-US" dirty="0" smtClean="0"/>
-              <a:t>clients with the ability to iterate through the </a:t>
-            </a:r>
-            <a:r>
-              <a:rPr lang="en-US" dirty="0" smtClean="0"/>
-              <a:t>keys</a:t>
-            </a:r>
-          </a:p>
-          <a:p>
-            <a:r>
-              <a:rPr lang="en-US" dirty="0" smtClean="0"/>
-              <a:t>We </a:t>
-            </a:r>
-            <a:r>
-              <a:rPr lang="en-US" dirty="0" smtClean="0"/>
-              <a:t>need to </a:t>
-            </a:r>
-            <a:r>
-              <a:rPr lang="en-US" dirty="0" smtClean="0"/>
-              <a:t>create </a:t>
-            </a:r>
-            <a:r>
-              <a:rPr lang="en-US" dirty="0" smtClean="0"/>
-              <a:t>explicit representations </a:t>
-            </a:r>
-            <a:r>
-              <a:rPr lang="en-US" dirty="0" smtClean="0"/>
-              <a:t>for all </a:t>
-            </a:r>
-            <a:r>
-              <a:rPr lang="en-US" dirty="0" smtClean="0"/>
-              <a:t>the string keys, not just find </a:t>
-            </a:r>
-            <a:r>
-              <a:rPr lang="en-US" dirty="0" smtClean="0"/>
-              <a:t>them</a:t>
-            </a:r>
-            <a:endParaRPr lang="en-US" dirty="0" smtClean="0"/>
-          </a:p>
-          <a:p>
-            <a:r>
-              <a:rPr lang="en-US" dirty="0" smtClean="0"/>
-              <a:t>We do so with a recursive private method collect() that is similar to size() but also maintains a string with the sequence of characters on the path from the root</a:t>
-            </a:r>
-          </a:p>
-          <a:p>
-            <a:r>
-              <a:rPr lang="en-US" dirty="0" smtClean="0"/>
-              <a:t>Each time that we visit a node via a call to collect() with that node as first argument, the second argument is the string associated with that </a:t>
-            </a:r>
-            <a:r>
-              <a:rPr lang="en-US" dirty="0" smtClean="0"/>
-              <a:t>node</a:t>
-            </a:r>
-            <a:endParaRPr lang="en-US" dirty="0" smtClean="0"/>
-          </a:p>
-          <a:p>
-            <a:r>
-              <a:rPr lang="en-US" dirty="0" smtClean="0"/>
-              <a:t>To visit a node, we add its associated string to the queue if its value is not null, then visit (recursively) all the nodes in its array of links, one for each possible character</a:t>
-            </a:r>
-          </a:p>
-          <a:p>
-            <a:r>
-              <a:rPr lang="en-US" dirty="0" smtClean="0"/>
-              <a:t>To create the key for each call, we append the character corresponding to the link to the current key</a:t>
-            </a:r>
-          </a:p>
-          <a:p>
-            <a:r>
-              <a:rPr lang="en-US" dirty="0" smtClean="0"/>
-              <a:t>We use this collect() method to collect keys for both the keys() and the </a:t>
-            </a:r>
-            <a:r>
-              <a:rPr lang="en-US" dirty="0" err="1" smtClean="0"/>
-              <a:t>keysWithPrefix</a:t>
-            </a:r>
-            <a:r>
-              <a:rPr lang="en-US" dirty="0" smtClean="0"/>
-              <a:t>() methods in the API</a:t>
-            </a:r>
-          </a:p>
-          <a:p>
-            <a:pPr lvl="1"/>
-            <a:r>
-              <a:rPr lang="en-US" dirty="0" smtClean="0"/>
-              <a:t>To implement the keys() we call </a:t>
-            </a:r>
-            <a:r>
-              <a:rPr lang="en-US" dirty="0" err="1" smtClean="0"/>
-              <a:t>keysWithPrefix</a:t>
-            </a:r>
-            <a:r>
-              <a:rPr lang="en-US" dirty="0" smtClean="0"/>
-              <a:t>() with the empty string as argument</a:t>
-            </a:r>
-          </a:p>
-          <a:p>
-            <a:pPr lvl="1"/>
-            <a:r>
-              <a:rPr lang="en-US" dirty="0" smtClean="0"/>
-              <a:t>To implement </a:t>
-            </a:r>
-            <a:r>
-              <a:rPr lang="en-US" dirty="0" err="1" smtClean="0"/>
-              <a:t>keysWithPrefix</a:t>
-            </a:r>
-            <a:r>
-              <a:rPr lang="en-US" dirty="0" smtClean="0"/>
-              <a:t>(), we call get() to find the </a:t>
-            </a:r>
-            <a:r>
-              <a:rPr lang="en-US" dirty="0" err="1" smtClean="0"/>
-              <a:t>trie</a:t>
-            </a:r>
-            <a:r>
-              <a:rPr lang="en-US" dirty="0" smtClean="0"/>
-              <a:t> node corresponding to the given prefix (null if there is no such node), then use the collect() method to complete the job.</a:t>
-            </a:r>
-          </a:p>
-          <a:p>
-            <a:endParaRPr lang="en-US" dirty="0" smtClean="0"/>
-          </a:p>
-          <a:p>
-            <a:endParaRPr lang="en-US" dirty="0"/>
-          </a:p>
-        </p:txBody>
-      </p:sp>
-    </p:spTree>
-    <p:extLst>
-      <p:ext uri="{BB962C8B-B14F-4D97-AF65-F5344CB8AC3E}">
-        <p14:creationId xmlns:p14="http://schemas.microsoft.com/office/powerpoint/2010/main" val="1421797520"/>
-      </p:ext>
-    </p:extLst>
-  </p:cSld>
-  <p:clrMapOvr>
-    <a:masterClrMapping/>
-  </p:clrMapOvr>
-</p:sld>
-</file>
-
-<file path=ppt/slides/slide53.xml><?xml version="1.0" encoding="utf-8"?>
-<p:sld xmlns:a="http://schemas.openxmlformats.org/drawingml/2006/main" xmlns:r="http://schemas.openxmlformats.org/officeDocument/2006/relationships" xmlns:p="http://schemas.openxmlformats.org/presentationml/2006/main">
-  <p:cSld>
-    <p:spTree>
-      <p:nvGrpSpPr>
-        <p:cNvPr id="1" name=""/>
-        <p:cNvGrpSpPr/>
-        <p:nvPr/>
-      </p:nvGrpSpPr>
-      <p:grpSpPr>
-        <a:xfrm>
-          <a:off x="0" y="0"/>
-          <a:ext cx="0" cy="0"/>
-          <a:chOff x="0" y="0"/>
-          <a:chExt cx="0" cy="0"/>
-        </a:xfrm>
-      </p:grpSpPr>
-      <p:sp>
-        <p:nvSpPr>
-          <p:cNvPr id="2" name="Title 1"/>
-          <p:cNvSpPr>
-            <a:spLocks noGrp="1"/>
-          </p:cNvSpPr>
-          <p:nvPr>
-            <p:ph type="title"/>
-          </p:nvPr>
-        </p:nvSpPr>
-        <p:spPr/>
-        <p:txBody>
-          <a:bodyPr/>
-          <a:lstStyle/>
-          <a:p>
-            <a:r>
-              <a:rPr lang="en-US" dirty="0" smtClean="0"/>
-              <a:t>Collecting keys</a:t>
-            </a:r>
-            <a:endParaRPr lang="en-US" dirty="0"/>
-          </a:p>
-        </p:txBody>
-      </p:sp>
-      <p:pic>
-        <p:nvPicPr>
-          <p:cNvPr id="4" name="Picture 3"/>
-          <p:cNvPicPr>
-            <a:picLocks noChangeAspect="1"/>
-          </p:cNvPicPr>
-          <p:nvPr/>
-        </p:nvPicPr>
-        <p:blipFill>
-          <a:blip r:embed="rId2"/>
-          <a:stretch>
-            <a:fillRect/>
-          </a:stretch>
-        </p:blipFill>
-        <p:spPr>
-          <a:xfrm>
-            <a:off x="0" y="1054100"/>
-            <a:ext cx="9144000" cy="4747846"/>
-          </a:xfrm>
-          <a:prstGeom prst="rect">
-            <a:avLst/>
-          </a:prstGeom>
-        </p:spPr>
-      </p:pic>
-    </p:spTree>
-    <p:extLst>
-      <p:ext uri="{BB962C8B-B14F-4D97-AF65-F5344CB8AC3E}">
-        <p14:creationId xmlns:p14="http://schemas.microsoft.com/office/powerpoint/2010/main" val="1960802716"/>
-      </p:ext>
-    </p:extLst>
-  </p:cSld>
-  <p:clrMapOvr>
-    <a:masterClrMapping/>
-  </p:clrMapOvr>
-</p:sld>
-</file>
-
-<file path=ppt/slides/slide54.xml><?xml version="1.0" encoding="utf-8"?>
-<p:sld xmlns:a="http://schemas.openxmlformats.org/drawingml/2006/main" xmlns:r="http://schemas.openxmlformats.org/officeDocument/2006/relationships" xmlns:p="http://schemas.openxmlformats.org/presentationml/2006/main">
-  <p:cSld>
-    <p:spTree>
-      <p:nvGrpSpPr>
-        <p:cNvPr id="1" name=""/>
-        <p:cNvGrpSpPr/>
-        <p:nvPr/>
-      </p:nvGrpSpPr>
-      <p:grpSpPr>
-        <a:xfrm>
-          <a:off x="0" y="0"/>
-          <a:ext cx="0" cy="0"/>
-          <a:chOff x="0" y="0"/>
-          <a:chExt cx="0" cy="0"/>
-        </a:xfrm>
-      </p:grpSpPr>
-      <p:sp>
-        <p:nvSpPr>
-          <p:cNvPr id="2" name="Title 1"/>
-          <p:cNvSpPr>
-            <a:spLocks noGrp="1"/>
-          </p:cNvSpPr>
-          <p:nvPr>
-            <p:ph type="title"/>
-          </p:nvPr>
-        </p:nvSpPr>
-        <p:spPr/>
-        <p:txBody>
-          <a:bodyPr/>
-          <a:lstStyle/>
-          <a:p>
-            <a:r>
-              <a:rPr lang="en-US" dirty="0" smtClean="0"/>
-              <a:t>Collecting the keys in a </a:t>
-            </a:r>
-            <a:r>
-              <a:rPr lang="en-US" dirty="0" err="1" smtClean="0"/>
-              <a:t>trie</a:t>
-            </a:r>
-            <a:r>
-              <a:rPr lang="en-US" dirty="0" smtClean="0"/>
-              <a:t> (trace)</a:t>
-            </a:r>
-            <a:endParaRPr lang="en-US" dirty="0"/>
-          </a:p>
-        </p:txBody>
-      </p:sp>
-      <p:pic>
-        <p:nvPicPr>
-          <p:cNvPr id="4" name="Picture 3"/>
-          <p:cNvPicPr>
-            <a:picLocks noChangeAspect="1"/>
-          </p:cNvPicPr>
-          <p:nvPr/>
-        </p:nvPicPr>
-        <p:blipFill>
-          <a:blip r:embed="rId2"/>
-          <a:stretch>
-            <a:fillRect/>
-          </a:stretch>
-        </p:blipFill>
-        <p:spPr>
-          <a:xfrm>
-            <a:off x="330200" y="990600"/>
-            <a:ext cx="8459869" cy="5562600"/>
-          </a:xfrm>
-          <a:prstGeom prst="rect">
-            <a:avLst/>
-          </a:prstGeom>
-        </p:spPr>
-      </p:pic>
-    </p:spTree>
-    <p:extLst>
-      <p:ext uri="{BB962C8B-B14F-4D97-AF65-F5344CB8AC3E}">
-        <p14:creationId xmlns:p14="http://schemas.microsoft.com/office/powerpoint/2010/main" val="4245954919"/>
-      </p:ext>
-    </p:extLst>
-  </p:cSld>
-  <p:clrMapOvr>
-    <a:masterClrMapping/>
-  </p:clrMapOvr>
-</p:sld>
-</file>
-
-<file path=ppt/slides/slide55.xml><?xml version="1.0" encoding="utf-8"?>
-<p:sld xmlns:a="http://schemas.openxmlformats.org/drawingml/2006/main" xmlns:r="http://schemas.openxmlformats.org/officeDocument/2006/relationships" xmlns:p="http://schemas.openxmlformats.org/presentationml/2006/main">
-  <p:cSld>
-    <p:spTree>
-      <p:nvGrpSpPr>
-        <p:cNvPr id="1" name=""/>
-        <p:cNvGrpSpPr/>
-        <p:nvPr/>
-      </p:nvGrpSpPr>
-      <p:grpSpPr>
-        <a:xfrm>
-          <a:off x="0" y="0"/>
-          <a:ext cx="0" cy="0"/>
-          <a:chOff x="0" y="0"/>
-          <a:chExt cx="0" cy="0"/>
-        </a:xfrm>
-      </p:grpSpPr>
-      <p:sp>
-        <p:nvSpPr>
-          <p:cNvPr id="2" name="Title 1"/>
-          <p:cNvSpPr>
-            <a:spLocks noGrp="1"/>
-          </p:cNvSpPr>
-          <p:nvPr>
-            <p:ph type="title"/>
-          </p:nvPr>
-        </p:nvSpPr>
-        <p:spPr/>
-        <p:txBody>
-          <a:bodyPr/>
-          <a:lstStyle/>
-          <a:p>
-            <a:r>
-              <a:rPr lang="en-US" dirty="0" smtClean="0"/>
-              <a:t>Deletion</a:t>
-            </a:r>
-            <a:endParaRPr lang="en-US" dirty="0"/>
-          </a:p>
-        </p:txBody>
-      </p:sp>
-      <p:sp>
-        <p:nvSpPr>
-          <p:cNvPr id="3" name="Content Placeholder 2"/>
-          <p:cNvSpPr>
-            <a:spLocks noGrp="1"/>
-          </p:cNvSpPr>
-          <p:nvPr>
-            <p:ph idx="1"/>
-          </p:nvPr>
-        </p:nvSpPr>
-        <p:spPr/>
-        <p:txBody>
-          <a:bodyPr>
-            <a:normAutofit fontScale="92500" lnSpcReduction="10000"/>
-          </a:bodyPr>
-          <a:lstStyle/>
-          <a:p>
-            <a:r>
-              <a:rPr lang="en-US" dirty="0" smtClean="0"/>
-              <a:t>The first step needed is to use a normal search to find the node and set the corresponding value to null</a:t>
-            </a:r>
-          </a:p>
-          <a:p>
-            <a:r>
-              <a:rPr lang="en-US" dirty="0" smtClean="0"/>
-              <a:t>If that node has non-null link to a child, then no more work is required</a:t>
-            </a:r>
-          </a:p>
-          <a:p>
-            <a:r>
-              <a:rPr lang="en-US" dirty="0" smtClean="0"/>
-              <a:t>If all the links are null, we need to remove the node from the data structure.</a:t>
-            </a:r>
-          </a:p>
-          <a:p>
-            <a:r>
-              <a:rPr lang="en-US" dirty="0" smtClean="0"/>
-              <a:t>If doing so leaves all the links null in its parent, we need to remove that node, and so forth</a:t>
-            </a:r>
-          </a:p>
-          <a:p>
-            <a:r>
-              <a:rPr lang="en-US" dirty="0" smtClean="0"/>
-              <a:t>We use recursive setup: after the recursive calls for a node x, we return null if the client value and all of the links in a node are null; otherwise we return x</a:t>
-            </a:r>
-          </a:p>
-          <a:p>
-            <a:endParaRPr lang="en-US" dirty="0"/>
-          </a:p>
-        </p:txBody>
-      </p:sp>
-    </p:spTree>
-    <p:extLst>
-      <p:ext uri="{BB962C8B-B14F-4D97-AF65-F5344CB8AC3E}">
-        <p14:creationId xmlns:p14="http://schemas.microsoft.com/office/powerpoint/2010/main" val="1701699772"/>
-      </p:ext>
-    </p:extLst>
-  </p:cSld>
-  <p:clrMapOvr>
-    <a:masterClrMapping/>
-  </p:clrMapOvr>
-</p:sld>
-</file>
-
-<file path=ppt/slides/slide56.xml><?xml version="1.0" encoding="utf-8"?>
-<p:sld xmlns:a="http://schemas.openxmlformats.org/drawingml/2006/main" xmlns:r="http://schemas.openxmlformats.org/officeDocument/2006/relationships" xmlns:p="http://schemas.openxmlformats.org/presentationml/2006/main">
-  <p:cSld>
-    <p:spTree>
-      <p:nvGrpSpPr>
-        <p:cNvPr id="1" name=""/>
-        <p:cNvGrpSpPr/>
-        <p:nvPr/>
-      </p:nvGrpSpPr>
-      <p:grpSpPr>
-        <a:xfrm>
-          <a:off x="0" y="0"/>
-          <a:ext cx="0" cy="0"/>
-          <a:chOff x="0" y="0"/>
-          <a:chExt cx="0" cy="0"/>
-        </a:xfrm>
-      </p:grpSpPr>
-      <p:sp>
-        <p:nvSpPr>
-          <p:cNvPr id="2" name="Title 1"/>
-          <p:cNvSpPr>
-            <a:spLocks noGrp="1"/>
-          </p:cNvSpPr>
-          <p:nvPr>
-            <p:ph type="title"/>
-          </p:nvPr>
-        </p:nvSpPr>
-        <p:spPr/>
-        <p:txBody>
-          <a:bodyPr/>
-          <a:lstStyle/>
-          <a:p>
-            <a:r>
-              <a:rPr lang="en-US" dirty="0" smtClean="0"/>
-              <a:t>Delete</a:t>
-            </a:r>
-            <a:endParaRPr lang="en-US" dirty="0"/>
-          </a:p>
-        </p:txBody>
-      </p:sp>
-      <p:pic>
-        <p:nvPicPr>
-          <p:cNvPr id="4" name="Picture 3"/>
-          <p:cNvPicPr>
-            <a:picLocks noChangeAspect="1"/>
-          </p:cNvPicPr>
-          <p:nvPr/>
-        </p:nvPicPr>
-        <p:blipFill>
-          <a:blip r:embed="rId2"/>
-          <a:stretch>
-            <a:fillRect/>
-          </a:stretch>
-        </p:blipFill>
-        <p:spPr>
-          <a:xfrm>
-            <a:off x="0" y="990600"/>
-            <a:ext cx="9144000" cy="5615808"/>
-          </a:xfrm>
-          <a:prstGeom prst="rect">
-            <a:avLst/>
-          </a:prstGeom>
-        </p:spPr>
-      </p:pic>
-    </p:spTree>
-    <p:extLst>
-      <p:ext uri="{BB962C8B-B14F-4D97-AF65-F5344CB8AC3E}">
-        <p14:creationId xmlns:p14="http://schemas.microsoft.com/office/powerpoint/2010/main" val="690868538"/>
-      </p:ext>
-    </p:extLst>
-  </p:cSld>
-  <p:clrMapOvr>
-    <a:masterClrMapping/>
-  </p:clrMapOvr>
-</p:sld>
-</file>
-
-<file path=ppt/slides/slide57.xml><?xml version="1.0" encoding="utf-8"?>
-<p:sld xmlns:a="http://schemas.openxmlformats.org/drawingml/2006/main" xmlns:r="http://schemas.openxmlformats.org/officeDocument/2006/relationships" xmlns:p="http://schemas.openxmlformats.org/presentationml/2006/main">
-  <p:cSld>
-    <p:spTree>
-      <p:nvGrpSpPr>
-        <p:cNvPr id="1" name=""/>
-        <p:cNvGrpSpPr/>
-        <p:nvPr/>
-      </p:nvGrpSpPr>
-      <p:grpSpPr>
-        <a:xfrm>
-          <a:off x="0" y="0"/>
-          <a:ext cx="0" cy="0"/>
-          <a:chOff x="0" y="0"/>
-          <a:chExt cx="0" cy="0"/>
-        </a:xfrm>
-      </p:grpSpPr>
-      <p:sp>
-        <p:nvSpPr>
-          <p:cNvPr id="2" name="Title 1"/>
-          <p:cNvSpPr>
-            <a:spLocks noGrp="1"/>
-          </p:cNvSpPr>
-          <p:nvPr>
-            <p:ph type="title"/>
-          </p:nvPr>
-        </p:nvSpPr>
-        <p:spPr/>
-        <p:txBody>
-          <a:bodyPr/>
-          <a:lstStyle/>
-          <a:p>
-            <a:r>
-              <a:rPr lang="en-US" dirty="0" smtClean="0"/>
-              <a:t>Summaries</a:t>
-            </a:r>
-            <a:endParaRPr lang="en-US" dirty="0"/>
-          </a:p>
-        </p:txBody>
-      </p:sp>
-      <p:sp>
-        <p:nvSpPr>
-          <p:cNvPr id="3" name="Content Placeholder 2"/>
-          <p:cNvSpPr>
-            <a:spLocks noGrp="1"/>
-          </p:cNvSpPr>
-          <p:nvPr>
-            <p:ph idx="1"/>
-          </p:nvPr>
-        </p:nvSpPr>
-        <p:spPr/>
-        <p:txBody>
-          <a:bodyPr/>
-          <a:lstStyle/>
-          <a:p>
-            <a:r>
-              <a:rPr lang="en-US" dirty="0" smtClean="0"/>
-              <a:t>Concepts overview</a:t>
-            </a:r>
-          </a:p>
-          <a:p>
-            <a:pPr lvl="1"/>
-            <a:r>
-              <a:rPr lang="en-US" dirty="0" smtClean="0"/>
-              <a:t>String representation and String manipulation</a:t>
-            </a:r>
-          </a:p>
-          <a:p>
-            <a:r>
-              <a:rPr lang="en-US" dirty="0" smtClean="0"/>
-              <a:t>String sorts</a:t>
-            </a:r>
-          </a:p>
-          <a:p>
-            <a:pPr lvl="1"/>
-            <a:r>
-              <a:rPr lang="en-US" dirty="0" smtClean="0"/>
-              <a:t>Key-indexed counting</a:t>
-            </a:r>
-          </a:p>
-          <a:p>
-            <a:pPr lvl="1"/>
-            <a:r>
-              <a:rPr lang="en-US" dirty="0" smtClean="0"/>
-              <a:t>LSD string sorts</a:t>
-            </a:r>
-          </a:p>
-          <a:p>
-            <a:pPr lvl="1"/>
-            <a:r>
-              <a:rPr lang="en-US" dirty="0" smtClean="0"/>
-              <a:t>MSD string sorts</a:t>
-            </a:r>
-          </a:p>
-          <a:p>
-            <a:r>
-              <a:rPr lang="en-US" dirty="0" smtClean="0"/>
-              <a:t>String search</a:t>
-            </a:r>
-          </a:p>
-          <a:p>
-            <a:pPr lvl="1"/>
-            <a:r>
-              <a:rPr lang="en-US" dirty="0" smtClean="0"/>
-              <a:t>Tries</a:t>
-            </a:r>
-          </a:p>
-          <a:p>
-            <a:pPr lvl="1"/>
-            <a:r>
-              <a:rPr lang="en-US" dirty="0" err="1" smtClean="0"/>
-              <a:t>TrieST</a:t>
-            </a:r>
-            <a:r>
-              <a:rPr lang="en-US" dirty="0" smtClean="0"/>
-              <a:t> API</a:t>
-            </a:r>
-            <a:endParaRPr lang="en-US" dirty="0"/>
-          </a:p>
-        </p:txBody>
-      </p:sp>
-    </p:spTree>
-    <p:extLst>
-      <p:ext uri="{BB962C8B-B14F-4D97-AF65-F5344CB8AC3E}">
-        <p14:creationId xmlns:p14="http://schemas.microsoft.com/office/powerpoint/2010/main" val="579784365"/>
-      </p:ext>
-    </p:extLst>
-  </p:cSld>
-  <p:clrMapOvr>
-    <a:masterClrMapping/>
-  </p:clrMapOvr>
-  <p:timing>
-    <p:tnLst>
-      <p:par>
-        <p:cTn xmlns:p14="http://schemas.microsoft.com/office/powerpoint/2010/main" id="1" dur="indefinite" restart="never" nodeType="tmRoot"/>
-      </p:par>
-    </p:tnLst>
-  </p:timing>
-</p:sld>
-</file>
-
-<file path=ppt/slides/slide6.xml><?xml version="1.0" encoding="utf-8"?>
-<p:sld xmlns:a="http://schemas.openxmlformats.org/drawingml/2006/main" xmlns:r="http://schemas.openxmlformats.org/officeDocument/2006/relationships" xmlns:p="http://schemas.openxmlformats.org/presentationml/2006/main">
-  <p:cSld>
-    <p:spTree>
-      <p:nvGrpSpPr>
-        <p:cNvPr id="1" name=""/>
-        <p:cNvGrpSpPr/>
-        <p:nvPr/>
-      </p:nvGrpSpPr>
-      <p:grpSpPr>
-        <a:xfrm>
-          <a:off x="0" y="0"/>
-          <a:ext cx="0" cy="0"/>
-          <a:chOff x="0" y="0"/>
-          <a:chExt cx="0" cy="0"/>
-        </a:xfrm>
-      </p:grpSpPr>
-      <p:sp>
-        <p:nvSpPr>
-          <p:cNvPr id="4" name="Title 3"/>
-          <p:cNvSpPr>
-            <a:spLocks noGrp="1"/>
-          </p:cNvSpPr>
-          <p:nvPr>
-            <p:ph type="title"/>
-          </p:nvPr>
-        </p:nvSpPr>
-        <p:spPr/>
-        <p:txBody>
-          <a:bodyPr/>
-          <a:lstStyle/>
-          <a:p>
-            <a:r>
-              <a:rPr lang="en-US" dirty="0" smtClean="0"/>
-              <a:t>String sorts</a:t>
-            </a:r>
-            <a:endParaRPr lang="en-US" dirty="0"/>
-          </a:p>
-        </p:txBody>
-      </p:sp>
-      <p:sp>
-        <p:nvSpPr>
-          <p:cNvPr id="5" name="Text Placeholder 4"/>
-          <p:cNvSpPr>
-            <a:spLocks noGrp="1"/>
-          </p:cNvSpPr>
-          <p:nvPr>
-            <p:ph type="body" idx="1"/>
-          </p:nvPr>
-        </p:nvSpPr>
-        <p:spPr/>
-        <p:txBody>
-          <a:bodyPr/>
-          <a:lstStyle/>
-          <a:p>
-            <a:r>
-              <a:rPr lang="en-US" dirty="0" smtClean="0"/>
-              <a:t>Key-indexed counting, LSD string sorts, MSD string sorts</a:t>
-            </a:r>
-            <a:endParaRPr lang="en-US" dirty="0"/>
-          </a:p>
-        </p:txBody>
-      </p:sp>
-    </p:spTree>
-    <p:extLst>
-      <p:ext uri="{BB962C8B-B14F-4D97-AF65-F5344CB8AC3E}">
-        <p14:creationId xmlns:p14="http://schemas.microsoft.com/office/powerpoint/2010/main" val="855004464"/>
-      </p:ext>
-    </p:extLst>
-  </p:cSld>
-  <p:clrMapOvr>
-    <a:masterClrMapping/>
-  </p:clrMapOvr>
-</p:sld>
-</file>
-
-<file path=ppt/slides/slide7.xml><?xml version="1.0" encoding="utf-8"?>
-<p:sld xmlns:a="http://schemas.openxmlformats.org/drawingml/2006/main" xmlns:r="http://schemas.openxmlformats.org/officeDocument/2006/relationships" xmlns:p="http://schemas.openxmlformats.org/presentationml/2006/main">
-  <p:cSld>
-    <p:spTree>
-      <p:nvGrpSpPr>
-        <p:cNvPr id="1" name=""/>
-        <p:cNvGrpSpPr/>
-        <p:nvPr/>
-      </p:nvGrpSpPr>
-      <p:grpSpPr>
-        <a:xfrm>
-          <a:off x="0" y="0"/>
-          <a:ext cx="0" cy="0"/>
-          <a:chOff x="0" y="0"/>
-          <a:chExt cx="0" cy="0"/>
-        </a:xfrm>
-      </p:grpSpPr>
-      <p:sp>
-        <p:nvSpPr>
-          <p:cNvPr id="2" name="Title 1"/>
-          <p:cNvSpPr>
-            <a:spLocks noGrp="1"/>
-          </p:cNvSpPr>
-          <p:nvPr>
-            <p:ph type="title"/>
-          </p:nvPr>
-        </p:nvSpPr>
-        <p:spPr/>
-        <p:txBody>
-          <a:bodyPr/>
-          <a:lstStyle/>
-          <a:p>
-            <a:r>
-              <a:rPr lang="en-US" dirty="0" smtClean="0"/>
-              <a:t>String sorts – two main approaches</a:t>
-            </a:r>
-            <a:endParaRPr lang="en-US" dirty="0"/>
-          </a:p>
-        </p:txBody>
-      </p:sp>
-      <p:sp>
-        <p:nvSpPr>
-          <p:cNvPr id="3" name="Content Placeholder 2"/>
-          <p:cNvSpPr>
-            <a:spLocks noGrp="1"/>
-          </p:cNvSpPr>
-          <p:nvPr>
-            <p:ph idx="1"/>
-          </p:nvPr>
-        </p:nvSpPr>
-        <p:spPr/>
-        <p:txBody>
-          <a:bodyPr>
-            <a:normAutofit fontScale="92500"/>
-          </a:bodyPr>
-          <a:lstStyle/>
-          <a:p>
-            <a:r>
-              <a:rPr lang="en-US" dirty="0" smtClean="0"/>
-              <a:t>First, examine characters in the keys in right-to-left order</a:t>
-            </a:r>
-          </a:p>
-          <a:p>
-            <a:pPr lvl="1"/>
-            <a:r>
-              <a:rPr lang="en-US" dirty="0" smtClean="0"/>
-              <a:t>Least-significant-digit (LSD) string sorts</a:t>
-            </a:r>
-          </a:p>
-          <a:p>
-            <a:pPr lvl="1"/>
-            <a:r>
-              <a:rPr lang="en-US" dirty="0" smtClean="0"/>
-              <a:t>Thinking of a string as a base-256 number, considering characters from right to left, the least significant </a:t>
-            </a:r>
-            <a:r>
-              <a:rPr lang="en-US" dirty="0"/>
-              <a:t>digits </a:t>
-            </a:r>
-            <a:r>
-              <a:rPr lang="en-US" dirty="0" smtClean="0"/>
-              <a:t>first</a:t>
-            </a:r>
-          </a:p>
-          <a:p>
-            <a:pPr lvl="1"/>
-            <a:r>
-              <a:rPr lang="en-US" dirty="0" smtClean="0"/>
-              <a:t>This method is used when all keys </a:t>
-            </a:r>
-            <a:r>
-              <a:rPr lang="en-US" dirty="0" smtClean="0"/>
-              <a:t>are of </a:t>
-            </a:r>
-            <a:r>
-              <a:rPr lang="en-US" dirty="0" smtClean="0"/>
-              <a:t>the same length</a:t>
-            </a:r>
-          </a:p>
-          <a:p>
-            <a:r>
-              <a:rPr lang="en-US" dirty="0" smtClean="0"/>
-              <a:t>Second, examines the characters in the keys in a left-to-right order</a:t>
-            </a:r>
-          </a:p>
-          <a:p>
-            <a:pPr lvl="1"/>
-            <a:r>
-              <a:rPr lang="en-US" dirty="0" smtClean="0"/>
-              <a:t>Most-significant-digit first (MSD)</a:t>
-            </a:r>
-          </a:p>
-          <a:p>
-            <a:pPr lvl="1"/>
-            <a:r>
-              <a:rPr lang="en-US" dirty="0" smtClean="0"/>
-              <a:t>We can get the sorts done without having to check all of the input characters</a:t>
-            </a:r>
-          </a:p>
-        </p:txBody>
-      </p:sp>
-    </p:spTree>
-    <p:extLst>
-      <p:ext uri="{BB962C8B-B14F-4D97-AF65-F5344CB8AC3E}">
-        <p14:creationId xmlns:p14="http://schemas.microsoft.com/office/powerpoint/2010/main" val="561129507"/>
-      </p:ext>
-    </p:extLst>
-  </p:cSld>
-  <p:clrMapOvr>
-    <a:masterClrMapping/>
-  </p:clrMapOvr>
-  <p:timing>
-    <p:tnLst>
-      <p:par>
-        <p:cTn xmlns:p14="http://schemas.microsoft.com/office/powerpoint/2010/main" id="1" dur="indefinite" restart="never" nodeType="tmRoot"/>
-      </p:par>
-    </p:tnLst>
-  </p:timing>
-</p:sld>
-</file>
-
-<file path=ppt/slides/slide8.xml><?xml version="1.0" encoding="utf-8"?>
-<p:sld xmlns:a="http://schemas.openxmlformats.org/drawingml/2006/main" xmlns:r="http://schemas.openxmlformats.org/officeDocument/2006/relationships" xmlns:p="http://schemas.openxmlformats.org/presentationml/2006/main">
-  <p:cSld>
-    <p:spTree>
-      <p:nvGrpSpPr>
-        <p:cNvPr id="1" name=""/>
-        <p:cNvGrpSpPr/>
-        <p:nvPr/>
-      </p:nvGrpSpPr>
-      <p:grpSpPr>
-        <a:xfrm>
-          <a:off x="0" y="0"/>
-          <a:ext cx="0" cy="0"/>
-          <a:chOff x="0" y="0"/>
-          <a:chExt cx="0" cy="0"/>
-        </a:xfrm>
-      </p:grpSpPr>
-      <p:sp>
-        <p:nvSpPr>
-          <p:cNvPr id="4" name="Title 3"/>
-          <p:cNvSpPr>
-            <a:spLocks noGrp="1"/>
-          </p:cNvSpPr>
-          <p:nvPr>
-            <p:ph type="title"/>
-          </p:nvPr>
-        </p:nvSpPr>
-        <p:spPr/>
-        <p:txBody>
-          <a:bodyPr/>
-          <a:lstStyle/>
-          <a:p>
-            <a:r>
-              <a:rPr lang="en-US" dirty="0" smtClean="0"/>
-              <a:t>Key-Indexed Counting</a:t>
-            </a:r>
-            <a:endParaRPr lang="en-US" dirty="0"/>
-          </a:p>
-        </p:txBody>
-      </p:sp>
-      <p:sp>
-        <p:nvSpPr>
-          <p:cNvPr id="5" name="Text Placeholder 4"/>
-          <p:cNvSpPr>
-            <a:spLocks noGrp="1"/>
-          </p:cNvSpPr>
-          <p:nvPr>
-            <p:ph type="body" idx="1"/>
-          </p:nvPr>
-        </p:nvSpPr>
-        <p:spPr/>
-        <p:txBody>
-          <a:bodyPr/>
-          <a:lstStyle/>
-          <a:p>
-            <a:endParaRPr lang="en-US"/>
-          </a:p>
-        </p:txBody>
-      </p:sp>
-    </p:spTree>
-    <p:extLst>
-      <p:ext uri="{BB962C8B-B14F-4D97-AF65-F5344CB8AC3E}">
-        <p14:creationId xmlns:p14="http://schemas.microsoft.com/office/powerpoint/2010/main" val="3860310288"/>
-      </p:ext>
-    </p:extLst>
-  </p:cSld>
-  <p:clrMapOvr>
-    <a:masterClrMapping/>
-  </p:clrMapOvr>
-</p:sld>
-</file>
-
-<file path=ppt/slides/slide9.xml><?xml version="1.0" encoding="utf-8"?>
-<p:sld xmlns:a="http://schemas.openxmlformats.org/drawingml/2006/main" xmlns:r="http://schemas.openxmlformats.org/officeDocument/2006/relationships" xmlns:p="http://schemas.openxmlformats.org/presentationml/2006/main">
-  <p:cSld>
-    <p:spTree>
-      <p:nvGrpSpPr>
-        <p:cNvPr id="1" name=""/>
-        <p:cNvGrpSpPr/>
-        <p:nvPr/>
-      </p:nvGrpSpPr>
-      <p:grpSpPr>
-        <a:xfrm>
-          <a:off x="0" y="0"/>
-          <a:ext cx="0" cy="0"/>
-          <a:chOff x="0" y="0"/>
-          <a:chExt cx="0" cy="0"/>
-        </a:xfrm>
-      </p:grpSpPr>
-      <p:sp>
-        <p:nvSpPr>
-          <p:cNvPr id="2" name="Title 1"/>
-          <p:cNvSpPr>
-            <a:spLocks noGrp="1"/>
-          </p:cNvSpPr>
-          <p:nvPr>
-            <p:ph type="title"/>
-          </p:nvPr>
-        </p:nvSpPr>
-        <p:spPr/>
-        <p:txBody>
-          <a:bodyPr/>
-          <a:lstStyle/>
-          <a:p>
-            <a:r>
-              <a:rPr lang="en-US" dirty="0" smtClean="0"/>
-              <a:t>Key-indexed counting</a:t>
-            </a:r>
-            <a:endParaRPr lang="en-US" dirty="0"/>
-          </a:p>
-        </p:txBody>
-      </p:sp>
-      <p:sp>
-        <p:nvSpPr>
-          <p:cNvPr id="3" name="Content Placeholder 2"/>
-          <p:cNvSpPr>
-            <a:spLocks noGrp="1"/>
-          </p:cNvSpPr>
-          <p:nvPr>
-            <p:ph idx="1"/>
-          </p:nvPr>
-        </p:nvSpPr>
-        <p:spPr>
-          <a:xfrm>
-            <a:off x="76200" y="1066800"/>
-            <a:ext cx="5867400" cy="5181600"/>
-          </a:xfrm>
-        </p:spPr>
-        <p:txBody>
-          <a:bodyPr>
-            <a:normAutofit fontScale="77500" lnSpcReduction="20000"/>
-          </a:bodyPr>
-          <a:lstStyle/>
-          <a:p>
-            <a:r>
-              <a:rPr lang="en-US" dirty="0" smtClean="0"/>
-              <a:t>Simple method for </a:t>
-            </a:r>
-            <a:r>
-              <a:rPr lang="en-US" dirty="0" smtClean="0"/>
-              <a:t>sorting, </a:t>
-            </a:r>
-            <a:r>
-              <a:rPr lang="en-US" dirty="0" smtClean="0"/>
-              <a:t>effective whenever the keys are small integers</a:t>
-            </a:r>
-          </a:p>
-          <a:p>
-            <a:r>
-              <a:rPr lang="en-US" dirty="0" smtClean="0"/>
-              <a:t>It is basis for two of the string sorts that we will study</a:t>
-            </a:r>
-          </a:p>
-          <a:p>
-            <a:r>
-              <a:rPr lang="en-US" dirty="0" smtClean="0"/>
-              <a:t>Scenario</a:t>
-            </a:r>
-          </a:p>
-          <a:p>
-            <a:pPr lvl="1"/>
-            <a:r>
-              <a:rPr lang="en-US" dirty="0" smtClean="0"/>
-              <a:t>Maintaining grades for a class with students assigned to sections (1, 2, 3, …)</a:t>
-            </a:r>
-          </a:p>
-          <a:p>
-            <a:pPr lvl="1"/>
-            <a:r>
-              <a:rPr lang="en-US" dirty="0" smtClean="0"/>
-              <a:t>List class by section</a:t>
-            </a:r>
-          </a:p>
-          <a:p>
-            <a:pPr lvl="1"/>
-            <a:r>
-              <a:rPr lang="en-US" dirty="0" smtClean="0"/>
-              <a:t>Assume data is kept in array a[] of items </a:t>
-            </a:r>
-          </a:p>
-          <a:p>
-            <a:pPr lvl="1"/>
-            <a:r>
-              <a:rPr lang="en-US" dirty="0" smtClean="0"/>
-              <a:t>Each item contains name, section number</a:t>
-            </a:r>
-          </a:p>
-          <a:p>
-            <a:pPr lvl="1"/>
-            <a:r>
-              <a:rPr lang="en-US" dirty="0" smtClean="0"/>
-              <a:t>Code a[</a:t>
-            </a:r>
-            <a:r>
-              <a:rPr lang="en-US" dirty="0" err="1" smtClean="0"/>
-              <a:t>i</a:t>
-            </a:r>
-            <a:r>
-              <a:rPr lang="en-US" dirty="0" smtClean="0"/>
-              <a:t>].key() returns the section number</a:t>
-            </a:r>
-          </a:p>
-        </p:txBody>
-      </p:sp>
-      <p:pic>
-        <p:nvPicPr>
-          <p:cNvPr id="4" name="Picture 3"/>
-          <p:cNvPicPr>
-            <a:picLocks noChangeAspect="1"/>
-          </p:cNvPicPr>
-          <p:nvPr/>
-        </p:nvPicPr>
-        <p:blipFill>
-          <a:blip r:embed="rId2"/>
-          <a:stretch>
-            <a:fillRect/>
-          </a:stretch>
-        </p:blipFill>
-        <p:spPr>
-          <a:xfrm>
-            <a:off x="5943600" y="546100"/>
-            <a:ext cx="3111500" cy="5765800"/>
-          </a:xfrm>
-          <a:prstGeom prst="rect">
-            <a:avLst/>
-          </a:prstGeom>
-        </p:spPr>
-      </p:pic>
-    </p:spTree>
-    <p:extLst>
-      <p:ext uri="{BB962C8B-B14F-4D97-AF65-F5344CB8AC3E}">
-        <p14:creationId xmlns:p14="http://schemas.microsoft.com/office/powerpoint/2010/main" val="2584365042"/>
+        <p14:creationId xmlns:p14="http://schemas.microsoft.com/office/powerpoint/2010/main" val="3381460905"/>
       </p:ext>
     </p:extLst>
   </p:cSld>

--- a/dsa2017-java-online/handouts/data-day06-string/Lecture 10, 11 (Teach in 2 days) - String.pptx
+++ b/dsa2017-java-online/handouts/data-day06-string/Lecture 10, 11 (Teach in 2 days) - String.pptx
@@ -302,7 +302,7 @@
           <a:p>
             <a:fld id="{912909EE-3318-2B49-BBCA-50C0EA6484E2}" type="datetimeFigureOut">
               <a:rPr lang="en-US" smtClean="0"/>
-              <a:t>27-May-17</a:t>
+              <a:t>29-May-17</a:t>
             </a:fld>
             <a:endParaRPr lang="en-US"/>
           </a:p>
@@ -3947,14 +3947,14 @@
           <a:noFill/>
           <a:extLst>
             <a:ext uri="{909E8E84-426E-40dd-AFC4-6F175D3DCCD1}">
-              <a14:hiddenFill xmlns:a14="http://schemas.microsoft.com/office/drawing/2010/main" xmlns="">
+              <a14:hiddenFill xmlns="" xmlns:a14="http://schemas.microsoft.com/office/drawing/2010/main">
                 <a:solidFill>
                   <a:srgbClr val="FFFFFF"/>
                 </a:solidFill>
               </a14:hiddenFill>
             </a:ext>
             <a:ext uri="{91240B29-F687-4f45-9708-019B960494DF}">
-              <a14:hiddenLine xmlns:a14="http://schemas.microsoft.com/office/drawing/2010/main" xmlns="" w="9525">
+              <a14:hiddenLine xmlns="" xmlns:a14="http://schemas.microsoft.com/office/drawing/2010/main" w="9525">
                 <a:solidFill>
                   <a:srgbClr val="000000"/>
                 </a:solidFill>
@@ -3964,7 +3964,7 @@
               </a14:hiddenLine>
             </a:ext>
             <a:ext uri="{FAA26D3D-D897-4be2-8F04-BA451C77F1D7}">
-              <ma14:placeholderFlag xmlns:ma14="http://schemas.microsoft.com/office/mac/drawingml/2011/main" xmlns="" val="1"/>
+              <ma14:placeholderFlag xmlns="" xmlns:ma14="http://schemas.microsoft.com/office/mac/drawingml/2011/main" val="1"/>
             </a:ext>
           </a:extLst>
         </p:spPr>
@@ -6411,6 +6411,30 @@
           </a:p>
         </p:txBody>
       </p:sp>
+      <p:pic>
+        <p:nvPicPr>
+          <p:cNvPr id="4" name="Picture 3"/>
+          <p:cNvPicPr>
+            <a:picLocks noChangeAspect="1"/>
+          </p:cNvPicPr>
+          <p:nvPr/>
+        </p:nvPicPr>
+        <p:blipFill>
+          <a:blip r:embed="rId2"/>
+          <a:stretch>
+            <a:fillRect/>
+          </a:stretch>
+        </p:blipFill>
+        <p:spPr>
+          <a:xfrm>
+            <a:off x="2733675" y="1876425"/>
+            <a:ext cx="3676650" cy="3105150"/>
+          </a:xfrm>
+          <a:prstGeom prst="rect">
+            <a:avLst/>
+          </a:prstGeom>
+        </p:spPr>
+      </p:pic>
     </p:spTree>
     <p:extLst>
       <p:ext uri="{BB962C8B-B14F-4D97-AF65-F5344CB8AC3E}">
@@ -6421,6 +6445,127 @@
   <p:clrMapOvr>
     <a:masterClrMapping/>
   </p:clrMapOvr>
+  <p:timing>
+    <p:tnLst>
+      <p:par>
+        <p:cTn id="1" dur="indefinite" restart="never" nodeType="tmRoot">
+          <p:childTnLst>
+            <p:seq concurrent="1" nextAc="seek">
+              <p:cTn id="2" dur="indefinite" nodeType="mainSeq">
+                <p:childTnLst>
+                  <p:par>
+                    <p:cTn id="3" fill="hold">
+                      <p:stCondLst>
+                        <p:cond delay="indefinite"/>
+                      </p:stCondLst>
+                      <p:childTnLst>
+                        <p:par>
+                          <p:cTn id="4" fill="hold">
+                            <p:stCondLst>
+                              <p:cond delay="0"/>
+                            </p:stCondLst>
+                            <p:childTnLst>
+                              <p:par>
+                                <p:cTn id="5" presetID="2" presetClass="entr" presetSubtype="4" fill="hold" nodeType="clickEffect">
+                                  <p:stCondLst>
+                                    <p:cond delay="0"/>
+                                  </p:stCondLst>
+                                  <p:childTnLst>
+                                    <p:set>
+                                      <p:cBhvr>
+                                        <p:cTn id="6" dur="1" fill="hold">
+                                          <p:stCondLst>
+                                            <p:cond delay="0"/>
+                                          </p:stCondLst>
+                                        </p:cTn>
+                                        <p:tgtEl>
+                                          <p:spTgt spid="4"/>
+                                        </p:tgtEl>
+                                        <p:attrNameLst>
+                                          <p:attrName>style.visibility</p:attrName>
+                                        </p:attrNameLst>
+                                      </p:cBhvr>
+                                      <p:to>
+                                        <p:strVal val="visible"/>
+                                      </p:to>
+                                    </p:set>
+                                    <p:anim calcmode="lin" valueType="num">
+                                      <p:cBhvr additive="base">
+                                        <p:cTn id="7" dur="500" fill="hold"/>
+                                        <p:tgtEl>
+                                          <p:spTgt spid="4"/>
+                                        </p:tgtEl>
+                                        <p:attrNameLst>
+                                          <p:attrName>ppt_x</p:attrName>
+                                        </p:attrNameLst>
+                                      </p:cBhvr>
+                                      <p:tavLst>
+                                        <p:tav tm="0">
+                                          <p:val>
+                                            <p:strVal val="#ppt_x"/>
+                                          </p:val>
+                                        </p:tav>
+                                        <p:tav tm="100000">
+                                          <p:val>
+                                            <p:strVal val="#ppt_x"/>
+                                          </p:val>
+                                        </p:tav>
+                                      </p:tavLst>
+                                    </p:anim>
+                                    <p:anim calcmode="lin" valueType="num">
+                                      <p:cBhvr additive="base">
+                                        <p:cTn id="8" dur="500" fill="hold"/>
+                                        <p:tgtEl>
+                                          <p:spTgt spid="4"/>
+                                        </p:tgtEl>
+                                        <p:attrNameLst>
+                                          <p:attrName>ppt_y</p:attrName>
+                                        </p:attrNameLst>
+                                      </p:cBhvr>
+                                      <p:tavLst>
+                                        <p:tav tm="0">
+                                          <p:val>
+                                            <p:strVal val="1+#ppt_h/2"/>
+                                          </p:val>
+                                        </p:tav>
+                                        <p:tav tm="100000">
+                                          <p:val>
+                                            <p:strVal val="#ppt_y"/>
+                                          </p:val>
+                                        </p:tav>
+                                      </p:tavLst>
+                                    </p:anim>
+                                  </p:childTnLst>
+                                </p:cTn>
+                              </p:par>
+                            </p:childTnLst>
+                          </p:cTn>
+                        </p:par>
+                      </p:childTnLst>
+                    </p:cTn>
+                  </p:par>
+                </p:childTnLst>
+              </p:cTn>
+              <p:prevCondLst>
+                <p:cond evt="onPrev" delay="0">
+                  <p:tgtEl>
+                    <p:sldTgt/>
+                  </p:tgtEl>
+                </p:cond>
+              </p:prevCondLst>
+              <p:nextCondLst>
+                <p:cond evt="onNext" delay="0">
+                  <p:tgtEl>
+                    <p:sldTgt/>
+                  </p:tgtEl>
+                </p:cond>
+              </p:nextCondLst>
+            </p:seq>
+          </p:childTnLst>
+        </p:cTn>
+      </p:par>
+    </p:tnLst>
+  </p:timing>
 </p:sld>
 </file>
 
